--- a/Win12 New.pptx
+++ b/Win12 New.pptx
@@ -5,7 +5,7 @@
     <p:sldMasterId id="2147483648" r:id="rId1"/>
   </p:sldMasterIdLst>
   <p:notesMasterIdLst>
-    <p:notesMasterId r:id="rId43"/>
+    <p:notesMasterId r:id="rId49"/>
   </p:notesMasterIdLst>
   <p:sldIdLst>
     <p:sldId id="258" r:id="rId2"/>
@@ -49,6 +49,12 @@
     <p:sldId id="299" r:id="rId40"/>
     <p:sldId id="300" r:id="rId41"/>
     <p:sldId id="301" r:id="rId42"/>
+    <p:sldId id="303" r:id="rId43"/>
+    <p:sldId id="305" r:id="rId44"/>
+    <p:sldId id="308" r:id="rId45"/>
+    <p:sldId id="309" r:id="rId46"/>
+    <p:sldId id="307" r:id="rId47"/>
+    <p:sldId id="306" r:id="rId48"/>
   </p:sldIdLst>
   <p:sldSz cx="12192000" cy="6858000"/>
   <p:notesSz cx="6858000" cy="9144000"/>
@@ -159,2422 +165,6 @@
 <p188:authorLst xmlns:a="http://schemas.openxmlformats.org/drawingml/2006/main" xmlns:r="http://schemas.openxmlformats.org/officeDocument/2006/relationships" xmlns:p188="http://schemas.microsoft.com/office/powerpoint/2018/8/main">
   <p188:author id="{25D4CDD3-DD9F-0587-97BF-036623D71990}" name="Ad_closeNN" initials="Ad" userId="Ad_closeNN" providerId="None"/>
 </p188:authorLst>
-</file>
-
-<file path=ppt/revisionInfo.xml><?xml version="1.0" encoding="utf-8"?>
-<p1510:revInfo xmlns:a="http://schemas.openxmlformats.org/drawingml/2006/main" xmlns:r="http://schemas.openxmlformats.org/officeDocument/2006/relationships" xmlns:p1510="http://schemas.microsoft.com/office/powerpoint/2015/10/main">
-  <p1510:revLst>
-    <p1510:client id="{B0AF8342-45BF-4D23-9CFC-85E61709FB68}" v="1159" dt="2024-03-17T04:52:10.615"/>
-  </p1510:revLst>
-</p1510:revInfo>
-</file>
-
-<file path=ppt/changesInfos/changesInfo1.xml><?xml version="1.0" encoding="utf-8"?>
-<pc:chgInfo xmlns:a="http://schemas.openxmlformats.org/drawingml/2006/main" xmlns:r="http://schemas.openxmlformats.org/officeDocument/2006/relationships" xmlns:ac="http://schemas.microsoft.com/office/drawing/2013/main/command" xmlns:pc="http://schemas.microsoft.com/office/powerpoint/2013/main/command">
-  <pc:docChgLst>
-    <pc:chgData name="Ad_closeNN Ad" userId="92b553ccbda0fa53" providerId="LiveId" clId="{B0AF8342-45BF-4D23-9CFC-85E61709FB68}"/>
-    <pc:docChg chg="undo redo custSel addSld delSld modSld sldOrd">
-      <pc:chgData name="Ad_closeNN Ad" userId="92b553ccbda0fa53" providerId="LiveId" clId="{B0AF8342-45BF-4D23-9CFC-85E61709FB68}" dt="2024-03-16T16:13:34.472" v="2407" actId="403"/>
-      <pc:docMkLst>
-        <pc:docMk/>
-      </pc:docMkLst>
-      <pc:sldChg chg="modTransition">
-        <pc:chgData name="Ad_closeNN Ad" userId="92b553ccbda0fa53" providerId="LiveId" clId="{B0AF8342-45BF-4D23-9CFC-85E61709FB68}" dt="2024-03-16T15:44:15.265" v="2158"/>
-        <pc:sldMkLst>
-          <pc:docMk/>
-          <pc:sldMk cId="3576692957" sldId="258"/>
-        </pc:sldMkLst>
-      </pc:sldChg>
-      <pc:sldChg chg="modTransition">
-        <pc:chgData name="Ad_closeNN Ad" userId="92b553ccbda0fa53" providerId="LiveId" clId="{B0AF8342-45BF-4D23-9CFC-85E61709FB68}" dt="2024-03-16T15:44:27.622" v="2159"/>
-        <pc:sldMkLst>
-          <pc:docMk/>
-          <pc:sldMk cId="1783736682" sldId="259"/>
-        </pc:sldMkLst>
-      </pc:sldChg>
-      <pc:sldChg chg="modTransition modAnim">
-        <pc:chgData name="Ad_closeNN Ad" userId="92b553ccbda0fa53" providerId="LiveId" clId="{B0AF8342-45BF-4D23-9CFC-85E61709FB68}" dt="2024-03-16T16:07:27.162" v="2397"/>
-        <pc:sldMkLst>
-          <pc:docMk/>
-          <pc:sldMk cId="2480777762" sldId="260"/>
-        </pc:sldMkLst>
-      </pc:sldChg>
-      <pc:sldChg chg="modSp modTransition">
-        <pc:chgData name="Ad_closeNN Ad" userId="92b553ccbda0fa53" providerId="LiveId" clId="{B0AF8342-45BF-4D23-9CFC-85E61709FB68}" dt="2024-03-16T16:08:26.426" v="2399"/>
-        <pc:sldMkLst>
-          <pc:docMk/>
-          <pc:sldMk cId="1319004946" sldId="261"/>
-        </pc:sldMkLst>
-        <pc:spChg chg="mod">
-          <ac:chgData name="Ad_closeNN Ad" userId="92b553ccbda0fa53" providerId="LiveId" clId="{B0AF8342-45BF-4D23-9CFC-85E61709FB68}" dt="2024-03-16T16:08:26.426" v="2399"/>
-          <ac:spMkLst>
-            <pc:docMk/>
-            <pc:sldMk cId="1319004946" sldId="261"/>
-            <ac:spMk id="20" creationId="{82B6973D-68F7-1263-A20C-16D7D02818A2}"/>
-          </ac:spMkLst>
-        </pc:spChg>
-      </pc:sldChg>
-      <pc:sldChg chg="modAnim">
-        <pc:chgData name="Ad_closeNN Ad" userId="92b553ccbda0fa53" providerId="LiveId" clId="{B0AF8342-45BF-4D23-9CFC-85E61709FB68}" dt="2024-03-16T16:04:57.639" v="2384"/>
-        <pc:sldMkLst>
-          <pc:docMk/>
-          <pc:sldMk cId="1181311158" sldId="262"/>
-        </pc:sldMkLst>
-      </pc:sldChg>
-      <pc:sldChg chg="modTransition">
-        <pc:chgData name="Ad_closeNN Ad" userId="92b553ccbda0fa53" providerId="LiveId" clId="{B0AF8342-45BF-4D23-9CFC-85E61709FB68}" dt="2024-03-16T16:07:46.227" v="2398"/>
-        <pc:sldMkLst>
-          <pc:docMk/>
-          <pc:sldMk cId="2532095431" sldId="263"/>
-        </pc:sldMkLst>
-      </pc:sldChg>
-      <pc:sldChg chg="addSp delSp modSp del mod setBg">
-        <pc:chgData name="Ad_closeNN Ad" userId="92b553ccbda0fa53" providerId="LiveId" clId="{B0AF8342-45BF-4D23-9CFC-85E61709FB68}" dt="2024-03-16T13:28:04.475" v="149" actId="2696"/>
-        <pc:sldMkLst>
-          <pc:docMk/>
-          <pc:sldMk cId="2744947327" sldId="264"/>
-        </pc:sldMkLst>
-        <pc:spChg chg="mod">
-          <ac:chgData name="Ad_closeNN Ad" userId="92b553ccbda0fa53" providerId="LiveId" clId="{B0AF8342-45BF-4D23-9CFC-85E61709FB68}" dt="2024-03-16T12:52:37.984" v="2" actId="1076"/>
-          <ac:spMkLst>
-            <pc:docMk/>
-            <pc:sldMk cId="2744947327" sldId="264"/>
-            <ac:spMk id="28" creationId="{160496BA-945D-D186-6A80-8783F923D4FB}"/>
-          </ac:spMkLst>
-        </pc:spChg>
-        <pc:spChg chg="mod">
-          <ac:chgData name="Ad_closeNN Ad" userId="92b553ccbda0fa53" providerId="LiveId" clId="{B0AF8342-45BF-4D23-9CFC-85E61709FB68}" dt="2024-03-16T13:13:19.692" v="54" actId="20577"/>
-          <ac:spMkLst>
-            <pc:docMk/>
-            <pc:sldMk cId="2744947327" sldId="264"/>
-            <ac:spMk id="29" creationId="{FDCABC5B-C326-004F-DB02-CCB3B0B8C6F7}"/>
-          </ac:spMkLst>
-        </pc:spChg>
-        <pc:spChg chg="add">
-          <ac:chgData name="Ad_closeNN Ad" userId="92b553ccbda0fa53" providerId="LiveId" clId="{B0AF8342-45BF-4D23-9CFC-85E61709FB68}" dt="2024-03-16T12:52:34.462" v="0"/>
-          <ac:spMkLst>
-            <pc:docMk/>
-            <pc:sldMk cId="2744947327" sldId="264"/>
-            <ac:spMk id="41" creationId="{EAE04D00-C554-CF71-D5E1-28BEE7EEBEE7}"/>
-          </ac:spMkLst>
-        </pc:spChg>
-        <pc:spChg chg="add del">
-          <ac:chgData name="Ad_closeNN Ad" userId="92b553ccbda0fa53" providerId="LiveId" clId="{B0AF8342-45BF-4D23-9CFC-85E61709FB68}" dt="2024-03-16T13:14:22.194" v="61" actId="478"/>
-          <ac:spMkLst>
-            <pc:docMk/>
-            <pc:sldMk cId="2744947327" sldId="264"/>
-            <ac:spMk id="46" creationId="{998B3EAB-16CC-2B2E-6A03-5CD61B03BBD0}"/>
-          </ac:spMkLst>
-        </pc:spChg>
-        <pc:spChg chg="add mod">
-          <ac:chgData name="Ad_closeNN Ad" userId="92b553ccbda0fa53" providerId="LiveId" clId="{B0AF8342-45BF-4D23-9CFC-85E61709FB68}" dt="2024-03-16T13:14:52.167" v="70" actId="2085"/>
-          <ac:spMkLst>
-            <pc:docMk/>
-            <pc:sldMk cId="2744947327" sldId="264"/>
-            <ac:spMk id="47" creationId="{7AF078B2-0D90-6BE1-D02D-6EEA2954A686}"/>
-          </ac:spMkLst>
-        </pc:spChg>
-        <pc:spChg chg="add mod">
-          <ac:chgData name="Ad_closeNN Ad" userId="92b553ccbda0fa53" providerId="LiveId" clId="{B0AF8342-45BF-4D23-9CFC-85E61709FB68}" dt="2024-03-16T13:24:00.128" v="90" actId="404"/>
-          <ac:spMkLst>
-            <pc:docMk/>
-            <pc:sldMk cId="2744947327" sldId="264"/>
-            <ac:spMk id="48" creationId="{9189924A-D9D4-95C4-B33B-5A1D9B3D0095}"/>
-          </ac:spMkLst>
-        </pc:spChg>
-        <pc:picChg chg="del">
-          <ac:chgData name="Ad_closeNN Ad" userId="92b553ccbda0fa53" providerId="LiveId" clId="{B0AF8342-45BF-4D23-9CFC-85E61709FB68}" dt="2024-03-16T12:52:40.893" v="3" actId="478"/>
-          <ac:picMkLst>
-            <pc:docMk/>
-            <pc:sldMk cId="2744947327" sldId="264"/>
-            <ac:picMk id="30" creationId="{9A669300-68F3-CD73-75F3-DC056C5EB36E}"/>
-          </ac:picMkLst>
-        </pc:picChg>
-        <pc:picChg chg="add mod">
-          <ac:chgData name="Ad_closeNN Ad" userId="92b553ccbda0fa53" providerId="LiveId" clId="{B0AF8342-45BF-4D23-9CFC-85E61709FB68}" dt="2024-03-16T13:13:04.654" v="13" actId="1076"/>
-          <ac:picMkLst>
-            <pc:docMk/>
-            <pc:sldMk cId="2744947327" sldId="264"/>
-            <ac:picMk id="43" creationId="{305609BA-64F5-72DA-F408-1D4FF72AF068}"/>
-          </ac:picMkLst>
-        </pc:picChg>
-        <pc:picChg chg="add del mod">
-          <ac:chgData name="Ad_closeNN Ad" userId="92b553ccbda0fa53" providerId="LiveId" clId="{B0AF8342-45BF-4D23-9CFC-85E61709FB68}" dt="2024-03-16T13:12:56.111" v="10" actId="478"/>
-          <ac:picMkLst>
-            <pc:docMk/>
-            <pc:sldMk cId="2744947327" sldId="264"/>
-            <ac:picMk id="1028" creationId="{B6BEF196-14C7-8C94-AA39-7B413AEB824B}"/>
-          </ac:picMkLst>
-        </pc:picChg>
-        <pc:cxnChg chg="add del mod">
-          <ac:chgData name="Ad_closeNN Ad" userId="92b553ccbda0fa53" providerId="LiveId" clId="{B0AF8342-45BF-4D23-9CFC-85E61709FB68}" dt="2024-03-16T13:14:10.761" v="59" actId="478"/>
-          <ac:cxnSpMkLst>
-            <pc:docMk/>
-            <pc:sldMk cId="2744947327" sldId="264"/>
-            <ac:cxnSpMk id="45" creationId="{C697267C-65EA-9AAC-CDF2-69E874FD7936}"/>
-          </ac:cxnSpMkLst>
-        </pc:cxnChg>
-      </pc:sldChg>
-      <pc:sldChg chg="addSp delSp modSp add mod ord modTransition modAnim">
-        <pc:chgData name="Ad_closeNN Ad" userId="92b553ccbda0fa53" providerId="LiveId" clId="{B0AF8342-45BF-4D23-9CFC-85E61709FB68}" dt="2024-03-16T15:40:48.710" v="2060"/>
-        <pc:sldMkLst>
-          <pc:docMk/>
-          <pc:sldMk cId="3487083604" sldId="265"/>
-        </pc:sldMkLst>
-        <pc:spChg chg="del mod">
-          <ac:chgData name="Ad_closeNN Ad" userId="92b553ccbda0fa53" providerId="LiveId" clId="{B0AF8342-45BF-4D23-9CFC-85E61709FB68}" dt="2024-03-16T13:44:31.206" v="349" actId="478"/>
-          <ac:spMkLst>
-            <pc:docMk/>
-            <pc:sldMk cId="3487083604" sldId="265"/>
-            <ac:spMk id="2" creationId="{46FAB36A-0092-6342-C1FA-448F653FA92D}"/>
-          </ac:spMkLst>
-        </pc:spChg>
-        <pc:spChg chg="add del mod ord">
-          <ac:chgData name="Ad_closeNN Ad" userId="92b553ccbda0fa53" providerId="LiveId" clId="{B0AF8342-45BF-4D23-9CFC-85E61709FB68}" dt="2024-03-16T13:44:33.699" v="351" actId="478"/>
-          <ac:spMkLst>
-            <pc:docMk/>
-            <pc:sldMk cId="3487083604" sldId="265"/>
-            <ac:spMk id="3" creationId="{DB5C8490-C636-BDF9-569C-2A86E1D227AF}"/>
-          </ac:spMkLst>
-        </pc:spChg>
-        <pc:spChg chg="add mod ord">
-          <ac:chgData name="Ad_closeNN Ad" userId="92b553ccbda0fa53" providerId="LiveId" clId="{B0AF8342-45BF-4D23-9CFC-85E61709FB68}" dt="2024-03-16T13:44:17.089" v="345" actId="167"/>
-          <ac:spMkLst>
-            <pc:docMk/>
-            <pc:sldMk cId="3487083604" sldId="265"/>
-            <ac:spMk id="4" creationId="{22517940-19EC-1A7C-4A8F-C1E032AFA464}"/>
-          </ac:spMkLst>
-        </pc:spChg>
-        <pc:spChg chg="add del mod">
-          <ac:chgData name="Ad_closeNN Ad" userId="92b553ccbda0fa53" providerId="LiveId" clId="{B0AF8342-45BF-4D23-9CFC-85E61709FB68}" dt="2024-03-16T13:37:17.581" v="200" actId="478"/>
-          <ac:spMkLst>
-            <pc:docMk/>
-            <pc:sldMk cId="3487083604" sldId="265"/>
-            <ac:spMk id="5" creationId="{098B1C7D-13FD-B398-D9A8-D8F8928B4C93}"/>
-          </ac:spMkLst>
-        </pc:spChg>
-        <pc:spChg chg="add mod ord">
-          <ac:chgData name="Ad_closeNN Ad" userId="92b553ccbda0fa53" providerId="LiveId" clId="{B0AF8342-45BF-4D23-9CFC-85E61709FB68}" dt="2024-03-16T14:19:01.079" v="1007"/>
-          <ac:spMkLst>
-            <pc:docMk/>
-            <pc:sldMk cId="3487083604" sldId="265"/>
-            <ac:spMk id="6" creationId="{070463A9-9E81-42CD-6E24-27654D454F44}"/>
-          </ac:spMkLst>
-        </pc:spChg>
-        <pc:spChg chg="add mod ord">
-          <ac:chgData name="Ad_closeNN Ad" userId="92b553ccbda0fa53" providerId="LiveId" clId="{B0AF8342-45BF-4D23-9CFC-85E61709FB68}" dt="2024-03-16T13:44:17.089" v="345" actId="167"/>
-          <ac:spMkLst>
-            <pc:docMk/>
-            <pc:sldMk cId="3487083604" sldId="265"/>
-            <ac:spMk id="8" creationId="{F634FDC7-4936-D15D-03F3-987A48084E94}"/>
-          </ac:spMkLst>
-        </pc:spChg>
-        <pc:spChg chg="del mod ord">
-          <ac:chgData name="Ad_closeNN Ad" userId="92b553ccbda0fa53" providerId="LiveId" clId="{B0AF8342-45BF-4D23-9CFC-85E61709FB68}" dt="2024-03-16T13:44:35.184" v="352" actId="478"/>
-          <ac:spMkLst>
-            <pc:docMk/>
-            <pc:sldMk cId="3487083604" sldId="265"/>
-            <ac:spMk id="9" creationId="{9ACBADB4-C50E-4937-D7C0-85770C392631}"/>
-          </ac:spMkLst>
-        </pc:spChg>
-        <pc:spChg chg="del mod">
-          <ac:chgData name="Ad_closeNN Ad" userId="92b553ccbda0fa53" providerId="LiveId" clId="{B0AF8342-45BF-4D23-9CFC-85E61709FB68}" dt="2024-03-16T13:44:26.761" v="347" actId="478"/>
-          <ac:spMkLst>
-            <pc:docMk/>
-            <pc:sldMk cId="3487083604" sldId="265"/>
-            <ac:spMk id="10" creationId="{DDFFF92C-C9D7-1B30-8108-9DC4CF8BB2BE}"/>
-          </ac:spMkLst>
-        </pc:spChg>
-        <pc:spChg chg="add del mod ord">
-          <ac:chgData name="Ad_closeNN Ad" userId="92b553ccbda0fa53" providerId="LiveId" clId="{B0AF8342-45BF-4D23-9CFC-85E61709FB68}" dt="2024-03-16T13:45:43.862" v="363"/>
-          <ac:spMkLst>
-            <pc:docMk/>
-            <pc:sldMk cId="3487083604" sldId="265"/>
-            <ac:spMk id="11" creationId="{F0D67AC0-62E3-9790-429E-20F8936A2295}"/>
-          </ac:spMkLst>
-        </pc:spChg>
-        <pc:spChg chg="add mod ord">
-          <ac:chgData name="Ad_closeNN Ad" userId="92b553ccbda0fa53" providerId="LiveId" clId="{B0AF8342-45BF-4D23-9CFC-85E61709FB68}" dt="2024-03-16T13:44:17.089" v="345" actId="167"/>
-          <ac:spMkLst>
-            <pc:docMk/>
-            <pc:sldMk cId="3487083604" sldId="265"/>
-            <ac:spMk id="12" creationId="{2FF94904-1CED-F0FF-F0AA-FB49F5E8D164}"/>
-          </ac:spMkLst>
-        </pc:spChg>
-        <pc:spChg chg="add mod ord">
-          <ac:chgData name="Ad_closeNN Ad" userId="92b553ccbda0fa53" providerId="LiveId" clId="{B0AF8342-45BF-4D23-9CFC-85E61709FB68}" dt="2024-03-16T13:44:17.089" v="345" actId="167"/>
-          <ac:spMkLst>
-            <pc:docMk/>
-            <pc:sldMk cId="3487083604" sldId="265"/>
-            <ac:spMk id="13" creationId="{A7275852-A11E-AC92-2F05-7E770C68A8C4}"/>
-          </ac:spMkLst>
-        </pc:spChg>
-        <pc:spChg chg="add mod">
-          <ac:chgData name="Ad_closeNN Ad" userId="92b553ccbda0fa53" providerId="LiveId" clId="{B0AF8342-45BF-4D23-9CFC-85E61709FB68}" dt="2024-03-16T14:06:19.391" v="740" actId="404"/>
-          <ac:spMkLst>
-            <pc:docMk/>
-            <pc:sldMk cId="3487083604" sldId="265"/>
-            <ac:spMk id="14" creationId="{CCB27206-4A0F-F4A9-8784-A983183ED08E}"/>
-          </ac:spMkLst>
-        </pc:spChg>
-        <pc:picChg chg="add mod ord">
-          <ac:chgData name="Ad_closeNN Ad" userId="92b553ccbda0fa53" providerId="LiveId" clId="{B0AF8342-45BF-4D23-9CFC-85E61709FB68}" dt="2024-03-16T13:44:17.089" v="345" actId="167"/>
-          <ac:picMkLst>
-            <pc:docMk/>
-            <pc:sldMk cId="3487083604" sldId="265"/>
-            <ac:picMk id="7" creationId="{7A6A2A36-1EDA-CD64-6D51-F2B209C22ADF}"/>
-          </ac:picMkLst>
-        </pc:picChg>
-      </pc:sldChg>
-      <pc:sldChg chg="addSp delSp modSp add mod modTransition setBg modAnim">
-        <pc:chgData name="Ad_closeNN Ad" userId="92b553ccbda0fa53" providerId="LiveId" clId="{B0AF8342-45BF-4D23-9CFC-85E61709FB68}" dt="2024-03-16T14:21:41.774" v="1026"/>
-        <pc:sldMkLst>
-          <pc:docMk/>
-          <pc:sldMk cId="1336090847" sldId="266"/>
-        </pc:sldMkLst>
-        <pc:spChg chg="del">
-          <ac:chgData name="Ad_closeNN Ad" userId="92b553ccbda0fa53" providerId="LiveId" clId="{B0AF8342-45BF-4D23-9CFC-85E61709FB68}" dt="2024-03-16T13:44:48.584" v="355" actId="478"/>
-          <ac:spMkLst>
-            <pc:docMk/>
-            <pc:sldMk cId="1336090847" sldId="266"/>
-            <ac:spMk id="2" creationId="{46FAB36A-0092-6342-C1FA-448F653FA92D}"/>
-          </ac:spMkLst>
-        </pc:spChg>
-        <pc:spChg chg="mod ord">
-          <ac:chgData name="Ad_closeNN Ad" userId="92b553ccbda0fa53" providerId="LiveId" clId="{B0AF8342-45BF-4D23-9CFC-85E61709FB68}" dt="2024-03-16T13:49:58.088" v="455" actId="1076"/>
-          <ac:spMkLst>
-            <pc:docMk/>
-            <pc:sldMk cId="1336090847" sldId="266"/>
-            <ac:spMk id="3" creationId="{DB5C8490-C636-BDF9-569C-2A86E1D227AF}"/>
-          </ac:spMkLst>
-        </pc:spChg>
-        <pc:spChg chg="mod">
-          <ac:chgData name="Ad_closeNN Ad" userId="92b553ccbda0fa53" providerId="LiveId" clId="{B0AF8342-45BF-4D23-9CFC-85E61709FB68}" dt="2024-03-16T13:49:58.088" v="455" actId="1076"/>
-          <ac:spMkLst>
-            <pc:docMk/>
-            <pc:sldMk cId="1336090847" sldId="266"/>
-            <ac:spMk id="4" creationId="{22517940-19EC-1A7C-4A8F-C1E032AFA464}"/>
-          </ac:spMkLst>
-        </pc:spChg>
-        <pc:spChg chg="add mod">
-          <ac:chgData name="Ad_closeNN Ad" userId="92b553ccbda0fa53" providerId="LiveId" clId="{B0AF8342-45BF-4D23-9CFC-85E61709FB68}" dt="2024-03-16T14:01:13.769" v="557" actId="207"/>
-          <ac:spMkLst>
-            <pc:docMk/>
-            <pc:sldMk cId="1336090847" sldId="266"/>
-            <ac:spMk id="5" creationId="{034D139A-F93F-9FAF-3D81-64F959646ED4}"/>
-          </ac:spMkLst>
-        </pc:spChg>
-        <pc:spChg chg="mod">
-          <ac:chgData name="Ad_closeNN Ad" userId="92b553ccbda0fa53" providerId="LiveId" clId="{B0AF8342-45BF-4D23-9CFC-85E61709FB68}" dt="2024-03-16T13:49:58.088" v="455" actId="1076"/>
-          <ac:spMkLst>
-            <pc:docMk/>
-            <pc:sldMk cId="1336090847" sldId="266"/>
-            <ac:spMk id="6" creationId="{070463A9-9E81-42CD-6E24-27654D454F44}"/>
-          </ac:spMkLst>
-        </pc:spChg>
-        <pc:spChg chg="mod">
-          <ac:chgData name="Ad_closeNN Ad" userId="92b553ccbda0fa53" providerId="LiveId" clId="{B0AF8342-45BF-4D23-9CFC-85E61709FB68}" dt="2024-03-16T13:49:58.088" v="455" actId="1076"/>
-          <ac:spMkLst>
-            <pc:docMk/>
-            <pc:sldMk cId="1336090847" sldId="266"/>
-            <ac:spMk id="8" creationId="{F634FDC7-4936-D15D-03F3-987A48084E94}"/>
-          </ac:spMkLst>
-        </pc:spChg>
-        <pc:spChg chg="del">
-          <ac:chgData name="Ad_closeNN Ad" userId="92b553ccbda0fa53" providerId="LiveId" clId="{B0AF8342-45BF-4D23-9CFC-85E61709FB68}" dt="2024-03-16T13:44:49.195" v="356" actId="478"/>
-          <ac:spMkLst>
-            <pc:docMk/>
-            <pc:sldMk cId="1336090847" sldId="266"/>
-            <ac:spMk id="9" creationId="{9ACBADB4-C50E-4937-D7C0-85770C392631}"/>
-          </ac:spMkLst>
-        </pc:spChg>
-        <pc:spChg chg="del">
-          <ac:chgData name="Ad_closeNN Ad" userId="92b553ccbda0fa53" providerId="LiveId" clId="{B0AF8342-45BF-4D23-9CFC-85E61709FB68}" dt="2024-03-16T13:44:47.054" v="354" actId="478"/>
-          <ac:spMkLst>
-            <pc:docMk/>
-            <pc:sldMk cId="1336090847" sldId="266"/>
-            <ac:spMk id="10" creationId="{DDFFF92C-C9D7-1B30-8108-9DC4CF8BB2BE}"/>
-          </ac:spMkLst>
-        </pc:spChg>
-        <pc:spChg chg="mod ord">
-          <ac:chgData name="Ad_closeNN Ad" userId="92b553ccbda0fa53" providerId="LiveId" clId="{B0AF8342-45BF-4D23-9CFC-85E61709FB68}" dt="2024-03-16T13:49:58.088" v="455" actId="1076"/>
-          <ac:spMkLst>
-            <pc:docMk/>
-            <pc:sldMk cId="1336090847" sldId="266"/>
-            <ac:spMk id="11" creationId="{F0D67AC0-62E3-9790-429E-20F8936A2295}"/>
-          </ac:spMkLst>
-        </pc:spChg>
-        <pc:spChg chg="mod">
-          <ac:chgData name="Ad_closeNN Ad" userId="92b553ccbda0fa53" providerId="LiveId" clId="{B0AF8342-45BF-4D23-9CFC-85E61709FB68}" dt="2024-03-16T13:49:58.088" v="455" actId="1076"/>
-          <ac:spMkLst>
-            <pc:docMk/>
-            <pc:sldMk cId="1336090847" sldId="266"/>
-            <ac:spMk id="12" creationId="{2FF94904-1CED-F0FF-F0AA-FB49F5E8D164}"/>
-          </ac:spMkLst>
-        </pc:spChg>
-        <pc:spChg chg="mod">
-          <ac:chgData name="Ad_closeNN Ad" userId="92b553ccbda0fa53" providerId="LiveId" clId="{B0AF8342-45BF-4D23-9CFC-85E61709FB68}" dt="2024-03-16T13:49:58.088" v="455" actId="1076"/>
-          <ac:spMkLst>
-            <pc:docMk/>
-            <pc:sldMk cId="1336090847" sldId="266"/>
-            <ac:spMk id="13" creationId="{A7275852-A11E-AC92-2F05-7E770C68A8C4}"/>
-          </ac:spMkLst>
-        </pc:spChg>
-        <pc:picChg chg="mod">
-          <ac:chgData name="Ad_closeNN Ad" userId="92b553ccbda0fa53" providerId="LiveId" clId="{B0AF8342-45BF-4D23-9CFC-85E61709FB68}" dt="2024-03-16T13:49:58.088" v="455" actId="1076"/>
-          <ac:picMkLst>
-            <pc:docMk/>
-            <pc:sldMk cId="1336090847" sldId="266"/>
-            <ac:picMk id="7" creationId="{7A6A2A36-1EDA-CD64-6D51-F2B209C22ADF}"/>
-          </ac:picMkLst>
-        </pc:picChg>
-      </pc:sldChg>
-      <pc:sldChg chg="delSp modSp add del mod setBg delAnim">
-        <pc:chgData name="Ad_closeNN Ad" userId="92b553ccbda0fa53" providerId="LiveId" clId="{B0AF8342-45BF-4D23-9CFC-85E61709FB68}" dt="2024-03-16T13:41:14.420" v="318" actId="47"/>
-        <pc:sldMkLst>
-          <pc:docMk/>
-          <pc:sldMk cId="2167247648" sldId="266"/>
-        </pc:sldMkLst>
-        <pc:spChg chg="del mod">
-          <ac:chgData name="Ad_closeNN Ad" userId="92b553ccbda0fa53" providerId="LiveId" clId="{B0AF8342-45BF-4D23-9CFC-85E61709FB68}" dt="2024-03-16T13:41:02.150" v="314" actId="478"/>
-          <ac:spMkLst>
-            <pc:docMk/>
-            <pc:sldMk cId="2167247648" sldId="266"/>
-            <ac:spMk id="3" creationId="{DB5C8490-C636-BDF9-569C-2A86E1D227AF}"/>
-          </ac:spMkLst>
-        </pc:spChg>
-        <pc:spChg chg="del">
-          <ac:chgData name="Ad_closeNN Ad" userId="92b553ccbda0fa53" providerId="LiveId" clId="{B0AF8342-45BF-4D23-9CFC-85E61709FB68}" dt="2024-03-16T13:41:06.404" v="316" actId="478"/>
-          <ac:spMkLst>
-            <pc:docMk/>
-            <pc:sldMk cId="2167247648" sldId="266"/>
-            <ac:spMk id="10" creationId="{DDFFF92C-C9D7-1B30-8108-9DC4CF8BB2BE}"/>
-          </ac:spMkLst>
-        </pc:spChg>
-        <pc:spChg chg="del">
-          <ac:chgData name="Ad_closeNN Ad" userId="92b553ccbda0fa53" providerId="LiveId" clId="{B0AF8342-45BF-4D23-9CFC-85E61709FB68}" dt="2024-03-16T13:41:07.518" v="317" actId="478"/>
-          <ac:spMkLst>
-            <pc:docMk/>
-            <pc:sldMk cId="2167247648" sldId="266"/>
-            <ac:spMk id="11" creationId="{F0D67AC0-62E3-9790-429E-20F8936A2295}"/>
-          </ac:spMkLst>
-        </pc:spChg>
-        <pc:picChg chg="del">
-          <ac:chgData name="Ad_closeNN Ad" userId="92b553ccbda0fa53" providerId="LiveId" clId="{B0AF8342-45BF-4D23-9CFC-85E61709FB68}" dt="2024-03-16T13:41:05.187" v="315" actId="478"/>
-          <ac:picMkLst>
-            <pc:docMk/>
-            <pc:sldMk cId="2167247648" sldId="266"/>
-            <ac:picMk id="7" creationId="{7A6A2A36-1EDA-CD64-6D51-F2B209C22ADF}"/>
-          </ac:picMkLst>
-        </pc:picChg>
-      </pc:sldChg>
-      <pc:sldChg chg="addSp delSp modSp new mod ord modTransition setBg">
-        <pc:chgData name="Ad_closeNN Ad" userId="92b553ccbda0fa53" providerId="LiveId" clId="{B0AF8342-45BF-4D23-9CFC-85E61709FB68}" dt="2024-03-16T15:45:36.078" v="2162"/>
-        <pc:sldMkLst>
-          <pc:docMk/>
-          <pc:sldMk cId="2860936406" sldId="267"/>
-        </pc:sldMkLst>
-        <pc:spChg chg="add mod ord">
-          <ac:chgData name="Ad_closeNN Ad" userId="92b553ccbda0fa53" providerId="LiveId" clId="{B0AF8342-45BF-4D23-9CFC-85E61709FB68}" dt="2024-03-16T14:02:28.663" v="727" actId="1076"/>
-          <ac:spMkLst>
-            <pc:docMk/>
-            <pc:sldMk cId="2860936406" sldId="267"/>
-            <ac:spMk id="4" creationId="{9E184750-6258-BE31-9FA2-B0CAD49AC09D}"/>
-          </ac:spMkLst>
-        </pc:spChg>
-        <pc:spChg chg="add mod">
-          <ac:chgData name="Ad_closeNN Ad" userId="92b553ccbda0fa53" providerId="LiveId" clId="{B0AF8342-45BF-4D23-9CFC-85E61709FB68}" dt="2024-03-16T13:56:23.398" v="475"/>
-          <ac:spMkLst>
-            <pc:docMk/>
-            <pc:sldMk cId="2860936406" sldId="267"/>
-            <ac:spMk id="5" creationId="{3D144E0C-CFFF-3CEE-C488-AFC76CB34E62}"/>
-          </ac:spMkLst>
-        </pc:spChg>
-        <pc:spChg chg="add mod">
-          <ac:chgData name="Ad_closeNN Ad" userId="92b553ccbda0fa53" providerId="LiveId" clId="{B0AF8342-45BF-4D23-9CFC-85E61709FB68}" dt="2024-03-16T14:09:50.714" v="800" actId="20577"/>
-          <ac:spMkLst>
-            <pc:docMk/>
-            <pc:sldMk cId="2860936406" sldId="267"/>
-            <ac:spMk id="6" creationId="{14E29B32-20FE-A265-5271-AFE618BB9F39}"/>
-          </ac:spMkLst>
-        </pc:spChg>
-        <pc:spChg chg="add del">
-          <ac:chgData name="Ad_closeNN Ad" userId="92b553ccbda0fa53" providerId="LiveId" clId="{B0AF8342-45BF-4D23-9CFC-85E61709FB68}" dt="2024-03-16T14:00:13.865" v="519" actId="22"/>
-          <ac:spMkLst>
-            <pc:docMk/>
-            <pc:sldMk cId="2860936406" sldId="267"/>
-            <ac:spMk id="8" creationId="{EB3D5C53-3D2F-93EF-D2F9-98C2A550D330}"/>
-          </ac:spMkLst>
-        </pc:spChg>
-        <pc:spChg chg="add del mod">
-          <ac:chgData name="Ad_closeNN Ad" userId="92b553ccbda0fa53" providerId="LiveId" clId="{B0AF8342-45BF-4D23-9CFC-85E61709FB68}" dt="2024-03-16T14:21:15.518" v="1023" actId="478"/>
-          <ac:spMkLst>
-            <pc:docMk/>
-            <pc:sldMk cId="2860936406" sldId="267"/>
-            <ac:spMk id="9" creationId="{4766C7E6-2231-CEE9-E48D-D5FBF1270276}"/>
-          </ac:spMkLst>
-        </pc:spChg>
-        <pc:spChg chg="add mod">
-          <ac:chgData name="Ad_closeNN Ad" userId="92b553ccbda0fa53" providerId="LiveId" clId="{B0AF8342-45BF-4D23-9CFC-85E61709FB68}" dt="2024-03-16T14:09:21.657" v="758" actId="20577"/>
-          <ac:spMkLst>
-            <pc:docMk/>
-            <pc:sldMk cId="2860936406" sldId="267"/>
-            <ac:spMk id="10" creationId="{22449992-2794-1E32-AEF4-D1DF64725932}"/>
-          </ac:spMkLst>
-        </pc:spChg>
-        <pc:spChg chg="add mod">
-          <ac:chgData name="Ad_closeNN Ad" userId="92b553ccbda0fa53" providerId="LiveId" clId="{B0AF8342-45BF-4D23-9CFC-85E61709FB68}" dt="2024-03-16T14:10:34.094" v="834" actId="1076"/>
-          <ac:spMkLst>
-            <pc:docMk/>
-            <pc:sldMk cId="2860936406" sldId="267"/>
-            <ac:spMk id="11" creationId="{853CBEC1-AC35-7FC9-7074-F4F578271936}"/>
-          </ac:spMkLst>
-        </pc:spChg>
-        <pc:spChg chg="add mod">
-          <ac:chgData name="Ad_closeNN Ad" userId="92b553ccbda0fa53" providerId="LiveId" clId="{B0AF8342-45BF-4D23-9CFC-85E61709FB68}" dt="2024-03-16T14:21:15.777" v="1024"/>
-          <ac:spMkLst>
-            <pc:docMk/>
-            <pc:sldMk cId="2860936406" sldId="267"/>
-            <ac:spMk id="12" creationId="{22D17E98-8FA2-882E-A982-E173F12E705E}"/>
-          </ac:spMkLst>
-        </pc:spChg>
-        <pc:spChg chg="add del mod">
-          <ac:chgData name="Ad_closeNN Ad" userId="92b553ccbda0fa53" providerId="LiveId" clId="{B0AF8342-45BF-4D23-9CFC-85E61709FB68}" dt="2024-03-16T14:28:46.218" v="1065" actId="478"/>
-          <ac:spMkLst>
-            <pc:docMk/>
-            <pc:sldMk cId="2860936406" sldId="267"/>
-            <ac:spMk id="13" creationId="{E123E4FD-A06F-2BB8-1AEF-EFFB1B69B01C}"/>
-          </ac:spMkLst>
-        </pc:spChg>
-        <pc:spChg chg="add mod">
-          <ac:chgData name="Ad_closeNN Ad" userId="92b553ccbda0fa53" providerId="LiveId" clId="{B0AF8342-45BF-4D23-9CFC-85E61709FB68}" dt="2024-03-16T14:28:46.511" v="1066"/>
-          <ac:spMkLst>
-            <pc:docMk/>
-            <pc:sldMk cId="2860936406" sldId="267"/>
-            <ac:spMk id="14" creationId="{1653C0E6-37A6-1025-1DDB-3B392B168E30}"/>
-          </ac:spMkLst>
-        </pc:spChg>
-        <pc:picChg chg="add mod">
-          <ac:chgData name="Ad_closeNN Ad" userId="92b553ccbda0fa53" providerId="LiveId" clId="{B0AF8342-45BF-4D23-9CFC-85E61709FB68}" dt="2024-03-16T14:02:31.115" v="729" actId="1076"/>
-          <ac:picMkLst>
-            <pc:docMk/>
-            <pc:sldMk cId="2860936406" sldId="267"/>
-            <ac:picMk id="3" creationId="{E69F8AB5-5FA8-C90E-A1DB-AFF2DBA4DA9A}"/>
-          </ac:picMkLst>
-        </pc:picChg>
-        <pc:picChg chg="add del mod">
-          <ac:chgData name="Ad_closeNN Ad" userId="92b553ccbda0fa53" providerId="LiveId" clId="{B0AF8342-45BF-4D23-9CFC-85E61709FB68}" dt="2024-03-16T13:55:14.946" v="464" actId="478"/>
-          <ac:picMkLst>
-            <pc:docMk/>
-            <pc:sldMk cId="2860936406" sldId="267"/>
-            <ac:picMk id="2050" creationId="{C0705B52-D14B-EA85-9772-0F7F3895D24A}"/>
-          </ac:picMkLst>
-        </pc:picChg>
-        <pc:picChg chg="add del">
-          <ac:chgData name="Ad_closeNN Ad" userId="92b553ccbda0fa53" providerId="LiveId" clId="{B0AF8342-45BF-4D23-9CFC-85E61709FB68}" dt="2024-03-16T14:06:35.694" v="742" actId="478"/>
-          <ac:picMkLst>
-            <pc:docMk/>
-            <pc:sldMk cId="2860936406" sldId="267"/>
-            <ac:picMk id="2052" creationId="{BE0C5E02-D2C2-1217-F4DE-5ACA926852A2}"/>
-          </ac:picMkLst>
-        </pc:picChg>
-        <pc:picChg chg="add del mod">
-          <ac:chgData name="Ad_closeNN Ad" userId="92b553ccbda0fa53" providerId="LiveId" clId="{B0AF8342-45BF-4D23-9CFC-85E61709FB68}" dt="2024-03-16T14:07:52.752" v="748" actId="478"/>
-          <ac:picMkLst>
-            <pc:docMk/>
-            <pc:sldMk cId="2860936406" sldId="267"/>
-            <ac:picMk id="2054" creationId="{0D0AFC60-749A-C93D-D9D5-D32710EACAE0}"/>
-          </ac:picMkLst>
-        </pc:picChg>
-      </pc:sldChg>
-      <pc:sldChg chg="addSp delSp modSp add mod modTransition">
-        <pc:chgData name="Ad_closeNN Ad" userId="92b553ccbda0fa53" providerId="LiveId" clId="{B0AF8342-45BF-4D23-9CFC-85E61709FB68}" dt="2024-03-16T14:28:43.880" v="1064"/>
-        <pc:sldMkLst>
-          <pc:docMk/>
-          <pc:sldMk cId="483116884" sldId="268"/>
-        </pc:sldMkLst>
-        <pc:spChg chg="add mod">
-          <ac:chgData name="Ad_closeNN Ad" userId="92b553ccbda0fa53" providerId="LiveId" clId="{B0AF8342-45BF-4D23-9CFC-85E61709FB68}" dt="2024-03-16T14:20:35.200" v="1022"/>
-          <ac:spMkLst>
-            <pc:docMk/>
-            <pc:sldMk cId="483116884" sldId="268"/>
-            <ac:spMk id="2" creationId="{B63CDFC6-C0E2-3C75-B823-75F77E738B2D}"/>
-          </ac:spMkLst>
-        </pc:spChg>
-        <pc:spChg chg="add del mod">
-          <ac:chgData name="Ad_closeNN Ad" userId="92b553ccbda0fa53" providerId="LiveId" clId="{B0AF8342-45BF-4D23-9CFC-85E61709FB68}" dt="2024-03-16T14:26:43.122" v="1047" actId="478"/>
-          <ac:spMkLst>
-            <pc:docMk/>
-            <pc:sldMk cId="483116884" sldId="268"/>
-            <ac:spMk id="7" creationId="{6151EB5D-8B9E-83C6-88F0-D60DDBFDE4C1}"/>
-          </ac:spMkLst>
-        </pc:spChg>
-        <pc:spChg chg="add del mod">
-          <ac:chgData name="Ad_closeNN Ad" userId="92b553ccbda0fa53" providerId="LiveId" clId="{B0AF8342-45BF-4D23-9CFC-85E61709FB68}" dt="2024-03-16T14:28:43.762" v="1063" actId="478"/>
-          <ac:spMkLst>
-            <pc:docMk/>
-            <pc:sldMk cId="483116884" sldId="268"/>
-            <ac:spMk id="8" creationId="{A4AF018D-22B2-3CA2-BCC5-1BA965BDB268}"/>
-          </ac:spMkLst>
-        </pc:spChg>
-        <pc:spChg chg="del">
-          <ac:chgData name="Ad_closeNN Ad" userId="92b553ccbda0fa53" providerId="LiveId" clId="{B0AF8342-45BF-4D23-9CFC-85E61709FB68}" dt="2024-03-16T14:20:34.843" v="1021" actId="478"/>
-          <ac:spMkLst>
-            <pc:docMk/>
-            <pc:sldMk cId="483116884" sldId="268"/>
-            <ac:spMk id="9" creationId="{4766C7E6-2231-CEE9-E48D-D5FBF1270276}"/>
-          </ac:spMkLst>
-        </pc:spChg>
-        <pc:spChg chg="mod">
-          <ac:chgData name="Ad_closeNN Ad" userId="92b553ccbda0fa53" providerId="LiveId" clId="{B0AF8342-45BF-4D23-9CFC-85E61709FB68}" dt="2024-03-16T14:15:54.079" v="850" actId="20577"/>
-          <ac:spMkLst>
-            <pc:docMk/>
-            <pc:sldMk cId="483116884" sldId="268"/>
-            <ac:spMk id="11" creationId="{853CBEC1-AC35-7FC9-7074-F4F578271936}"/>
-          </ac:spMkLst>
-        </pc:spChg>
-        <pc:spChg chg="add mod">
-          <ac:chgData name="Ad_closeNN Ad" userId="92b553ccbda0fa53" providerId="LiveId" clId="{B0AF8342-45BF-4D23-9CFC-85E61709FB68}" dt="2024-03-16T14:28:43.880" v="1064"/>
-          <ac:spMkLst>
-            <pc:docMk/>
-            <pc:sldMk cId="483116884" sldId="268"/>
-            <ac:spMk id="12" creationId="{8991715D-39C2-5AA3-80DF-CEBAAFACB650}"/>
-          </ac:spMkLst>
-        </pc:spChg>
-      </pc:sldChg>
-      <pc:sldChg chg="modSp add del mod setBg">
-        <pc:chgData name="Ad_closeNN Ad" userId="92b553ccbda0fa53" providerId="LiveId" clId="{B0AF8342-45BF-4D23-9CFC-85E61709FB68}" dt="2024-03-16T14:16:35.960" v="859" actId="47"/>
-        <pc:sldMkLst>
-          <pc:docMk/>
-          <pc:sldMk cId="1055288898" sldId="269"/>
-        </pc:sldMkLst>
-        <pc:spChg chg="mod">
-          <ac:chgData name="Ad_closeNN Ad" userId="92b553ccbda0fa53" providerId="LiveId" clId="{B0AF8342-45BF-4D23-9CFC-85E61709FB68}" dt="2024-03-16T14:16:15.203" v="853" actId="20577"/>
-          <ac:spMkLst>
-            <pc:docMk/>
-            <pc:sldMk cId="1055288898" sldId="269"/>
-            <ac:spMk id="11" creationId="{853CBEC1-AC35-7FC9-7074-F4F578271936}"/>
-          </ac:spMkLst>
-        </pc:spChg>
-      </pc:sldChg>
-      <pc:sldChg chg="add del setBg">
-        <pc:chgData name="Ad_closeNN Ad" userId="92b553ccbda0fa53" providerId="LiveId" clId="{B0AF8342-45BF-4D23-9CFC-85E61709FB68}" dt="2024-03-16T14:16:19.326" v="855"/>
-        <pc:sldMkLst>
-          <pc:docMk/>
-          <pc:sldMk cId="3661737389" sldId="270"/>
-        </pc:sldMkLst>
-      </pc:sldChg>
-      <pc:sldChg chg="addSp delSp modSp add mod modTransition setBg">
-        <pc:chgData name="Ad_closeNN Ad" userId="92b553ccbda0fa53" providerId="LiveId" clId="{B0AF8342-45BF-4D23-9CFC-85E61709FB68}" dt="2024-03-16T14:28:41.597" v="1062"/>
-        <pc:sldMkLst>
-          <pc:docMk/>
-          <pc:sldMk cId="3735944099" sldId="270"/>
-        </pc:sldMkLst>
-        <pc:spChg chg="add mod">
-          <ac:chgData name="Ad_closeNN Ad" userId="92b553ccbda0fa53" providerId="LiveId" clId="{B0AF8342-45BF-4D23-9CFC-85E61709FB68}" dt="2024-03-16T14:16:42.419" v="860"/>
-          <ac:spMkLst>
-            <pc:docMk/>
-            <pc:sldMk cId="3735944099" sldId="270"/>
-            <ac:spMk id="2" creationId="{4341391F-1534-8C67-2FB6-DA93725E0F46}"/>
-          </ac:spMkLst>
-        </pc:spChg>
-        <pc:spChg chg="add mod">
-          <ac:chgData name="Ad_closeNN Ad" userId="92b553ccbda0fa53" providerId="LiveId" clId="{B0AF8342-45BF-4D23-9CFC-85E61709FB68}" dt="2024-03-16T14:20:29.240" v="1020"/>
-          <ac:spMkLst>
-            <pc:docMk/>
-            <pc:sldMk cId="3735944099" sldId="270"/>
-            <ac:spMk id="7" creationId="{B156BB32-47D7-32C9-7F1E-13F15803BF38}"/>
-          </ac:spMkLst>
-        </pc:spChg>
-        <pc:spChg chg="add del mod">
-          <ac:chgData name="Ad_closeNN Ad" userId="92b553ccbda0fa53" providerId="LiveId" clId="{B0AF8342-45BF-4D23-9CFC-85E61709FB68}" dt="2024-03-16T14:26:47.368" v="1049" actId="478"/>
-          <ac:spMkLst>
-            <pc:docMk/>
-            <pc:sldMk cId="3735944099" sldId="270"/>
-            <ac:spMk id="8" creationId="{09B17F91-61D4-3E24-5A98-019F655AEC0A}"/>
-          </ac:spMkLst>
-        </pc:spChg>
-        <pc:spChg chg="del">
-          <ac:chgData name="Ad_closeNN Ad" userId="92b553ccbda0fa53" providerId="LiveId" clId="{B0AF8342-45BF-4D23-9CFC-85E61709FB68}" dt="2024-03-16T14:20:28.778" v="1019" actId="478"/>
-          <ac:spMkLst>
-            <pc:docMk/>
-            <pc:sldMk cId="3735944099" sldId="270"/>
-            <ac:spMk id="9" creationId="{4766C7E6-2231-CEE9-E48D-D5FBF1270276}"/>
-          </ac:spMkLst>
-        </pc:spChg>
-        <pc:spChg chg="mod">
-          <ac:chgData name="Ad_closeNN Ad" userId="92b553ccbda0fa53" providerId="LiveId" clId="{B0AF8342-45BF-4D23-9CFC-85E61709FB68}" dt="2024-03-16T14:16:26.430" v="858" actId="20577"/>
-          <ac:spMkLst>
-            <pc:docMk/>
-            <pc:sldMk cId="3735944099" sldId="270"/>
-            <ac:spMk id="11" creationId="{853CBEC1-AC35-7FC9-7074-F4F578271936}"/>
-          </ac:spMkLst>
-        </pc:spChg>
-        <pc:spChg chg="add del mod">
-          <ac:chgData name="Ad_closeNN Ad" userId="92b553ccbda0fa53" providerId="LiveId" clId="{B0AF8342-45BF-4D23-9CFC-85E61709FB68}" dt="2024-03-16T14:28:41.482" v="1061" actId="478"/>
-          <ac:spMkLst>
-            <pc:docMk/>
-            <pc:sldMk cId="3735944099" sldId="270"/>
-            <ac:spMk id="12" creationId="{E2621E95-AA18-2CF1-3ACC-B7AC495EB2BC}"/>
-          </ac:spMkLst>
-        </pc:spChg>
-        <pc:spChg chg="add mod">
-          <ac:chgData name="Ad_closeNN Ad" userId="92b553ccbda0fa53" providerId="LiveId" clId="{B0AF8342-45BF-4D23-9CFC-85E61709FB68}" dt="2024-03-16T14:28:41.597" v="1062"/>
-          <ac:spMkLst>
-            <pc:docMk/>
-            <pc:sldMk cId="3735944099" sldId="270"/>
-            <ac:spMk id="13" creationId="{FBA47B79-843C-D688-D906-90928D4D7A80}"/>
-          </ac:spMkLst>
-        </pc:spChg>
-      </pc:sldChg>
-      <pc:sldChg chg="addSp delSp modSp add mod modTransition setBg">
-        <pc:chgData name="Ad_closeNN Ad" userId="92b553ccbda0fa53" providerId="LiveId" clId="{B0AF8342-45BF-4D23-9CFC-85E61709FB68}" dt="2024-03-16T14:28:38.826" v="1060"/>
-        <pc:sldMkLst>
-          <pc:docMk/>
-          <pc:sldMk cId="2076391805" sldId="271"/>
-        </pc:sldMkLst>
-        <pc:spChg chg="add del mod">
-          <ac:chgData name="Ad_closeNN Ad" userId="92b553ccbda0fa53" providerId="LiveId" clId="{B0AF8342-45BF-4D23-9CFC-85E61709FB68}" dt="2024-03-16T14:26:50.322" v="1051" actId="478"/>
-          <ac:spMkLst>
-            <pc:docMk/>
-            <pc:sldMk cId="2076391805" sldId="271"/>
-            <ac:spMk id="2" creationId="{238D17E8-ED0C-7188-B53B-745C54312896}"/>
-          </ac:spMkLst>
-        </pc:spChg>
-        <pc:spChg chg="add del mod">
-          <ac:chgData name="Ad_closeNN Ad" userId="92b553ccbda0fa53" providerId="LiveId" clId="{B0AF8342-45BF-4D23-9CFC-85E61709FB68}" dt="2024-03-16T14:28:38.684" v="1059" actId="478"/>
-          <ac:spMkLst>
-            <pc:docMk/>
-            <pc:sldMk cId="2076391805" sldId="271"/>
-            <ac:spMk id="7" creationId="{2264465E-8678-9DAE-E11F-3E7F8B738AC4}"/>
-          </ac:spMkLst>
-        </pc:spChg>
-        <pc:spChg chg="add mod">
-          <ac:chgData name="Ad_closeNN Ad" userId="92b553ccbda0fa53" providerId="LiveId" clId="{B0AF8342-45BF-4D23-9CFC-85E61709FB68}" dt="2024-03-16T14:28:38.826" v="1060"/>
-          <ac:spMkLst>
-            <pc:docMk/>
-            <pc:sldMk cId="2076391805" sldId="271"/>
-            <ac:spMk id="8" creationId="{9498FDD6-78DD-0972-9BE5-E6090DAB2C11}"/>
-          </ac:spMkLst>
-        </pc:spChg>
-        <pc:spChg chg="mod">
-          <ac:chgData name="Ad_closeNN Ad" userId="92b553ccbda0fa53" providerId="LiveId" clId="{B0AF8342-45BF-4D23-9CFC-85E61709FB68}" dt="2024-03-16T14:18:26.946" v="1006" actId="20577"/>
-          <ac:spMkLst>
-            <pc:docMk/>
-            <pc:sldMk cId="2076391805" sldId="271"/>
-            <ac:spMk id="9" creationId="{4766C7E6-2231-CEE9-E48D-D5FBF1270276}"/>
-          </ac:spMkLst>
-        </pc:spChg>
-        <pc:spChg chg="mod">
-          <ac:chgData name="Ad_closeNN Ad" userId="92b553ccbda0fa53" providerId="LiveId" clId="{B0AF8342-45BF-4D23-9CFC-85E61709FB68}" dt="2024-03-16T14:16:50.915" v="865" actId="20577"/>
-          <ac:spMkLst>
-            <pc:docMk/>
-            <pc:sldMk cId="2076391805" sldId="271"/>
-            <ac:spMk id="11" creationId="{853CBEC1-AC35-7FC9-7074-F4F578271936}"/>
-          </ac:spMkLst>
-        </pc:spChg>
-      </pc:sldChg>
-      <pc:sldChg chg="addSp delSp modSp new mod modTransition setBg modAnim addCm delCm">
-        <pc:chgData name="Ad_closeNN Ad" userId="92b553ccbda0fa53" providerId="LiveId" clId="{B0AF8342-45BF-4D23-9CFC-85E61709FB68}" dt="2024-03-16T16:12:14.715" v="2403" actId="403"/>
-        <pc:sldMkLst>
-          <pc:docMk/>
-          <pc:sldMk cId="3202978912" sldId="272"/>
-        </pc:sldMkLst>
-        <pc:spChg chg="add del mod ord modVis">
-          <ac:chgData name="Ad_closeNN Ad" userId="92b553ccbda0fa53" providerId="LiveId" clId="{B0AF8342-45BF-4D23-9CFC-85E61709FB68}" dt="2024-03-16T15:39:20.301" v="2053" actId="1076"/>
-          <ac:spMkLst>
-            <pc:docMk/>
-            <pc:sldMk cId="3202978912" sldId="272"/>
-            <ac:spMk id="2" creationId="{57DFDA9C-BD0C-B7E1-3297-91F2B2AC8887}"/>
-          </ac:spMkLst>
-        </pc:spChg>
-        <pc:spChg chg="add del mod modVis">
-          <ac:chgData name="Ad_closeNN Ad" userId="92b553ccbda0fa53" providerId="LiveId" clId="{B0AF8342-45BF-4D23-9CFC-85E61709FB68}" dt="2024-03-16T15:39:50.447" v="2055" actId="1076"/>
-          <ac:spMkLst>
-            <pc:docMk/>
-            <pc:sldMk cId="3202978912" sldId="272"/>
-            <ac:spMk id="3" creationId="{02A27406-E619-33AA-C1DA-2EC6CEF3E6E5}"/>
-          </ac:spMkLst>
-        </pc:spChg>
-        <pc:spChg chg="add del mod modVis">
-          <ac:chgData name="Ad_closeNN Ad" userId="92b553ccbda0fa53" providerId="LiveId" clId="{B0AF8342-45BF-4D23-9CFC-85E61709FB68}" dt="2024-03-16T15:39:50.447" v="2055" actId="1076"/>
-          <ac:spMkLst>
-            <pc:docMk/>
-            <pc:sldMk cId="3202978912" sldId="272"/>
-            <ac:spMk id="4" creationId="{C32BB508-C400-B37C-BD8A-D47452BAAB0A}"/>
-          </ac:spMkLst>
-        </pc:spChg>
-        <pc:spChg chg="add del mod">
-          <ac:chgData name="Ad_closeNN Ad" userId="92b553ccbda0fa53" providerId="LiveId" clId="{B0AF8342-45BF-4D23-9CFC-85E61709FB68}" dt="2024-03-16T15:09:49.131" v="1506" actId="478"/>
-          <ac:spMkLst>
-            <pc:docMk/>
-            <pc:sldMk cId="3202978912" sldId="272"/>
-            <ac:spMk id="5" creationId="{7E5911B8-4A00-B012-B54F-6B84D5BAFD42}"/>
-          </ac:spMkLst>
-        </pc:spChg>
-        <pc:spChg chg="add del mod topLvl modVis">
-          <ac:chgData name="Ad_closeNN Ad" userId="92b553ccbda0fa53" providerId="LiveId" clId="{B0AF8342-45BF-4D23-9CFC-85E61709FB68}" dt="2024-03-16T16:12:14.715" v="2403" actId="403"/>
-          <ac:spMkLst>
-            <pc:docMk/>
-            <pc:sldMk cId="3202978912" sldId="272"/>
-            <ac:spMk id="8" creationId="{6B24B5C0-90B5-8F27-D2D8-7086936E1676}"/>
-          </ac:spMkLst>
-        </pc:spChg>
-        <pc:spChg chg="add del mod topLvl modVis">
-          <ac:chgData name="Ad_closeNN Ad" userId="92b553ccbda0fa53" providerId="LiveId" clId="{B0AF8342-45BF-4D23-9CFC-85E61709FB68}" dt="2024-03-16T16:12:14.715" v="2403" actId="403"/>
-          <ac:spMkLst>
-            <pc:docMk/>
-            <pc:sldMk cId="3202978912" sldId="272"/>
-            <ac:spMk id="9" creationId="{38167F05-DF85-7D2F-B769-B501AF0AD555}"/>
-          </ac:spMkLst>
-        </pc:spChg>
-        <pc:spChg chg="add del mod topLvl modVis">
-          <ac:chgData name="Ad_closeNN Ad" userId="92b553ccbda0fa53" providerId="LiveId" clId="{B0AF8342-45BF-4D23-9CFC-85E61709FB68}" dt="2024-03-16T16:12:14.715" v="2403" actId="403"/>
-          <ac:spMkLst>
-            <pc:docMk/>
-            <pc:sldMk cId="3202978912" sldId="272"/>
-            <ac:spMk id="10" creationId="{E84DA357-7C98-1EEE-CED5-2355A2BB7632}"/>
-          </ac:spMkLst>
-        </pc:spChg>
-        <pc:spChg chg="add del mod topLvl modVis">
-          <ac:chgData name="Ad_closeNN Ad" userId="92b553ccbda0fa53" providerId="LiveId" clId="{B0AF8342-45BF-4D23-9CFC-85E61709FB68}" dt="2024-03-16T16:12:14.715" v="2403" actId="403"/>
-          <ac:spMkLst>
-            <pc:docMk/>
-            <pc:sldMk cId="3202978912" sldId="272"/>
-            <ac:spMk id="11" creationId="{E7FE237E-ABA6-CC3E-9561-025F982B7FB4}"/>
-          </ac:spMkLst>
-        </pc:spChg>
-        <pc:spChg chg="add mod">
-          <ac:chgData name="Ad_closeNN Ad" userId="92b553ccbda0fa53" providerId="LiveId" clId="{B0AF8342-45BF-4D23-9CFC-85E61709FB68}" dt="2024-03-16T15:21:26.017" v="1715" actId="1076"/>
-          <ac:spMkLst>
-            <pc:docMk/>
-            <pc:sldMk cId="3202978912" sldId="272"/>
-            <ac:spMk id="12" creationId="{8D8DE931-1068-1368-876A-31FDEB7DA8AC}"/>
-          </ac:spMkLst>
-        </pc:spChg>
-        <pc:spChg chg="add del mod topLvl modVis">
-          <ac:chgData name="Ad_closeNN Ad" userId="92b553ccbda0fa53" providerId="LiveId" clId="{B0AF8342-45BF-4D23-9CFC-85E61709FB68}" dt="2024-03-16T16:12:14.715" v="2403" actId="403"/>
-          <ac:spMkLst>
-            <pc:docMk/>
-            <pc:sldMk cId="3202978912" sldId="272"/>
-            <ac:spMk id="13" creationId="{C9FC2177-E45F-72DC-D41C-837E440D8880}"/>
-          </ac:spMkLst>
-        </pc:spChg>
-        <pc:spChg chg="add mod topLvl modVis">
-          <ac:chgData name="Ad_closeNN Ad" userId="92b553ccbda0fa53" providerId="LiveId" clId="{B0AF8342-45BF-4D23-9CFC-85E61709FB68}" dt="2024-03-16T16:12:14.715" v="2403" actId="403"/>
-          <ac:spMkLst>
-            <pc:docMk/>
-            <pc:sldMk cId="3202978912" sldId="272"/>
-            <ac:spMk id="14" creationId="{BB4F519D-F68D-89B0-CA7F-2160E0B880FF}"/>
-          </ac:spMkLst>
-        </pc:spChg>
-        <pc:spChg chg="add mod">
-          <ac:chgData name="Ad_closeNN Ad" userId="92b553ccbda0fa53" providerId="LiveId" clId="{B0AF8342-45BF-4D23-9CFC-85E61709FB68}" dt="2024-03-16T15:56:41.338" v="2271"/>
-          <ac:spMkLst>
-            <pc:docMk/>
-            <pc:sldMk cId="3202978912" sldId="272"/>
-            <ac:spMk id="17" creationId="{8E44DBC8-561B-A0F0-0D90-1BA5BDB39413}"/>
-          </ac:spMkLst>
-        </pc:spChg>
-        <pc:grpChg chg="add del mod">
-          <ac:chgData name="Ad_closeNN Ad" userId="92b553ccbda0fa53" providerId="LiveId" clId="{B0AF8342-45BF-4D23-9CFC-85E61709FB68}" dt="2024-03-16T15:27:45.181" v="1900" actId="165"/>
-          <ac:grpSpMkLst>
-            <pc:docMk/>
-            <pc:sldMk cId="3202978912" sldId="272"/>
-            <ac:grpSpMk id="15" creationId="{95AD2719-33D8-C9F0-0C5F-6228E71889FB}"/>
-          </ac:grpSpMkLst>
-        </pc:grpChg>
-        <pc:grpChg chg="add mod">
-          <ac:chgData name="Ad_closeNN Ad" userId="92b553ccbda0fa53" providerId="LiveId" clId="{B0AF8342-45BF-4D23-9CFC-85E61709FB68}" dt="2024-03-16T15:39:24.080" v="2054" actId="1076"/>
-          <ac:grpSpMkLst>
-            <pc:docMk/>
-            <pc:sldMk cId="3202978912" sldId="272"/>
-            <ac:grpSpMk id="16" creationId="{77FB52BD-DD9C-CB68-3EA0-000093098D67}"/>
-          </ac:grpSpMkLst>
-        </pc:grpChg>
-        <pc:picChg chg="add del mod modVis">
-          <ac:chgData name="Ad_closeNN Ad" userId="92b553ccbda0fa53" providerId="LiveId" clId="{B0AF8342-45BF-4D23-9CFC-85E61709FB68}" dt="2024-03-16T15:39:50.447" v="2055" actId="1076"/>
-          <ac:picMkLst>
-            <pc:docMk/>
-            <pc:sldMk cId="3202978912" sldId="272"/>
-            <ac:picMk id="5122" creationId="{CBF3C9A2-7228-D4B9-3AA2-DDC4D068AA85}"/>
-          </ac:picMkLst>
-        </pc:picChg>
-        <pc:picChg chg="add del mod">
-          <ac:chgData name="Ad_closeNN Ad" userId="92b553ccbda0fa53" providerId="LiveId" clId="{B0AF8342-45BF-4D23-9CFC-85E61709FB68}" dt="2024-03-16T15:21:33.915" v="1720" actId="1076"/>
-          <ac:picMkLst>
-            <pc:docMk/>
-            <pc:sldMk cId="3202978912" sldId="272"/>
-            <ac:picMk id="5124" creationId="{B6FD6FFD-D7DC-2669-C14A-29E41445D8BD}"/>
-          </ac:picMkLst>
-        </pc:picChg>
-        <pc:cxnChg chg="add del mod modVis">
-          <ac:chgData name="Ad_closeNN Ad" userId="92b553ccbda0fa53" providerId="LiveId" clId="{B0AF8342-45BF-4D23-9CFC-85E61709FB68}" dt="2024-03-16T15:28:13.441" v="1901" actId="164"/>
-          <ac:cxnSpMkLst>
-            <pc:docMk/>
-            <pc:sldMk cId="3202978912" sldId="272"/>
-            <ac:cxnSpMk id="7" creationId="{672A6392-0F19-3D02-B0AB-CC98148B7DDC}"/>
-          </ac:cxnSpMkLst>
-        </pc:cxnChg>
-        <pc:cxnChg chg="add del">
-          <ac:chgData name="Ad_closeNN Ad" userId="92b553ccbda0fa53" providerId="LiveId" clId="{B0AF8342-45BF-4D23-9CFC-85E61709FB68}" dt="2024-03-16T15:54:04.370" v="2223" actId="478"/>
-          <ac:cxnSpMkLst>
-            <pc:docMk/>
-            <pc:sldMk cId="3202978912" sldId="272"/>
-            <ac:cxnSpMk id="19" creationId="{9F0D22AD-D5A7-208C-4459-07FB9C25039C}"/>
-          </ac:cxnSpMkLst>
-        </pc:cxnChg>
-        <pc:extLst>
-          <p:ext xmlns:p="http://schemas.openxmlformats.org/presentationml/2006/main" uri="{D6D511B9-2390-475A-947B-AFAB55BFBCF1}">
-            <pc226:cmChg xmlns:pc226="http://schemas.microsoft.com/office/powerpoint/2022/06/main/command" chg="add del">
-              <pc226:chgData name="Ad_closeNN Ad" userId="92b553ccbda0fa53" providerId="LiveId" clId="{B0AF8342-45BF-4D23-9CFC-85E61709FB68}" dt="2024-03-16T14:34:56.918" v="1074"/>
-              <pc2:cmMkLst xmlns:pc2="http://schemas.microsoft.com/office/powerpoint/2019/9/main/command">
-                <pc:docMk/>
-                <pc:sldMk cId="3202978912" sldId="272"/>
-                <pc2:cmMk id="{EFA3271E-22FE-411D-ACA5-6FFC6D69B6F3}"/>
-              </pc2:cmMkLst>
-            </pc226:cmChg>
-          </p:ext>
-        </pc:extLst>
-      </pc:sldChg>
-      <pc:sldChg chg="new del">
-        <pc:chgData name="Ad_closeNN Ad" userId="92b553ccbda0fa53" providerId="LiveId" clId="{B0AF8342-45BF-4D23-9CFC-85E61709FB68}" dt="2024-03-16T14:23:46.229" v="1036" actId="47"/>
-        <pc:sldMkLst>
-          <pc:docMk/>
-          <pc:sldMk cId="3182296093" sldId="273"/>
-        </pc:sldMkLst>
-      </pc:sldChg>
-      <pc:sldChg chg="new modTransition setBg">
-        <pc:chgData name="Ad_closeNN Ad" userId="92b553ccbda0fa53" providerId="LiveId" clId="{B0AF8342-45BF-4D23-9CFC-85E61709FB68}" dt="2024-03-16T15:46:35.458" v="2169"/>
-        <pc:sldMkLst>
-          <pc:docMk/>
-          <pc:sldMk cId="3370533891" sldId="273"/>
-        </pc:sldMkLst>
-      </pc:sldChg>
-      <pc:sldChg chg="addSp modSp add mod modTransition setBg modAnim">
-        <pc:chgData name="Ad_closeNN Ad" userId="92b553ccbda0fa53" providerId="LiveId" clId="{B0AF8342-45BF-4D23-9CFC-85E61709FB68}" dt="2024-03-16T16:11:10.862" v="2400" actId="2711"/>
-        <pc:sldMkLst>
-          <pc:docMk/>
-          <pc:sldMk cId="2767519743" sldId="274"/>
-        </pc:sldMkLst>
-        <pc:spChg chg="add mod">
-          <ac:chgData name="Ad_closeNN Ad" userId="92b553ccbda0fa53" providerId="LiveId" clId="{B0AF8342-45BF-4D23-9CFC-85E61709FB68}" dt="2024-03-16T16:11:10.862" v="2400" actId="2711"/>
-          <ac:spMkLst>
-            <pc:docMk/>
-            <pc:sldMk cId="2767519743" sldId="274"/>
-            <ac:spMk id="2" creationId="{84D399BE-24CB-0E29-1BEB-D1A0AB82675D}"/>
-          </ac:spMkLst>
-        </pc:spChg>
-        <pc:spChg chg="mod">
-          <ac:chgData name="Ad_closeNN Ad" userId="92b553ccbda0fa53" providerId="LiveId" clId="{B0AF8342-45BF-4D23-9CFC-85E61709FB68}" dt="2024-03-16T14:28:51.505" v="1067" actId="3626"/>
-          <ac:spMkLst>
-            <pc:docMk/>
-            <pc:sldMk cId="2767519743" sldId="274"/>
-            <ac:spMk id="7" creationId="{2264465E-8678-9DAE-E11F-3E7F8B738AC4}"/>
-          </ac:spMkLst>
-        </pc:spChg>
-      </pc:sldChg>
-      <pc:sldChg chg="addSp modSp new del">
-        <pc:chgData name="Ad_closeNN Ad" userId="92b553ccbda0fa53" providerId="LiveId" clId="{B0AF8342-45BF-4D23-9CFC-85E61709FB68}" dt="2024-03-16T15:43:33.290" v="2151" actId="2696"/>
-        <pc:sldMkLst>
-          <pc:docMk/>
-          <pc:sldMk cId="3506743977" sldId="275"/>
-        </pc:sldMkLst>
-        <pc:spChg chg="add mod">
-          <ac:chgData name="Ad_closeNN Ad" userId="92b553ccbda0fa53" providerId="LiveId" clId="{B0AF8342-45BF-4D23-9CFC-85E61709FB68}" dt="2024-03-16T15:43:23.501" v="2147"/>
-          <ac:spMkLst>
-            <pc:docMk/>
-            <pc:sldMk cId="3506743977" sldId="275"/>
-            <ac:spMk id="2" creationId="{91932343-C45F-6CAE-A213-3A5D6DD80E4A}"/>
-          </ac:spMkLst>
-        </pc:spChg>
-      </pc:sldChg>
-      <pc:sldChg chg="addSp modSp add modTransition setBg modAnim">
-        <pc:chgData name="Ad_closeNN Ad" userId="92b553ccbda0fa53" providerId="LiveId" clId="{B0AF8342-45BF-4D23-9CFC-85E61709FB68}" dt="2024-03-16T15:44:13.530" v="2157"/>
-        <pc:sldMkLst>
-          <pc:docMk/>
-          <pc:sldMk cId="9365373" sldId="276"/>
-        </pc:sldMkLst>
-        <pc:picChg chg="add mod">
-          <ac:chgData name="Ad_closeNN Ad" userId="92b553ccbda0fa53" providerId="LiveId" clId="{B0AF8342-45BF-4D23-9CFC-85E61709FB68}" dt="2024-03-16T15:43:41.312" v="2153"/>
-          <ac:picMkLst>
-            <pc:docMk/>
-            <pc:sldMk cId="9365373" sldId="276"/>
-            <ac:picMk id="2" creationId="{51131689-E4D4-5C81-5DD3-E5970206C66B}"/>
-          </ac:picMkLst>
-        </pc:picChg>
-      </pc:sldChg>
-      <pc:sldChg chg="addSp modSp add del mod modAnim">
-        <pc:chgData name="Ad_closeNN Ad" userId="92b553ccbda0fa53" providerId="LiveId" clId="{B0AF8342-45BF-4D23-9CFC-85E61709FB68}" dt="2024-03-16T15:52:33.850" v="2204" actId="2696"/>
-        <pc:sldMkLst>
-          <pc:docMk/>
-          <pc:sldMk cId="160858848" sldId="277"/>
-        </pc:sldMkLst>
-        <pc:grpChg chg="mod">
-          <ac:chgData name="Ad_closeNN Ad" userId="92b553ccbda0fa53" providerId="LiveId" clId="{B0AF8342-45BF-4D23-9CFC-85E61709FB68}" dt="2024-03-16T15:52:10.863" v="2203" actId="1076"/>
-          <ac:grpSpMkLst>
-            <pc:docMk/>
-            <pc:sldMk cId="160858848" sldId="277"/>
-            <ac:grpSpMk id="16" creationId="{77FB52BD-DD9C-CB68-3EA0-000093098D67}"/>
-          </ac:grpSpMkLst>
-        </pc:grpChg>
-        <pc:cxnChg chg="add mod">
-          <ac:chgData name="Ad_closeNN Ad" userId="92b553ccbda0fa53" providerId="LiveId" clId="{B0AF8342-45BF-4D23-9CFC-85E61709FB68}" dt="2024-03-16T15:52:07.637" v="2202"/>
-          <ac:cxnSpMkLst>
-            <pc:docMk/>
-            <pc:sldMk cId="160858848" sldId="277"/>
-            <ac:cxnSpMk id="5" creationId="{0548779B-322A-DAAC-3284-01AE7E00C66B}"/>
-          </ac:cxnSpMkLst>
-        </pc:cxnChg>
-      </pc:sldChg>
-      <pc:sldChg chg="addSp delSp modSp add mod modTransition modAnim">
-        <pc:chgData name="Ad_closeNN Ad" userId="92b553ccbda0fa53" providerId="LiveId" clId="{B0AF8342-45BF-4D23-9CFC-85E61709FB68}" dt="2024-03-16T16:12:26.674" v="2404" actId="403"/>
-        <pc:sldMkLst>
-          <pc:docMk/>
-          <pc:sldMk cId="764053479" sldId="277"/>
-        </pc:sldMkLst>
-        <pc:spChg chg="mod">
-          <ac:chgData name="Ad_closeNN Ad" userId="92b553ccbda0fa53" providerId="LiveId" clId="{B0AF8342-45BF-4D23-9CFC-85E61709FB68}" dt="2024-03-16T16:12:26.674" v="2404" actId="403"/>
-          <ac:spMkLst>
-            <pc:docMk/>
-            <pc:sldMk cId="764053479" sldId="277"/>
-            <ac:spMk id="8" creationId="{6B24B5C0-90B5-8F27-D2D8-7086936E1676}"/>
-          </ac:spMkLst>
-        </pc:spChg>
-        <pc:spChg chg="mod">
-          <ac:chgData name="Ad_closeNN Ad" userId="92b553ccbda0fa53" providerId="LiveId" clId="{B0AF8342-45BF-4D23-9CFC-85E61709FB68}" dt="2024-03-16T16:12:26.674" v="2404" actId="403"/>
-          <ac:spMkLst>
-            <pc:docMk/>
-            <pc:sldMk cId="764053479" sldId="277"/>
-            <ac:spMk id="9" creationId="{38167F05-DF85-7D2F-B769-B501AF0AD555}"/>
-          </ac:spMkLst>
-        </pc:spChg>
-        <pc:spChg chg="mod">
-          <ac:chgData name="Ad_closeNN Ad" userId="92b553ccbda0fa53" providerId="LiveId" clId="{B0AF8342-45BF-4D23-9CFC-85E61709FB68}" dt="2024-03-16T16:12:26.674" v="2404" actId="403"/>
-          <ac:spMkLst>
-            <pc:docMk/>
-            <pc:sldMk cId="764053479" sldId="277"/>
-            <ac:spMk id="10" creationId="{E84DA357-7C98-1EEE-CED5-2355A2BB7632}"/>
-          </ac:spMkLst>
-        </pc:spChg>
-        <pc:spChg chg="mod">
-          <ac:chgData name="Ad_closeNN Ad" userId="92b553ccbda0fa53" providerId="LiveId" clId="{B0AF8342-45BF-4D23-9CFC-85E61709FB68}" dt="2024-03-16T16:12:26.674" v="2404" actId="403"/>
-          <ac:spMkLst>
-            <pc:docMk/>
-            <pc:sldMk cId="764053479" sldId="277"/>
-            <ac:spMk id="11" creationId="{E7FE237E-ABA6-CC3E-9561-025F982B7FB4}"/>
-          </ac:spMkLst>
-        </pc:spChg>
-        <pc:spChg chg="add mod">
-          <ac:chgData name="Ad_closeNN Ad" userId="92b553ccbda0fa53" providerId="LiveId" clId="{B0AF8342-45BF-4D23-9CFC-85E61709FB68}" dt="2024-03-16T15:56:47.197" v="2273"/>
-          <ac:spMkLst>
-            <pc:docMk/>
-            <pc:sldMk cId="764053479" sldId="277"/>
-            <ac:spMk id="12" creationId="{DE1468A7-F498-0FFD-08DB-479CF078A383}"/>
-          </ac:spMkLst>
-        </pc:spChg>
-        <pc:spChg chg="mod">
-          <ac:chgData name="Ad_closeNN Ad" userId="92b553ccbda0fa53" providerId="LiveId" clId="{B0AF8342-45BF-4D23-9CFC-85E61709FB68}" dt="2024-03-16T16:12:26.674" v="2404" actId="403"/>
-          <ac:spMkLst>
-            <pc:docMk/>
-            <pc:sldMk cId="764053479" sldId="277"/>
-            <ac:spMk id="13" creationId="{C9FC2177-E45F-72DC-D41C-837E440D8880}"/>
-          </ac:spMkLst>
-        </pc:spChg>
-        <pc:spChg chg="mod">
-          <ac:chgData name="Ad_closeNN Ad" userId="92b553ccbda0fa53" providerId="LiveId" clId="{B0AF8342-45BF-4D23-9CFC-85E61709FB68}" dt="2024-03-16T16:12:26.674" v="2404" actId="403"/>
-          <ac:spMkLst>
-            <pc:docMk/>
-            <pc:sldMk cId="764053479" sldId="277"/>
-            <ac:spMk id="14" creationId="{BB4F519D-F68D-89B0-CA7F-2160E0B880FF}"/>
-          </ac:spMkLst>
-        </pc:spChg>
-        <pc:spChg chg="del">
-          <ac:chgData name="Ad_closeNN Ad" userId="92b553ccbda0fa53" providerId="LiveId" clId="{B0AF8342-45BF-4D23-9CFC-85E61709FB68}" dt="2024-03-16T15:56:47.030" v="2272" actId="478"/>
-          <ac:spMkLst>
-            <pc:docMk/>
-            <pc:sldMk cId="764053479" sldId="277"/>
-            <ac:spMk id="17" creationId="{8E44DBC8-561B-A0F0-0D90-1BA5BDB39413}"/>
-          </ac:spMkLst>
-        </pc:spChg>
-        <pc:grpChg chg="mod">
-          <ac:chgData name="Ad_closeNN Ad" userId="92b553ccbda0fa53" providerId="LiveId" clId="{B0AF8342-45BF-4D23-9CFC-85E61709FB68}" dt="2024-03-16T15:53:44.067" v="2220" actId="1035"/>
-          <ac:grpSpMkLst>
-            <pc:docMk/>
-            <pc:sldMk cId="764053479" sldId="277"/>
-            <ac:grpSpMk id="16" creationId="{77FB52BD-DD9C-CB68-3EA0-000093098D67}"/>
-          </ac:grpSpMkLst>
-        </pc:grpChg>
-        <pc:cxnChg chg="add del mod">
-          <ac:chgData name="Ad_closeNN Ad" userId="92b553ccbda0fa53" providerId="LiveId" clId="{B0AF8342-45BF-4D23-9CFC-85E61709FB68}" dt="2024-03-16T15:54:02.643" v="2222" actId="478"/>
-          <ac:cxnSpMkLst>
-            <pc:docMk/>
-            <pc:sldMk cId="764053479" sldId="277"/>
-            <ac:cxnSpMk id="6" creationId="{A3F81CCC-5A78-2294-8633-E63E9019CAF2}"/>
-          </ac:cxnSpMkLst>
-        </pc:cxnChg>
-        <pc:cxnChg chg="del">
-          <ac:chgData name="Ad_closeNN Ad" userId="92b553ccbda0fa53" providerId="LiveId" clId="{B0AF8342-45BF-4D23-9CFC-85E61709FB68}" dt="2024-03-16T15:54:01.500" v="2221" actId="478"/>
-          <ac:cxnSpMkLst>
-            <pc:docMk/>
-            <pc:sldMk cId="764053479" sldId="277"/>
-            <ac:cxnSpMk id="19" creationId="{9F0D22AD-D5A7-208C-4459-07FB9C25039C}"/>
-          </ac:cxnSpMkLst>
-        </pc:cxnChg>
-      </pc:sldChg>
-      <pc:sldChg chg="add del setBg">
-        <pc:chgData name="Ad_closeNN Ad" userId="92b553ccbda0fa53" providerId="LiveId" clId="{B0AF8342-45BF-4D23-9CFC-85E61709FB68}" dt="2024-03-16T15:43:31.808" v="2150" actId="2696"/>
-        <pc:sldMkLst>
-          <pc:docMk/>
-          <pc:sldMk cId="4000696951" sldId="277"/>
-        </pc:sldMkLst>
-      </pc:sldChg>
-      <pc:sldChg chg="addSp delSp modSp add mod modTransition">
-        <pc:chgData name="Ad_closeNN Ad" userId="92b553ccbda0fa53" providerId="LiveId" clId="{B0AF8342-45BF-4D23-9CFC-85E61709FB68}" dt="2024-03-16T16:13:28.500" v="2405" actId="403"/>
-        <pc:sldMkLst>
-          <pc:docMk/>
-          <pc:sldMk cId="46650871" sldId="278"/>
-        </pc:sldMkLst>
-        <pc:spChg chg="add mod">
-          <ac:chgData name="Ad_closeNN Ad" userId="92b553ccbda0fa53" providerId="LiveId" clId="{B0AF8342-45BF-4D23-9CFC-85E61709FB68}" dt="2024-03-16T15:56:49.810" v="2275"/>
-          <ac:spMkLst>
-            <pc:docMk/>
-            <pc:sldMk cId="46650871" sldId="278"/>
-            <ac:spMk id="5" creationId="{8BB49980-EDD0-DBF1-ED3F-6D6C5D2F55DE}"/>
-          </ac:spMkLst>
-        </pc:spChg>
-        <pc:spChg chg="mod">
-          <ac:chgData name="Ad_closeNN Ad" userId="92b553ccbda0fa53" providerId="LiveId" clId="{B0AF8342-45BF-4D23-9CFC-85E61709FB68}" dt="2024-03-16T16:13:28.500" v="2405" actId="403"/>
-          <ac:spMkLst>
-            <pc:docMk/>
-            <pc:sldMk cId="46650871" sldId="278"/>
-            <ac:spMk id="8" creationId="{6B24B5C0-90B5-8F27-D2D8-7086936E1676}"/>
-          </ac:spMkLst>
-        </pc:spChg>
-        <pc:spChg chg="mod">
-          <ac:chgData name="Ad_closeNN Ad" userId="92b553ccbda0fa53" providerId="LiveId" clId="{B0AF8342-45BF-4D23-9CFC-85E61709FB68}" dt="2024-03-16T16:13:28.500" v="2405" actId="403"/>
-          <ac:spMkLst>
-            <pc:docMk/>
-            <pc:sldMk cId="46650871" sldId="278"/>
-            <ac:spMk id="9" creationId="{38167F05-DF85-7D2F-B769-B501AF0AD555}"/>
-          </ac:spMkLst>
-        </pc:spChg>
-        <pc:spChg chg="mod">
-          <ac:chgData name="Ad_closeNN Ad" userId="92b553ccbda0fa53" providerId="LiveId" clId="{B0AF8342-45BF-4D23-9CFC-85E61709FB68}" dt="2024-03-16T16:13:28.500" v="2405" actId="403"/>
-          <ac:spMkLst>
-            <pc:docMk/>
-            <pc:sldMk cId="46650871" sldId="278"/>
-            <ac:spMk id="10" creationId="{E84DA357-7C98-1EEE-CED5-2355A2BB7632}"/>
-          </ac:spMkLst>
-        </pc:spChg>
-        <pc:spChg chg="mod">
-          <ac:chgData name="Ad_closeNN Ad" userId="92b553ccbda0fa53" providerId="LiveId" clId="{B0AF8342-45BF-4D23-9CFC-85E61709FB68}" dt="2024-03-16T16:13:28.500" v="2405" actId="403"/>
-          <ac:spMkLst>
-            <pc:docMk/>
-            <pc:sldMk cId="46650871" sldId="278"/>
-            <ac:spMk id="11" creationId="{E7FE237E-ABA6-CC3E-9561-025F982B7FB4}"/>
-          </ac:spMkLst>
-        </pc:spChg>
-        <pc:spChg chg="mod">
-          <ac:chgData name="Ad_closeNN Ad" userId="92b553ccbda0fa53" providerId="LiveId" clId="{B0AF8342-45BF-4D23-9CFC-85E61709FB68}" dt="2024-03-16T16:13:28.500" v="2405" actId="403"/>
-          <ac:spMkLst>
-            <pc:docMk/>
-            <pc:sldMk cId="46650871" sldId="278"/>
-            <ac:spMk id="13" creationId="{C9FC2177-E45F-72DC-D41C-837E440D8880}"/>
-          </ac:spMkLst>
-        </pc:spChg>
-        <pc:spChg chg="mod">
-          <ac:chgData name="Ad_closeNN Ad" userId="92b553ccbda0fa53" providerId="LiveId" clId="{B0AF8342-45BF-4D23-9CFC-85E61709FB68}" dt="2024-03-16T16:13:28.500" v="2405" actId="403"/>
-          <ac:spMkLst>
-            <pc:docMk/>
-            <pc:sldMk cId="46650871" sldId="278"/>
-            <ac:spMk id="14" creationId="{BB4F519D-F68D-89B0-CA7F-2160E0B880FF}"/>
-          </ac:spMkLst>
-        </pc:spChg>
-        <pc:spChg chg="del">
-          <ac:chgData name="Ad_closeNN Ad" userId="92b553ccbda0fa53" providerId="LiveId" clId="{B0AF8342-45BF-4D23-9CFC-85E61709FB68}" dt="2024-03-16T15:56:49.397" v="2274" actId="478"/>
-          <ac:spMkLst>
-            <pc:docMk/>
-            <pc:sldMk cId="46650871" sldId="278"/>
-            <ac:spMk id="17" creationId="{8E44DBC8-561B-A0F0-0D90-1BA5BDB39413}"/>
-          </ac:spMkLst>
-        </pc:spChg>
-      </pc:sldChg>
-      <pc:sldChg chg="addSp delSp modSp add mod modTransition">
-        <pc:chgData name="Ad_closeNN Ad" userId="92b553ccbda0fa53" providerId="LiveId" clId="{B0AF8342-45BF-4D23-9CFC-85E61709FB68}" dt="2024-03-16T16:13:31.448" v="2406" actId="403"/>
-        <pc:sldMkLst>
-          <pc:docMk/>
-          <pc:sldMk cId="72465524" sldId="279"/>
-        </pc:sldMkLst>
-        <pc:spChg chg="add mod">
-          <ac:chgData name="Ad_closeNN Ad" userId="92b553ccbda0fa53" providerId="LiveId" clId="{B0AF8342-45BF-4D23-9CFC-85E61709FB68}" dt="2024-03-16T15:56:53.374" v="2277"/>
-          <ac:spMkLst>
-            <pc:docMk/>
-            <pc:sldMk cId="72465524" sldId="279"/>
-            <ac:spMk id="5" creationId="{CD2683A2-DD6D-F1CE-3BC9-C6C790F022C6}"/>
-          </ac:spMkLst>
-        </pc:spChg>
-        <pc:spChg chg="mod">
-          <ac:chgData name="Ad_closeNN Ad" userId="92b553ccbda0fa53" providerId="LiveId" clId="{B0AF8342-45BF-4D23-9CFC-85E61709FB68}" dt="2024-03-16T16:13:31.448" v="2406" actId="403"/>
-          <ac:spMkLst>
-            <pc:docMk/>
-            <pc:sldMk cId="72465524" sldId="279"/>
-            <ac:spMk id="8" creationId="{6B24B5C0-90B5-8F27-D2D8-7086936E1676}"/>
-          </ac:spMkLst>
-        </pc:spChg>
-        <pc:spChg chg="mod">
-          <ac:chgData name="Ad_closeNN Ad" userId="92b553ccbda0fa53" providerId="LiveId" clId="{B0AF8342-45BF-4D23-9CFC-85E61709FB68}" dt="2024-03-16T16:13:31.448" v="2406" actId="403"/>
-          <ac:spMkLst>
-            <pc:docMk/>
-            <pc:sldMk cId="72465524" sldId="279"/>
-            <ac:spMk id="9" creationId="{38167F05-DF85-7D2F-B769-B501AF0AD555}"/>
-          </ac:spMkLst>
-        </pc:spChg>
-        <pc:spChg chg="mod">
-          <ac:chgData name="Ad_closeNN Ad" userId="92b553ccbda0fa53" providerId="LiveId" clId="{B0AF8342-45BF-4D23-9CFC-85E61709FB68}" dt="2024-03-16T16:13:31.448" v="2406" actId="403"/>
-          <ac:spMkLst>
-            <pc:docMk/>
-            <pc:sldMk cId="72465524" sldId="279"/>
-            <ac:spMk id="10" creationId="{E84DA357-7C98-1EEE-CED5-2355A2BB7632}"/>
-          </ac:spMkLst>
-        </pc:spChg>
-        <pc:spChg chg="mod">
-          <ac:chgData name="Ad_closeNN Ad" userId="92b553ccbda0fa53" providerId="LiveId" clId="{B0AF8342-45BF-4D23-9CFC-85E61709FB68}" dt="2024-03-16T16:13:31.448" v="2406" actId="403"/>
-          <ac:spMkLst>
-            <pc:docMk/>
-            <pc:sldMk cId="72465524" sldId="279"/>
-            <ac:spMk id="11" creationId="{E7FE237E-ABA6-CC3E-9561-025F982B7FB4}"/>
-          </ac:spMkLst>
-        </pc:spChg>
-        <pc:spChg chg="mod">
-          <ac:chgData name="Ad_closeNN Ad" userId="92b553ccbda0fa53" providerId="LiveId" clId="{B0AF8342-45BF-4D23-9CFC-85E61709FB68}" dt="2024-03-16T16:13:31.448" v="2406" actId="403"/>
-          <ac:spMkLst>
-            <pc:docMk/>
-            <pc:sldMk cId="72465524" sldId="279"/>
-            <ac:spMk id="13" creationId="{C9FC2177-E45F-72DC-D41C-837E440D8880}"/>
-          </ac:spMkLst>
-        </pc:spChg>
-        <pc:spChg chg="mod">
-          <ac:chgData name="Ad_closeNN Ad" userId="92b553ccbda0fa53" providerId="LiveId" clId="{B0AF8342-45BF-4D23-9CFC-85E61709FB68}" dt="2024-03-16T16:13:31.448" v="2406" actId="403"/>
-          <ac:spMkLst>
-            <pc:docMk/>
-            <pc:sldMk cId="72465524" sldId="279"/>
-            <ac:spMk id="14" creationId="{BB4F519D-F68D-89B0-CA7F-2160E0B880FF}"/>
-          </ac:spMkLst>
-        </pc:spChg>
-        <pc:spChg chg="del">
-          <ac:chgData name="Ad_closeNN Ad" userId="92b553ccbda0fa53" providerId="LiveId" clId="{B0AF8342-45BF-4D23-9CFC-85E61709FB68}" dt="2024-03-16T15:56:53.205" v="2276" actId="478"/>
-          <ac:spMkLst>
-            <pc:docMk/>
-            <pc:sldMk cId="72465524" sldId="279"/>
-            <ac:spMk id="17" creationId="{8E44DBC8-561B-A0F0-0D90-1BA5BDB39413}"/>
-          </ac:spMkLst>
-        </pc:spChg>
-      </pc:sldChg>
-      <pc:sldChg chg="addSp delSp modSp add mod modTransition">
-        <pc:chgData name="Ad_closeNN Ad" userId="92b553ccbda0fa53" providerId="LiveId" clId="{B0AF8342-45BF-4D23-9CFC-85E61709FB68}" dt="2024-03-16T16:13:34.472" v="2407" actId="403"/>
-        <pc:sldMkLst>
-          <pc:docMk/>
-          <pc:sldMk cId="2210924082" sldId="280"/>
-        </pc:sldMkLst>
-        <pc:spChg chg="add mod">
-          <ac:chgData name="Ad_closeNN Ad" userId="92b553ccbda0fa53" providerId="LiveId" clId="{B0AF8342-45BF-4D23-9CFC-85E61709FB68}" dt="2024-03-16T15:56:55.906" v="2279"/>
-          <ac:spMkLst>
-            <pc:docMk/>
-            <pc:sldMk cId="2210924082" sldId="280"/>
-            <ac:spMk id="5" creationId="{A8D54CCE-40AA-1325-832F-A53DF23F6FDE}"/>
-          </ac:spMkLst>
-        </pc:spChg>
-        <pc:spChg chg="mod">
-          <ac:chgData name="Ad_closeNN Ad" userId="92b553ccbda0fa53" providerId="LiveId" clId="{B0AF8342-45BF-4D23-9CFC-85E61709FB68}" dt="2024-03-16T16:13:34.472" v="2407" actId="403"/>
-          <ac:spMkLst>
-            <pc:docMk/>
-            <pc:sldMk cId="2210924082" sldId="280"/>
-            <ac:spMk id="8" creationId="{6B24B5C0-90B5-8F27-D2D8-7086936E1676}"/>
-          </ac:spMkLst>
-        </pc:spChg>
-        <pc:spChg chg="mod">
-          <ac:chgData name="Ad_closeNN Ad" userId="92b553ccbda0fa53" providerId="LiveId" clId="{B0AF8342-45BF-4D23-9CFC-85E61709FB68}" dt="2024-03-16T16:13:34.472" v="2407" actId="403"/>
-          <ac:spMkLst>
-            <pc:docMk/>
-            <pc:sldMk cId="2210924082" sldId="280"/>
-            <ac:spMk id="9" creationId="{38167F05-DF85-7D2F-B769-B501AF0AD555}"/>
-          </ac:spMkLst>
-        </pc:spChg>
-        <pc:spChg chg="mod">
-          <ac:chgData name="Ad_closeNN Ad" userId="92b553ccbda0fa53" providerId="LiveId" clId="{B0AF8342-45BF-4D23-9CFC-85E61709FB68}" dt="2024-03-16T16:13:34.472" v="2407" actId="403"/>
-          <ac:spMkLst>
-            <pc:docMk/>
-            <pc:sldMk cId="2210924082" sldId="280"/>
-            <ac:spMk id="10" creationId="{E84DA357-7C98-1EEE-CED5-2355A2BB7632}"/>
-          </ac:spMkLst>
-        </pc:spChg>
-        <pc:spChg chg="mod">
-          <ac:chgData name="Ad_closeNN Ad" userId="92b553ccbda0fa53" providerId="LiveId" clId="{B0AF8342-45BF-4D23-9CFC-85E61709FB68}" dt="2024-03-16T16:13:34.472" v="2407" actId="403"/>
-          <ac:spMkLst>
-            <pc:docMk/>
-            <pc:sldMk cId="2210924082" sldId="280"/>
-            <ac:spMk id="11" creationId="{E7FE237E-ABA6-CC3E-9561-025F982B7FB4}"/>
-          </ac:spMkLst>
-        </pc:spChg>
-        <pc:spChg chg="mod">
-          <ac:chgData name="Ad_closeNN Ad" userId="92b553ccbda0fa53" providerId="LiveId" clId="{B0AF8342-45BF-4D23-9CFC-85E61709FB68}" dt="2024-03-16T16:13:34.472" v="2407" actId="403"/>
-          <ac:spMkLst>
-            <pc:docMk/>
-            <pc:sldMk cId="2210924082" sldId="280"/>
-            <ac:spMk id="13" creationId="{C9FC2177-E45F-72DC-D41C-837E440D8880}"/>
-          </ac:spMkLst>
-        </pc:spChg>
-        <pc:spChg chg="mod">
-          <ac:chgData name="Ad_closeNN Ad" userId="92b553ccbda0fa53" providerId="LiveId" clId="{B0AF8342-45BF-4D23-9CFC-85E61709FB68}" dt="2024-03-16T16:13:34.472" v="2407" actId="403"/>
-          <ac:spMkLst>
-            <pc:docMk/>
-            <pc:sldMk cId="2210924082" sldId="280"/>
-            <ac:spMk id="14" creationId="{BB4F519D-F68D-89B0-CA7F-2160E0B880FF}"/>
-          </ac:spMkLst>
-        </pc:spChg>
-        <pc:spChg chg="del">
-          <ac:chgData name="Ad_closeNN Ad" userId="92b553ccbda0fa53" providerId="LiveId" clId="{B0AF8342-45BF-4D23-9CFC-85E61709FB68}" dt="2024-03-16T15:56:55.765" v="2278" actId="478"/>
-          <ac:spMkLst>
-            <pc:docMk/>
-            <pc:sldMk cId="2210924082" sldId="280"/>
-            <ac:spMk id="17" creationId="{8E44DBC8-561B-A0F0-0D90-1BA5BDB39413}"/>
-          </ac:spMkLst>
-        </pc:spChg>
-      </pc:sldChg>
-      <pc:sldChg chg="new">
-        <pc:chgData name="Ad_closeNN Ad" userId="92b553ccbda0fa53" providerId="LiveId" clId="{B0AF8342-45BF-4D23-9CFC-85E61709FB68}" dt="2024-03-16T15:56:15.968" v="2270" actId="680"/>
-        <pc:sldMkLst>
-          <pc:docMk/>
-          <pc:sldMk cId="1815147513" sldId="281"/>
-        </pc:sldMkLst>
-      </pc:sldChg>
-      <pc:sldChg chg="addSp delSp modSp add mod ord modTransition delAnim">
-        <pc:chgData name="Ad_closeNN Ad" userId="92b553ccbda0fa53" providerId="LiveId" clId="{B0AF8342-45BF-4D23-9CFC-85E61709FB68}" dt="2024-03-16T16:04:59.362" v="2386" actId="207"/>
-        <pc:sldMkLst>
-          <pc:docMk/>
-          <pc:sldMk cId="1211614026" sldId="282"/>
-        </pc:sldMkLst>
-        <pc:spChg chg="add mod">
-          <ac:chgData name="Ad_closeNN Ad" userId="92b553ccbda0fa53" providerId="LiveId" clId="{B0AF8342-45BF-4D23-9CFC-85E61709FB68}" dt="2024-03-16T16:01:21.292" v="2372" actId="207"/>
-          <ac:spMkLst>
-            <pc:docMk/>
-            <pc:sldMk cId="1211614026" sldId="282"/>
-            <ac:spMk id="5" creationId="{9AEF1902-3ACC-1D04-B251-05307CE82A78}"/>
-          </ac:spMkLst>
-        </pc:spChg>
-        <pc:spChg chg="add mod ord">
-          <ac:chgData name="Ad_closeNN Ad" userId="92b553ccbda0fa53" providerId="LiveId" clId="{B0AF8342-45BF-4D23-9CFC-85E61709FB68}" dt="2024-03-16T16:04:59.362" v="2386" actId="207"/>
-          <ac:spMkLst>
-            <pc:docMk/>
-            <pc:sldMk cId="1211614026" sldId="282"/>
-            <ac:spMk id="6" creationId="{3BB80219-4072-A695-5DEA-445D3B8C6484}"/>
-          </ac:spMkLst>
-        </pc:spChg>
-        <pc:spChg chg="mod">
-          <ac:chgData name="Ad_closeNN Ad" userId="92b553ccbda0fa53" providerId="LiveId" clId="{B0AF8342-45BF-4D23-9CFC-85E61709FB68}" dt="2024-03-16T15:58:32.916" v="2290" actId="20577"/>
-          <ac:spMkLst>
-            <pc:docMk/>
-            <pc:sldMk cId="1211614026" sldId="282"/>
-            <ac:spMk id="8" creationId="{6B24B5C0-90B5-8F27-D2D8-7086936E1676}"/>
-          </ac:spMkLst>
-        </pc:spChg>
-        <pc:spChg chg="del">
-          <ac:chgData name="Ad_closeNN Ad" userId="92b553ccbda0fa53" providerId="LiveId" clId="{B0AF8342-45BF-4D23-9CFC-85E61709FB68}" dt="2024-03-16T15:58:32.123" v="2289" actId="478"/>
-          <ac:spMkLst>
-            <pc:docMk/>
-            <pc:sldMk cId="1211614026" sldId="282"/>
-            <ac:spMk id="9" creationId="{38167F05-DF85-7D2F-B769-B501AF0AD555}"/>
-          </ac:spMkLst>
-        </pc:spChg>
-        <pc:spChg chg="del">
-          <ac:chgData name="Ad_closeNN Ad" userId="92b553ccbda0fa53" providerId="LiveId" clId="{B0AF8342-45BF-4D23-9CFC-85E61709FB68}" dt="2024-03-16T15:58:35.345" v="2292" actId="478"/>
-          <ac:spMkLst>
-            <pc:docMk/>
-            <pc:sldMk cId="1211614026" sldId="282"/>
-            <ac:spMk id="17" creationId="{8E44DBC8-561B-A0F0-0D90-1BA5BDB39413}"/>
-          </ac:spMkLst>
-        </pc:spChg>
-        <pc:grpChg chg="del">
-          <ac:chgData name="Ad_closeNN Ad" userId="92b553ccbda0fa53" providerId="LiveId" clId="{B0AF8342-45BF-4D23-9CFC-85E61709FB68}" dt="2024-03-16T15:58:33.819" v="2291" actId="478"/>
-          <ac:grpSpMkLst>
-            <pc:docMk/>
-            <pc:sldMk cId="1211614026" sldId="282"/>
-            <ac:grpSpMk id="16" creationId="{77FB52BD-DD9C-CB68-3EA0-000093098D67}"/>
-          </ac:grpSpMkLst>
-        </pc:grpChg>
-      </pc:sldChg>
-    </pc:docChg>
-  </pc:docChgLst>
-  <pc:docChgLst>
-    <pc:chgData name="closeNN Ad" userId="92b553ccbda0fa53" providerId="LiveId" clId="{B0AF8342-45BF-4D23-9CFC-85E61709FB68}"/>
-    <pc:docChg chg="undo redo custSel addSld delSld modSld sldOrd">
-      <pc:chgData name="closeNN Ad" userId="92b553ccbda0fa53" providerId="LiveId" clId="{B0AF8342-45BF-4D23-9CFC-85E61709FB68}" dt="2024-03-17T04:52:10.614" v="2449"/>
-      <pc:docMkLst>
-        <pc:docMk/>
-      </pc:docMkLst>
-      <pc:sldChg chg="del">
-        <pc:chgData name="closeNN Ad" userId="92b553ccbda0fa53" providerId="LiveId" clId="{B0AF8342-45BF-4D23-9CFC-85E61709FB68}" dt="2024-03-17T04:47:28.011" v="2126" actId="47"/>
-        <pc:sldMkLst>
-          <pc:docMk/>
-          <pc:sldMk cId="1336090847" sldId="266"/>
-        </pc:sldMkLst>
-      </pc:sldChg>
-      <pc:sldChg chg="modSp mod">
-        <pc:chgData name="closeNN Ad" userId="92b553ccbda0fa53" providerId="LiveId" clId="{B0AF8342-45BF-4D23-9CFC-85E61709FB68}" dt="2024-03-17T03:10:21.684" v="408" actId="20577"/>
-        <pc:sldMkLst>
-          <pc:docMk/>
-          <pc:sldMk cId="3202978912" sldId="272"/>
-        </pc:sldMkLst>
-        <pc:spChg chg="mod">
-          <ac:chgData name="closeNN Ad" userId="92b553ccbda0fa53" providerId="LiveId" clId="{B0AF8342-45BF-4D23-9CFC-85E61709FB68}" dt="2024-03-17T03:10:21.684" v="408" actId="20577"/>
-          <ac:spMkLst>
-            <pc:docMk/>
-            <pc:sldMk cId="3202978912" sldId="272"/>
-            <ac:spMk id="4" creationId="{C32BB508-C400-B37C-BD8A-D47452BAAB0A}"/>
-          </ac:spMkLst>
-        </pc:spChg>
-      </pc:sldChg>
-      <pc:sldChg chg="modSp mod">
-        <pc:chgData name="closeNN Ad" userId="92b553ccbda0fa53" providerId="LiveId" clId="{B0AF8342-45BF-4D23-9CFC-85E61709FB68}" dt="2024-03-17T03:10:14.862" v="404" actId="20577"/>
-        <pc:sldMkLst>
-          <pc:docMk/>
-          <pc:sldMk cId="764053479" sldId="277"/>
-        </pc:sldMkLst>
-        <pc:spChg chg="mod">
-          <ac:chgData name="closeNN Ad" userId="92b553ccbda0fa53" providerId="LiveId" clId="{B0AF8342-45BF-4D23-9CFC-85E61709FB68}" dt="2024-03-17T03:10:14.862" v="404" actId="20577"/>
-          <ac:spMkLst>
-            <pc:docMk/>
-            <pc:sldMk cId="764053479" sldId="277"/>
-            <ac:spMk id="4" creationId="{C32BB508-C400-B37C-BD8A-D47452BAAB0A}"/>
-          </ac:spMkLst>
-        </pc:spChg>
-      </pc:sldChg>
-      <pc:sldChg chg="modSp mod">
-        <pc:chgData name="closeNN Ad" userId="92b553ccbda0fa53" providerId="LiveId" clId="{B0AF8342-45BF-4D23-9CFC-85E61709FB68}" dt="2024-03-17T03:10:10.975" v="400" actId="20577"/>
-        <pc:sldMkLst>
-          <pc:docMk/>
-          <pc:sldMk cId="46650871" sldId="278"/>
-        </pc:sldMkLst>
-        <pc:spChg chg="mod">
-          <ac:chgData name="closeNN Ad" userId="92b553ccbda0fa53" providerId="LiveId" clId="{B0AF8342-45BF-4D23-9CFC-85E61709FB68}" dt="2024-03-17T03:10:10.975" v="400" actId="20577"/>
-          <ac:spMkLst>
-            <pc:docMk/>
-            <pc:sldMk cId="46650871" sldId="278"/>
-            <ac:spMk id="4" creationId="{C32BB508-C400-B37C-BD8A-D47452BAAB0A}"/>
-          </ac:spMkLst>
-        </pc:spChg>
-      </pc:sldChg>
-      <pc:sldChg chg="modSp mod">
-        <pc:chgData name="closeNN Ad" userId="92b553ccbda0fa53" providerId="LiveId" clId="{B0AF8342-45BF-4D23-9CFC-85E61709FB68}" dt="2024-03-17T03:10:07.645" v="396" actId="20577"/>
-        <pc:sldMkLst>
-          <pc:docMk/>
-          <pc:sldMk cId="72465524" sldId="279"/>
-        </pc:sldMkLst>
-        <pc:spChg chg="mod">
-          <ac:chgData name="closeNN Ad" userId="92b553ccbda0fa53" providerId="LiveId" clId="{B0AF8342-45BF-4D23-9CFC-85E61709FB68}" dt="2024-03-17T03:10:07.645" v="396" actId="20577"/>
-          <ac:spMkLst>
-            <pc:docMk/>
-            <pc:sldMk cId="72465524" sldId="279"/>
-            <ac:spMk id="4" creationId="{C32BB508-C400-B37C-BD8A-D47452BAAB0A}"/>
-          </ac:spMkLst>
-        </pc:spChg>
-      </pc:sldChg>
-      <pc:sldChg chg="modSp mod">
-        <pc:chgData name="closeNN Ad" userId="92b553ccbda0fa53" providerId="LiveId" clId="{B0AF8342-45BF-4D23-9CFC-85E61709FB68}" dt="2024-03-17T03:10:04.361" v="392" actId="20577"/>
-        <pc:sldMkLst>
-          <pc:docMk/>
-          <pc:sldMk cId="2210924082" sldId="280"/>
-        </pc:sldMkLst>
-        <pc:spChg chg="mod">
-          <ac:chgData name="closeNN Ad" userId="92b553ccbda0fa53" providerId="LiveId" clId="{B0AF8342-45BF-4D23-9CFC-85E61709FB68}" dt="2024-03-17T03:10:04.361" v="392" actId="20577"/>
-          <ac:spMkLst>
-            <pc:docMk/>
-            <pc:sldMk cId="2210924082" sldId="280"/>
-            <ac:spMk id="4" creationId="{C32BB508-C400-B37C-BD8A-D47452BAAB0A}"/>
-          </ac:spMkLst>
-        </pc:spChg>
-      </pc:sldChg>
-      <pc:sldChg chg="addSp modSp mod modTransition setBg">
-        <pc:chgData name="closeNN Ad" userId="92b553ccbda0fa53" providerId="LiveId" clId="{B0AF8342-45BF-4D23-9CFC-85E61709FB68}" dt="2024-03-17T03:10:00.778" v="388" actId="20577"/>
-        <pc:sldMkLst>
-          <pc:docMk/>
-          <pc:sldMk cId="1815147513" sldId="281"/>
-        </pc:sldMkLst>
-        <pc:spChg chg="add mod">
-          <ac:chgData name="closeNN Ad" userId="92b553ccbda0fa53" providerId="LiveId" clId="{B0AF8342-45BF-4D23-9CFC-85E61709FB68}" dt="2024-03-17T02:59:24.745" v="159"/>
-          <ac:spMkLst>
-            <pc:docMk/>
-            <pc:sldMk cId="1815147513" sldId="281"/>
-            <ac:spMk id="2" creationId="{99721DDA-ED87-AF84-89E4-BAB245642479}"/>
-          </ac:spMkLst>
-        </pc:spChg>
-        <pc:spChg chg="mod">
-          <ac:chgData name="closeNN Ad" userId="92b553ccbda0fa53" providerId="LiveId" clId="{B0AF8342-45BF-4D23-9CFC-85E61709FB68}" dt="2024-03-17T02:59:24.745" v="159"/>
-          <ac:spMkLst>
-            <pc:docMk/>
-            <pc:sldMk cId="1815147513" sldId="281"/>
-            <ac:spMk id="5" creationId="{4F133F5E-AE06-9936-49A1-6ED612C0A6A2}"/>
-          </ac:spMkLst>
-        </pc:spChg>
-        <pc:spChg chg="mod">
-          <ac:chgData name="closeNN Ad" userId="92b553ccbda0fa53" providerId="LiveId" clId="{B0AF8342-45BF-4D23-9CFC-85E61709FB68}" dt="2024-03-17T02:59:24.745" v="159"/>
-          <ac:spMkLst>
-            <pc:docMk/>
-            <pc:sldMk cId="1815147513" sldId="281"/>
-            <ac:spMk id="6" creationId="{E001548E-0935-244B-FF95-6241AC4524F1}"/>
-          </ac:spMkLst>
-        </pc:spChg>
-        <pc:spChg chg="mod">
-          <ac:chgData name="closeNN Ad" userId="92b553ccbda0fa53" providerId="LiveId" clId="{B0AF8342-45BF-4D23-9CFC-85E61709FB68}" dt="2024-03-17T02:59:24.745" v="159"/>
-          <ac:spMkLst>
-            <pc:docMk/>
-            <pc:sldMk cId="1815147513" sldId="281"/>
-            <ac:spMk id="7" creationId="{85763397-8372-5872-9DCA-8F9082E99DBD}"/>
-          </ac:spMkLst>
-        </pc:spChg>
-        <pc:spChg chg="mod">
-          <ac:chgData name="closeNN Ad" userId="92b553ccbda0fa53" providerId="LiveId" clId="{B0AF8342-45BF-4D23-9CFC-85E61709FB68}" dt="2024-03-17T02:59:24.745" v="159"/>
-          <ac:spMkLst>
-            <pc:docMk/>
-            <pc:sldMk cId="1815147513" sldId="281"/>
-            <ac:spMk id="8" creationId="{4DBF0DDE-3F67-FF91-9244-8C60AF75D0E8}"/>
-          </ac:spMkLst>
-        </pc:spChg>
-        <pc:spChg chg="mod">
-          <ac:chgData name="closeNN Ad" userId="92b553ccbda0fa53" providerId="LiveId" clId="{B0AF8342-45BF-4D23-9CFC-85E61709FB68}" dt="2024-03-17T02:59:24.745" v="159"/>
-          <ac:spMkLst>
-            <pc:docMk/>
-            <pc:sldMk cId="1815147513" sldId="281"/>
-            <ac:spMk id="9" creationId="{3134D546-2D88-9AC0-F63D-39E99C3C30CC}"/>
-          </ac:spMkLst>
-        </pc:spChg>
-        <pc:spChg chg="mod">
-          <ac:chgData name="closeNN Ad" userId="92b553ccbda0fa53" providerId="LiveId" clId="{B0AF8342-45BF-4D23-9CFC-85E61709FB68}" dt="2024-03-17T02:59:24.745" v="159"/>
-          <ac:spMkLst>
-            <pc:docMk/>
-            <pc:sldMk cId="1815147513" sldId="281"/>
-            <ac:spMk id="10" creationId="{A8899B84-C830-3E53-D0FB-47CDDAB41BDB}"/>
-          </ac:spMkLst>
-        </pc:spChg>
-        <pc:spChg chg="add mod">
-          <ac:chgData name="closeNN Ad" userId="92b553ccbda0fa53" providerId="LiveId" clId="{B0AF8342-45BF-4D23-9CFC-85E61709FB68}" dt="2024-03-17T02:59:24.745" v="159"/>
-          <ac:spMkLst>
-            <pc:docMk/>
-            <pc:sldMk cId="1815147513" sldId="281"/>
-            <ac:spMk id="11" creationId="{3D8A74ED-66AB-C838-CF99-537EC0406CF3}"/>
-          </ac:spMkLst>
-        </pc:spChg>
-        <pc:spChg chg="add mod">
-          <ac:chgData name="closeNN Ad" userId="92b553ccbda0fa53" providerId="LiveId" clId="{B0AF8342-45BF-4D23-9CFC-85E61709FB68}" dt="2024-03-17T02:59:24.745" v="159"/>
-          <ac:spMkLst>
-            <pc:docMk/>
-            <pc:sldMk cId="1815147513" sldId="281"/>
-            <ac:spMk id="13" creationId="{39710318-7A95-421F-F28A-2C9128F62472}"/>
-          </ac:spMkLst>
-        </pc:spChg>
-        <pc:spChg chg="add mod">
-          <ac:chgData name="closeNN Ad" userId="92b553ccbda0fa53" providerId="LiveId" clId="{B0AF8342-45BF-4D23-9CFC-85E61709FB68}" dt="2024-03-17T03:10:00.778" v="388" actId="20577"/>
-          <ac:spMkLst>
-            <pc:docMk/>
-            <pc:sldMk cId="1815147513" sldId="281"/>
-            <ac:spMk id="14" creationId="{5EE9202D-9BF7-6ECD-AECD-4CBEE29A09E0}"/>
-          </ac:spMkLst>
-        </pc:spChg>
-        <pc:grpChg chg="add mod">
-          <ac:chgData name="closeNN Ad" userId="92b553ccbda0fa53" providerId="LiveId" clId="{B0AF8342-45BF-4D23-9CFC-85E61709FB68}" dt="2024-03-17T02:59:24.745" v="159"/>
-          <ac:grpSpMkLst>
-            <pc:docMk/>
-            <pc:sldMk cId="1815147513" sldId="281"/>
-            <ac:grpSpMk id="3" creationId="{4015691E-D550-FB23-CA27-B2D6BB1F69DF}"/>
-          </ac:grpSpMkLst>
-        </pc:grpChg>
-        <pc:picChg chg="add mod">
-          <ac:chgData name="closeNN Ad" userId="92b553ccbda0fa53" providerId="LiveId" clId="{B0AF8342-45BF-4D23-9CFC-85E61709FB68}" dt="2024-03-17T02:59:24.745" v="159"/>
-          <ac:picMkLst>
-            <pc:docMk/>
-            <pc:sldMk cId="1815147513" sldId="281"/>
-            <ac:picMk id="12" creationId="{B0CF00E9-59C7-D7D7-C165-2978EC5EF261}"/>
-          </ac:picMkLst>
-        </pc:picChg>
-        <pc:cxnChg chg="mod">
-          <ac:chgData name="closeNN Ad" userId="92b553ccbda0fa53" providerId="LiveId" clId="{B0AF8342-45BF-4D23-9CFC-85E61709FB68}" dt="2024-03-17T02:59:24.745" v="159"/>
-          <ac:cxnSpMkLst>
-            <pc:docMk/>
-            <pc:sldMk cId="1815147513" sldId="281"/>
-            <ac:cxnSpMk id="4" creationId="{F9422B7C-380E-6489-B5F6-0E1DB928E0CC}"/>
-          </ac:cxnSpMkLst>
-        </pc:cxnChg>
-      </pc:sldChg>
-      <pc:sldChg chg="add del ord">
-        <pc:chgData name="closeNN Ad" userId="92b553ccbda0fa53" providerId="LiveId" clId="{B0AF8342-45BF-4D23-9CFC-85E61709FB68}" dt="2024-03-17T03:01:05.232" v="166" actId="2696"/>
-        <pc:sldMkLst>
-          <pc:docMk/>
-          <pc:sldMk cId="2444640470" sldId="283"/>
-        </pc:sldMkLst>
-      </pc:sldChg>
-      <pc:sldChg chg="addSp delSp modSp new mod modTransition setBg delAnim modAnim">
-        <pc:chgData name="closeNN Ad" userId="92b553ccbda0fa53" providerId="LiveId" clId="{B0AF8342-45BF-4D23-9CFC-85E61709FB68}" dt="2024-03-17T03:44:06.837" v="793"/>
-        <pc:sldMkLst>
-          <pc:docMk/>
-          <pc:sldMk cId="2832508829" sldId="283"/>
-        </pc:sldMkLst>
-        <pc:spChg chg="add del mod">
-          <ac:chgData name="closeNN Ad" userId="92b553ccbda0fa53" providerId="LiveId" clId="{B0AF8342-45BF-4D23-9CFC-85E61709FB68}" dt="2024-03-17T03:02:45.421" v="184" actId="478"/>
-          <ac:spMkLst>
-            <pc:docMk/>
-            <pc:sldMk cId="2832508829" sldId="283"/>
-            <ac:spMk id="2" creationId="{A9076D2B-520B-BDA8-277A-B97271403151}"/>
-          </ac:spMkLst>
-        </pc:spChg>
-        <pc:spChg chg="add mod">
-          <ac:chgData name="closeNN Ad" userId="92b553ccbda0fa53" providerId="LiveId" clId="{B0AF8342-45BF-4D23-9CFC-85E61709FB68}" dt="2024-03-17T03:03:32.503" v="284" actId="403"/>
-          <ac:spMkLst>
-            <pc:docMk/>
-            <pc:sldMk cId="2832508829" sldId="283"/>
-            <ac:spMk id="3" creationId="{F54D0609-421F-BE5E-ABB6-2B72CE22E2AB}"/>
-          </ac:spMkLst>
-        </pc:spChg>
-        <pc:spChg chg="add mod">
-          <ac:chgData name="closeNN Ad" userId="92b553ccbda0fa53" providerId="LiveId" clId="{B0AF8342-45BF-4D23-9CFC-85E61709FB68}" dt="2024-03-17T03:03:32.503" v="284" actId="403"/>
-          <ac:spMkLst>
-            <pc:docMk/>
-            <pc:sldMk cId="2832508829" sldId="283"/>
-            <ac:spMk id="4" creationId="{B3CB06A8-DC1A-1A11-A2AC-CC1AF8BDBD95}"/>
-          </ac:spMkLst>
-        </pc:spChg>
-        <pc:spChg chg="add mod">
-          <ac:chgData name="closeNN Ad" userId="92b553ccbda0fa53" providerId="LiveId" clId="{B0AF8342-45BF-4D23-9CFC-85E61709FB68}" dt="2024-03-17T03:03:32.503" v="284" actId="403"/>
-          <ac:spMkLst>
-            <pc:docMk/>
-            <pc:sldMk cId="2832508829" sldId="283"/>
-            <ac:spMk id="5" creationId="{AF08D17C-4422-A43B-5335-FDFD1AEFEC14}"/>
-          </ac:spMkLst>
-        </pc:spChg>
-        <pc:spChg chg="add mod">
-          <ac:chgData name="closeNN Ad" userId="92b553ccbda0fa53" providerId="LiveId" clId="{B0AF8342-45BF-4D23-9CFC-85E61709FB68}" dt="2024-03-17T03:03:32.503" v="284" actId="403"/>
-          <ac:spMkLst>
-            <pc:docMk/>
-            <pc:sldMk cId="2832508829" sldId="283"/>
-            <ac:spMk id="6" creationId="{7C2C2E39-EC0B-441E-4190-7FCEEAA3BBE8}"/>
-          </ac:spMkLst>
-        </pc:spChg>
-        <pc:spChg chg="add mod">
-          <ac:chgData name="closeNN Ad" userId="92b553ccbda0fa53" providerId="LiveId" clId="{B0AF8342-45BF-4D23-9CFC-85E61709FB68}" dt="2024-03-17T03:03:32.503" v="284" actId="403"/>
-          <ac:spMkLst>
-            <pc:docMk/>
-            <pc:sldMk cId="2832508829" sldId="283"/>
-            <ac:spMk id="7" creationId="{E2FB42A8-0FAD-424D-F334-5C8F2A9A28FE}"/>
-          </ac:spMkLst>
-        </pc:spChg>
-        <pc:spChg chg="add mod">
-          <ac:chgData name="closeNN Ad" userId="92b553ccbda0fa53" providerId="LiveId" clId="{B0AF8342-45BF-4D23-9CFC-85E61709FB68}" dt="2024-03-17T03:03:32.503" v="284" actId="403"/>
-          <ac:spMkLst>
-            <pc:docMk/>
-            <pc:sldMk cId="2832508829" sldId="283"/>
-            <ac:spMk id="8" creationId="{B2BEBADF-40E4-B460-F502-0DEA6A914CFB}"/>
-          </ac:spMkLst>
-        </pc:spChg>
-        <pc:spChg chg="add del mod">
-          <ac:chgData name="closeNN Ad" userId="92b553ccbda0fa53" providerId="LiveId" clId="{B0AF8342-45BF-4D23-9CFC-85E61709FB68}" dt="2024-03-17T03:04:23.228" v="291" actId="478"/>
-          <ac:spMkLst>
-            <pc:docMk/>
-            <pc:sldMk cId="2832508829" sldId="283"/>
-            <ac:spMk id="9" creationId="{F83FEB1A-CD59-98E7-3CB0-4B8F90119BB1}"/>
-          </ac:spMkLst>
-        </pc:spChg>
-        <pc:spChg chg="add mod">
-          <ac:chgData name="closeNN Ad" userId="92b553ccbda0fa53" providerId="LiveId" clId="{B0AF8342-45BF-4D23-9CFC-85E61709FB68}" dt="2024-03-17T03:04:23.572" v="292"/>
-          <ac:spMkLst>
-            <pc:docMk/>
-            <pc:sldMk cId="2832508829" sldId="283"/>
-            <ac:spMk id="10" creationId="{993F4747-F5E6-E7C1-4678-FE6853DFA157}"/>
-          </ac:spMkLst>
-        </pc:spChg>
-      </pc:sldChg>
-      <pc:sldChg chg="addSp delSp modSp add del mod modTransition delAnim modAnim">
-        <pc:chgData name="closeNN Ad" userId="92b553ccbda0fa53" providerId="LiveId" clId="{B0AF8342-45BF-4D23-9CFC-85E61709FB68}" dt="2024-03-17T02:59:31.798" v="161" actId="47"/>
-        <pc:sldMkLst>
-          <pc:docMk/>
-          <pc:sldMk cId="2905451526" sldId="283"/>
-        </pc:sldMkLst>
-        <pc:spChg chg="add del ord">
-          <ac:chgData name="closeNN Ad" userId="92b553ccbda0fa53" providerId="LiveId" clId="{B0AF8342-45BF-4D23-9CFC-85E61709FB68}" dt="2024-03-17T02:44:20.204" v="24" actId="167"/>
-          <ac:spMkLst>
-            <pc:docMk/>
-            <pc:sldMk cId="2905451526" sldId="283"/>
-            <ac:spMk id="5" creationId="{A8D54CCE-40AA-1325-832F-A53DF23F6FDE}"/>
-          </ac:spMkLst>
-        </pc:spChg>
-        <pc:grpChg chg="add del ord">
-          <ac:chgData name="closeNN Ad" userId="92b553ccbda0fa53" providerId="LiveId" clId="{B0AF8342-45BF-4D23-9CFC-85E61709FB68}" dt="2024-03-17T02:44:15.707" v="23" actId="167"/>
-          <ac:grpSpMkLst>
-            <pc:docMk/>
-            <pc:sldMk cId="2905451526" sldId="283"/>
-            <ac:grpSpMk id="16" creationId="{77FB52BD-DD9C-CB68-3EA0-000093098D67}"/>
-          </ac:grpSpMkLst>
-        </pc:grpChg>
-        <pc:picChg chg="add del">
-          <ac:chgData name="closeNN Ad" userId="92b553ccbda0fa53" providerId="LiveId" clId="{B0AF8342-45BF-4D23-9CFC-85E61709FB68}" dt="2024-03-17T02:32:04.877" v="2" actId="478"/>
-          <ac:picMkLst>
-            <pc:docMk/>
-            <pc:sldMk cId="2905451526" sldId="283"/>
-            <ac:picMk id="1026" creationId="{26070DDC-290C-F3AA-D2F2-8103A7185A75}"/>
-          </ac:picMkLst>
-        </pc:picChg>
-        <pc:picChg chg="add del mod">
-          <ac:chgData name="closeNN Ad" userId="92b553ccbda0fa53" providerId="LiveId" clId="{B0AF8342-45BF-4D23-9CFC-85E61709FB68}" dt="2024-03-17T02:58:25.875" v="157" actId="478"/>
-          <ac:picMkLst>
-            <pc:docMk/>
-            <pc:sldMk cId="2905451526" sldId="283"/>
-            <ac:picMk id="1028" creationId="{E63A3207-47A0-DC39-8666-2104370AE770}"/>
-          </ac:picMkLst>
-        </pc:picChg>
-      </pc:sldChg>
-      <pc:sldChg chg="addSp modSp new del mod modTransition setBg modNotesTx">
-        <pc:chgData name="closeNN Ad" userId="92b553ccbda0fa53" providerId="LiveId" clId="{B0AF8342-45BF-4D23-9CFC-85E61709FB68}" dt="2024-03-17T03:44:58.913" v="795" actId="2696"/>
-        <pc:sldMkLst>
-          <pc:docMk/>
-          <pc:sldMk cId="2123114724" sldId="284"/>
-        </pc:sldMkLst>
-        <pc:spChg chg="add mod">
-          <ac:chgData name="closeNN Ad" userId="92b553ccbda0fa53" providerId="LiveId" clId="{B0AF8342-45BF-4D23-9CFC-85E61709FB68}" dt="2024-03-17T03:09:32.468" v="382" actId="1076"/>
-          <ac:spMkLst>
-            <pc:docMk/>
-            <pc:sldMk cId="2123114724" sldId="284"/>
-            <ac:spMk id="4" creationId="{05926CC0-2BE3-0E57-1C5A-3E2CA21F7F99}"/>
-          </ac:spMkLst>
-        </pc:spChg>
-        <pc:spChg chg="add mod">
-          <ac:chgData name="closeNN Ad" userId="92b553ccbda0fa53" providerId="LiveId" clId="{B0AF8342-45BF-4D23-9CFC-85E61709FB68}" dt="2024-03-17T03:13:16.270" v="446" actId="20577"/>
-          <ac:spMkLst>
-            <pc:docMk/>
-            <pc:sldMk cId="2123114724" sldId="284"/>
-            <ac:spMk id="5" creationId="{E06ACD28-0A4D-5DD0-F456-29E2627DBC4D}"/>
-          </ac:spMkLst>
-        </pc:spChg>
-        <pc:spChg chg="add mod">
-          <ac:chgData name="closeNN Ad" userId="92b553ccbda0fa53" providerId="LiveId" clId="{B0AF8342-45BF-4D23-9CFC-85E61709FB68}" dt="2024-03-17T03:24:17.672" v="463" actId="404"/>
-          <ac:spMkLst>
-            <pc:docMk/>
-            <pc:sldMk cId="2123114724" sldId="284"/>
-            <ac:spMk id="6" creationId="{8432DDAC-6014-2B34-6708-0DF8E89D5693}"/>
-          </ac:spMkLst>
-        </pc:spChg>
-        <pc:spChg chg="add mod">
-          <ac:chgData name="closeNN Ad" userId="92b553ccbda0fa53" providerId="LiveId" clId="{B0AF8342-45BF-4D23-9CFC-85E61709FB68}" dt="2024-03-17T03:40:24.051" v="730" actId="207"/>
-          <ac:spMkLst>
-            <pc:docMk/>
-            <pc:sldMk cId="2123114724" sldId="284"/>
-            <ac:spMk id="7" creationId="{E17C86FD-21BC-830A-7144-ABA7488556C3}"/>
-          </ac:spMkLst>
-        </pc:spChg>
-        <pc:spChg chg="add mod ord">
-          <ac:chgData name="closeNN Ad" userId="92b553ccbda0fa53" providerId="LiveId" clId="{B0AF8342-45BF-4D23-9CFC-85E61709FB68}" dt="2024-03-17T03:42:03.873" v="773" actId="167"/>
-          <ac:spMkLst>
-            <pc:docMk/>
-            <pc:sldMk cId="2123114724" sldId="284"/>
-            <ac:spMk id="8" creationId="{F7939B2B-27DD-423B-168A-C85CE09AF9FD}"/>
-          </ac:spMkLst>
-        </pc:spChg>
-        <pc:picChg chg="add mod">
-          <ac:chgData name="closeNN Ad" userId="92b553ccbda0fa53" providerId="LiveId" clId="{B0AF8342-45BF-4D23-9CFC-85E61709FB68}" dt="2024-03-17T03:08:50.509" v="320" actId="14100"/>
-          <ac:picMkLst>
-            <pc:docMk/>
-            <pc:sldMk cId="2123114724" sldId="284"/>
-            <ac:picMk id="3" creationId="{692342C1-C415-72EB-6436-9F71EF7BAECB}"/>
-          </ac:picMkLst>
-        </pc:picChg>
-      </pc:sldChg>
-      <pc:sldChg chg="addSp delSp modSp add mod modTransition modAnim">
-        <pc:chgData name="closeNN Ad" userId="92b553ccbda0fa53" providerId="LiveId" clId="{B0AF8342-45BF-4D23-9CFC-85E61709FB68}" dt="2024-03-17T03:57:40.357" v="983"/>
-        <pc:sldMkLst>
-          <pc:docMk/>
-          <pc:sldMk cId="4226661854" sldId="285"/>
-        </pc:sldMkLst>
-        <pc:spChg chg="add mod">
-          <ac:chgData name="closeNN Ad" userId="92b553ccbda0fa53" providerId="LiveId" clId="{B0AF8342-45BF-4D23-9CFC-85E61709FB68}" dt="2024-03-17T03:31:05.526" v="561"/>
-          <ac:spMkLst>
-            <pc:docMk/>
-            <pc:sldMk cId="4226661854" sldId="285"/>
-            <ac:spMk id="2" creationId="{D1EFFD38-9585-E89F-3727-5C6893B6C5CC}"/>
-          </ac:spMkLst>
-        </pc:spChg>
-        <pc:spChg chg="mod">
-          <ac:chgData name="closeNN Ad" userId="92b553ccbda0fa53" providerId="LiveId" clId="{B0AF8342-45BF-4D23-9CFC-85E61709FB68}" dt="2024-03-17T03:30:03.602" v="540" actId="1076"/>
-          <ac:spMkLst>
-            <pc:docMk/>
-            <pc:sldMk cId="4226661854" sldId="285"/>
-            <ac:spMk id="4" creationId="{05926CC0-2BE3-0E57-1C5A-3E2CA21F7F99}"/>
-          </ac:spMkLst>
-        </pc:spChg>
-        <pc:spChg chg="del mod">
-          <ac:chgData name="closeNN Ad" userId="92b553ccbda0fa53" providerId="LiveId" clId="{B0AF8342-45BF-4D23-9CFC-85E61709FB68}" dt="2024-03-17T03:54:21.802" v="895" actId="478"/>
-          <ac:spMkLst>
-            <pc:docMk/>
-            <pc:sldMk cId="4226661854" sldId="285"/>
-            <ac:spMk id="5" creationId="{E06ACD28-0A4D-5DD0-F456-29E2627DBC4D}"/>
-          </ac:spMkLst>
-        </pc:spChg>
-        <pc:spChg chg="del mod">
-          <ac:chgData name="closeNN Ad" userId="92b553ccbda0fa53" providerId="LiveId" clId="{B0AF8342-45BF-4D23-9CFC-85E61709FB68}" dt="2024-03-17T03:45:22.733" v="798" actId="478"/>
-          <ac:spMkLst>
-            <pc:docMk/>
-            <pc:sldMk cId="4226661854" sldId="285"/>
-            <ac:spMk id="6" creationId="{8432DDAC-6014-2B34-6708-0DF8E89D5693}"/>
-          </ac:spMkLst>
-        </pc:spChg>
-        <pc:spChg chg="mod">
-          <ac:chgData name="closeNN Ad" userId="92b553ccbda0fa53" providerId="LiveId" clId="{B0AF8342-45BF-4D23-9CFC-85E61709FB68}" dt="2024-03-17T03:40:20.883" v="729" actId="207"/>
-          <ac:spMkLst>
-            <pc:docMk/>
-            <pc:sldMk cId="4226661854" sldId="285"/>
-            <ac:spMk id="7" creationId="{E17C86FD-21BC-830A-7144-ABA7488556C3}"/>
-          </ac:spMkLst>
-        </pc:spChg>
-        <pc:spChg chg="add del mod">
-          <ac:chgData name="closeNN Ad" userId="92b553ccbda0fa53" providerId="LiveId" clId="{B0AF8342-45BF-4D23-9CFC-85E61709FB68}" dt="2024-03-17T03:31:23.743" v="581" actId="20577"/>
-          <ac:spMkLst>
-            <pc:docMk/>
-            <pc:sldMk cId="4226661854" sldId="285"/>
-            <ac:spMk id="9" creationId="{D1A18C5D-7D2D-035E-BB30-ABA232EFB19D}"/>
-          </ac:spMkLst>
-        </pc:spChg>
-        <pc:spChg chg="add mod ord">
-          <ac:chgData name="closeNN Ad" userId="92b553ccbda0fa53" providerId="LiveId" clId="{B0AF8342-45BF-4D23-9CFC-85E61709FB68}" dt="2024-03-17T03:41:58.096" v="769" actId="167"/>
-          <ac:spMkLst>
-            <pc:docMk/>
-            <pc:sldMk cId="4226661854" sldId="285"/>
-            <ac:spMk id="10" creationId="{AEFBC293-6199-4A38-04D9-524C609EB08D}"/>
-          </ac:spMkLst>
-        </pc:spChg>
-        <pc:spChg chg="add mod ord">
-          <ac:chgData name="closeNN Ad" userId="92b553ccbda0fa53" providerId="LiveId" clId="{B0AF8342-45BF-4D23-9CFC-85E61709FB68}" dt="2024-03-17T03:45:30.838" v="801" actId="170"/>
-          <ac:spMkLst>
-            <pc:docMk/>
-            <pc:sldMk cId="4226661854" sldId="285"/>
-            <ac:spMk id="12" creationId="{FF4334E9-C398-03DB-256C-1554D243A551}"/>
-          </ac:spMkLst>
-        </pc:spChg>
-        <pc:spChg chg="add del mod">
-          <ac:chgData name="closeNN Ad" userId="92b553ccbda0fa53" providerId="LiveId" clId="{B0AF8342-45BF-4D23-9CFC-85E61709FB68}" dt="2024-03-17T03:57:40.188" v="982" actId="478"/>
-          <ac:spMkLst>
-            <pc:docMk/>
-            <pc:sldMk cId="4226661854" sldId="285"/>
-            <ac:spMk id="13" creationId="{63A3B93F-2EAF-9F2D-7956-19E9CDBAF430}"/>
-          </ac:spMkLst>
-        </pc:spChg>
-        <pc:spChg chg="add mod">
-          <ac:chgData name="closeNN Ad" userId="92b553ccbda0fa53" providerId="LiveId" clId="{B0AF8342-45BF-4D23-9CFC-85E61709FB68}" dt="2024-03-17T03:57:40.357" v="983"/>
-          <ac:spMkLst>
-            <pc:docMk/>
-            <pc:sldMk cId="4226661854" sldId="285"/>
-            <ac:spMk id="14" creationId="{3A71C0EB-6A93-41D2-45FD-EC9A400B82A9}"/>
-          </ac:spMkLst>
-        </pc:spChg>
-        <pc:picChg chg="mod">
-          <ac:chgData name="closeNN Ad" userId="92b553ccbda0fa53" providerId="LiveId" clId="{B0AF8342-45BF-4D23-9CFC-85E61709FB68}" dt="2024-03-17T03:29:44.106" v="535" actId="1076"/>
-          <ac:picMkLst>
-            <pc:docMk/>
-            <pc:sldMk cId="4226661854" sldId="285"/>
-            <ac:picMk id="3" creationId="{692342C1-C415-72EB-6436-9F71EF7BAECB}"/>
-          </ac:picMkLst>
-        </pc:picChg>
-        <pc:picChg chg="add mod">
-          <ac:chgData name="closeNN Ad" userId="92b553ccbda0fa53" providerId="LiveId" clId="{B0AF8342-45BF-4D23-9CFC-85E61709FB68}" dt="2024-03-17T03:45:07.692" v="796"/>
-          <ac:picMkLst>
-            <pc:docMk/>
-            <pc:sldMk cId="4226661854" sldId="285"/>
-            <ac:picMk id="11" creationId="{D8A8F1AB-6BE6-C4A3-CBFD-75B5D23991A8}"/>
-          </ac:picMkLst>
-        </pc:picChg>
-      </pc:sldChg>
-      <pc:sldChg chg="addSp delSp modSp add mod modAnim">
-        <pc:chgData name="closeNN Ad" userId="92b553ccbda0fa53" providerId="LiveId" clId="{B0AF8342-45BF-4D23-9CFC-85E61709FB68}" dt="2024-03-17T04:05:09.892" v="1039"/>
-        <pc:sldMkLst>
-          <pc:docMk/>
-          <pc:sldMk cId="3879948301" sldId="286"/>
-        </pc:sldMkLst>
-        <pc:spChg chg="del">
-          <ac:chgData name="closeNN Ad" userId="92b553ccbda0fa53" providerId="LiveId" clId="{B0AF8342-45BF-4D23-9CFC-85E61709FB68}" dt="2024-03-17T03:54:24.543" v="897" actId="478"/>
-          <ac:spMkLst>
-            <pc:docMk/>
-            <pc:sldMk cId="3879948301" sldId="286"/>
-            <ac:spMk id="5" creationId="{E06ACD28-0A4D-5DD0-F456-29E2627DBC4D}"/>
-          </ac:spMkLst>
-        </pc:spChg>
-        <pc:spChg chg="mod">
-          <ac:chgData name="closeNN Ad" userId="92b553ccbda0fa53" providerId="LiveId" clId="{B0AF8342-45BF-4D23-9CFC-85E61709FB68}" dt="2024-03-17T03:38:06.415" v="667" actId="164"/>
-          <ac:spMkLst>
-            <pc:docMk/>
-            <pc:sldMk cId="3879948301" sldId="286"/>
-            <ac:spMk id="6" creationId="{8432DDAC-6014-2B34-6708-0DF8E89D5693}"/>
-          </ac:spMkLst>
-        </pc:spChg>
-        <pc:spChg chg="mod">
-          <ac:chgData name="closeNN Ad" userId="92b553ccbda0fa53" providerId="LiveId" clId="{B0AF8342-45BF-4D23-9CFC-85E61709FB68}" dt="2024-03-17T03:40:16.454" v="728" actId="207"/>
-          <ac:spMkLst>
-            <pc:docMk/>
-            <pc:sldMk cId="3879948301" sldId="286"/>
-            <ac:spMk id="7" creationId="{E17C86FD-21BC-830A-7144-ABA7488556C3}"/>
-          </ac:spMkLst>
-        </pc:spChg>
-        <pc:spChg chg="add mod">
-          <ac:chgData name="closeNN Ad" userId="92b553ccbda0fa53" providerId="LiveId" clId="{B0AF8342-45BF-4D23-9CFC-85E61709FB68}" dt="2024-03-17T03:35:44.825" v="631" actId="164"/>
-          <ac:spMkLst>
-            <pc:docMk/>
-            <pc:sldMk cId="3879948301" sldId="286"/>
-            <ac:spMk id="8" creationId="{05035AAD-27A5-8646-D9FE-89222727FCC9}"/>
-          </ac:spMkLst>
-        </pc:spChg>
-        <pc:spChg chg="add mod ord">
-          <ac:chgData name="closeNN Ad" userId="92b553ccbda0fa53" providerId="LiveId" clId="{B0AF8342-45BF-4D23-9CFC-85E61709FB68}" dt="2024-03-17T03:35:53.553" v="643" actId="14100"/>
-          <ac:spMkLst>
-            <pc:docMk/>
-            <pc:sldMk cId="3879948301" sldId="286"/>
-            <ac:spMk id="12" creationId="{FDACC615-BA06-5096-89A2-87076988494A}"/>
-          </ac:spMkLst>
-        </pc:spChg>
-        <pc:spChg chg="add mod">
-          <ac:chgData name="closeNN Ad" userId="92b553ccbda0fa53" providerId="LiveId" clId="{B0AF8342-45BF-4D23-9CFC-85E61709FB68}" dt="2024-03-17T03:36:16.833" v="652" actId="1076"/>
-          <ac:spMkLst>
-            <pc:docMk/>
-            <pc:sldMk cId="3879948301" sldId="286"/>
-            <ac:spMk id="14" creationId="{57F96CCB-FF9D-9DFD-F41D-1EB09D6A7C0B}"/>
-          </ac:spMkLst>
-        </pc:spChg>
-        <pc:spChg chg="add">
-          <ac:chgData name="closeNN Ad" userId="92b553ccbda0fa53" providerId="LiveId" clId="{B0AF8342-45BF-4D23-9CFC-85E61709FB68}" dt="2024-03-17T03:36:36.271" v="653"/>
-          <ac:spMkLst>
-            <pc:docMk/>
-            <pc:sldMk cId="3879948301" sldId="286"/>
-            <ac:spMk id="15" creationId="{460B490C-4F69-C122-D027-8137F985F80E}"/>
-          </ac:spMkLst>
-        </pc:spChg>
-        <pc:spChg chg="add">
-          <ac:chgData name="closeNN Ad" userId="92b553ccbda0fa53" providerId="LiveId" clId="{B0AF8342-45BF-4D23-9CFC-85E61709FB68}" dt="2024-03-17T03:36:44.234" v="654"/>
-          <ac:spMkLst>
-            <pc:docMk/>
-            <pc:sldMk cId="3879948301" sldId="286"/>
-            <ac:spMk id="16" creationId="{69B175D1-F074-8FE1-C31A-B7589E320122}"/>
-          </ac:spMkLst>
-        </pc:spChg>
-        <pc:spChg chg="add mod">
-          <ac:chgData name="closeNN Ad" userId="92b553ccbda0fa53" providerId="LiveId" clId="{B0AF8342-45BF-4D23-9CFC-85E61709FB68}" dt="2024-03-17T03:37:08.689" v="660" actId="1076"/>
-          <ac:spMkLst>
-            <pc:docMk/>
-            <pc:sldMk cId="3879948301" sldId="286"/>
-            <ac:spMk id="17" creationId="{D919ECD5-5BB8-CD2E-9883-A6D8C297F2D6}"/>
-          </ac:spMkLst>
-        </pc:spChg>
-        <pc:spChg chg="add">
-          <ac:chgData name="closeNN Ad" userId="92b553ccbda0fa53" providerId="LiveId" clId="{B0AF8342-45BF-4D23-9CFC-85E61709FB68}" dt="2024-03-17T03:36:50.858" v="656"/>
-          <ac:spMkLst>
-            <pc:docMk/>
-            <pc:sldMk cId="3879948301" sldId="286"/>
-            <ac:spMk id="18" creationId="{2756DF0A-100B-605E-C8EA-4C2C2922C460}"/>
-          </ac:spMkLst>
-        </pc:spChg>
-        <pc:spChg chg="add mod">
-          <ac:chgData name="closeNN Ad" userId="92b553ccbda0fa53" providerId="LiveId" clId="{B0AF8342-45BF-4D23-9CFC-85E61709FB68}" dt="2024-03-17T03:39:02.822" v="690" actId="20577"/>
-          <ac:spMkLst>
-            <pc:docMk/>
-            <pc:sldMk cId="3879948301" sldId="286"/>
-            <ac:spMk id="23" creationId="{140F0111-A636-BCA4-7BE0-F661EF059736}"/>
-          </ac:spMkLst>
-        </pc:spChg>
-        <pc:spChg chg="add mod">
-          <ac:chgData name="closeNN Ad" userId="92b553ccbda0fa53" providerId="LiveId" clId="{B0AF8342-45BF-4D23-9CFC-85E61709FB68}" dt="2024-03-17T03:39:57.941" v="727" actId="5793"/>
-          <ac:spMkLst>
-            <pc:docMk/>
-            <pc:sldMk cId="3879948301" sldId="286"/>
-            <ac:spMk id="25" creationId="{450579C4-6610-BCA2-EF50-19ACC224FCFD}"/>
-          </ac:spMkLst>
-        </pc:spChg>
-        <pc:spChg chg="add mod">
-          <ac:chgData name="closeNN Ad" userId="92b553ccbda0fa53" providerId="LiveId" clId="{B0AF8342-45BF-4D23-9CFC-85E61709FB68}" dt="2024-03-17T03:57:32.050" v="981" actId="20577"/>
-          <ac:spMkLst>
-            <pc:docMk/>
-            <pc:sldMk cId="3879948301" sldId="286"/>
-            <ac:spMk id="26" creationId="{A22BE7C4-BEBA-F2DB-56D6-6B3B69DF1CA9}"/>
-          </ac:spMkLst>
-        </pc:spChg>
-        <pc:spChg chg="add mod">
-          <ac:chgData name="closeNN Ad" userId="92b553ccbda0fa53" providerId="LiveId" clId="{B0AF8342-45BF-4D23-9CFC-85E61709FB68}" dt="2024-03-17T04:05:09.892" v="1039"/>
-          <ac:spMkLst>
-            <pc:docMk/>
-            <pc:sldMk cId="3879948301" sldId="286"/>
-            <ac:spMk id="27" creationId="{6DFB7E2D-ED83-D5C1-8569-B69B9207C481}"/>
-          </ac:spMkLst>
-        </pc:spChg>
-        <pc:spChg chg="add mod">
-          <ac:chgData name="closeNN Ad" userId="92b553ccbda0fa53" providerId="LiveId" clId="{B0AF8342-45BF-4D23-9CFC-85E61709FB68}" dt="2024-03-17T03:56:22.758" v="944"/>
-          <ac:spMkLst>
-            <pc:docMk/>
-            <pc:sldMk cId="3879948301" sldId="286"/>
-            <ac:spMk id="28" creationId="{290B8197-8975-214B-1700-11D8300C59E3}"/>
-          </ac:spMkLst>
-        </pc:spChg>
-        <pc:grpChg chg="add mod">
-          <ac:chgData name="closeNN Ad" userId="92b553ccbda0fa53" providerId="LiveId" clId="{B0AF8342-45BF-4D23-9CFC-85E61709FB68}" dt="2024-03-17T03:35:48.904" v="642" actId="1035"/>
-          <ac:grpSpMkLst>
-            <pc:docMk/>
-            <pc:sldMk cId="3879948301" sldId="286"/>
-            <ac:grpSpMk id="13" creationId="{85FC6993-B173-88E5-A599-D6779C4B07FF}"/>
-          </ac:grpSpMkLst>
-        </pc:grpChg>
-        <pc:grpChg chg="add mod">
-          <ac:chgData name="closeNN Ad" userId="92b553ccbda0fa53" providerId="LiveId" clId="{B0AF8342-45BF-4D23-9CFC-85E61709FB68}" dt="2024-03-17T03:38:06.415" v="667" actId="164"/>
-          <ac:grpSpMkLst>
-            <pc:docMk/>
-            <pc:sldMk cId="3879948301" sldId="286"/>
-            <ac:grpSpMk id="21" creationId="{AE75820C-2F7C-B4B0-73D6-B09DB36A437C}"/>
-          </ac:grpSpMkLst>
-        </pc:grpChg>
-        <pc:picChg chg="add mod">
-          <ac:chgData name="closeNN Ad" userId="92b553ccbda0fa53" providerId="LiveId" clId="{B0AF8342-45BF-4D23-9CFC-85E61709FB68}" dt="2024-03-17T03:35:44.825" v="631" actId="164"/>
-          <ac:picMkLst>
-            <pc:docMk/>
-            <pc:sldMk cId="3879948301" sldId="286"/>
-            <ac:picMk id="11" creationId="{F976114C-1EB8-DAE2-75AE-67EA92B46B48}"/>
-          </ac:picMkLst>
-        </pc:picChg>
-        <pc:picChg chg="add mod">
-          <ac:chgData name="closeNN Ad" userId="92b553ccbda0fa53" providerId="LiveId" clId="{B0AF8342-45BF-4D23-9CFC-85E61709FB68}" dt="2024-03-17T03:38:06.415" v="667" actId="164"/>
-          <ac:picMkLst>
-            <pc:docMk/>
-            <pc:sldMk cId="3879948301" sldId="286"/>
-            <ac:picMk id="20" creationId="{D9D0B5F0-DDD5-5F30-C6EC-1DB9662142C4}"/>
-          </ac:picMkLst>
-        </pc:picChg>
-        <pc:picChg chg="add mod">
-          <ac:chgData name="closeNN Ad" userId="92b553ccbda0fa53" providerId="LiveId" clId="{B0AF8342-45BF-4D23-9CFC-85E61709FB68}" dt="2024-03-17T03:38:33.161" v="674" actId="1076"/>
-          <ac:picMkLst>
-            <pc:docMk/>
-            <pc:sldMk cId="3879948301" sldId="286"/>
-            <ac:picMk id="22" creationId="{E7A6A085-529A-19BD-06A1-11051BBDBE71}"/>
-          </ac:picMkLst>
-        </pc:picChg>
-        <pc:picChg chg="add del mod">
-          <ac:chgData name="closeNN Ad" userId="92b553ccbda0fa53" providerId="LiveId" clId="{B0AF8342-45BF-4D23-9CFC-85E61709FB68}" dt="2024-03-17T04:01:04.792" v="988" actId="478"/>
-          <ac:picMkLst>
-            <pc:docMk/>
-            <pc:sldMk cId="3879948301" sldId="286"/>
-            <ac:picMk id="2053" creationId="{E086DA35-A813-CB2F-F99E-A873E15E0EFB}"/>
-          </ac:picMkLst>
-        </pc:picChg>
-      </pc:sldChg>
-      <pc:sldChg chg="addSp delSp modSp add mod ord modTransition delAnim modAnim">
-        <pc:chgData name="closeNN Ad" userId="92b553ccbda0fa53" providerId="LiveId" clId="{B0AF8342-45BF-4D23-9CFC-85E61709FB68}" dt="2024-03-17T03:57:42.988" v="985"/>
-        <pc:sldMkLst>
-          <pc:docMk/>
-          <pc:sldMk cId="2961853810" sldId="287"/>
-        </pc:sldMkLst>
-        <pc:spChg chg="del mod">
-          <ac:chgData name="closeNN Ad" userId="92b553ccbda0fa53" providerId="LiveId" clId="{B0AF8342-45BF-4D23-9CFC-85E61709FB68}" dt="2024-03-17T03:57:42.842" v="984" actId="478"/>
-          <ac:spMkLst>
-            <pc:docMk/>
-            <pc:sldMk cId="2961853810" sldId="287"/>
-            <ac:spMk id="5" creationId="{E06ACD28-0A4D-5DD0-F456-29E2627DBC4D}"/>
-          </ac:spMkLst>
-        </pc:spChg>
-        <pc:spChg chg="del">
-          <ac:chgData name="closeNN Ad" userId="92b553ccbda0fa53" providerId="LiveId" clId="{B0AF8342-45BF-4D23-9CFC-85E61709FB68}" dt="2024-03-17T03:45:33.604" v="802" actId="478"/>
-          <ac:spMkLst>
-            <pc:docMk/>
-            <pc:sldMk cId="2961853810" sldId="287"/>
-            <ac:spMk id="6" creationId="{8432DDAC-6014-2B34-6708-0DF8E89D5693}"/>
-          </ac:spMkLst>
-        </pc:spChg>
-        <pc:spChg chg="del">
-          <ac:chgData name="closeNN Ad" userId="92b553ccbda0fa53" providerId="LiveId" clId="{B0AF8342-45BF-4D23-9CFC-85E61709FB68}" dt="2024-03-17T03:41:07.341" v="735" actId="478"/>
-          <ac:spMkLst>
-            <pc:docMk/>
-            <pc:sldMk cId="2961853810" sldId="287"/>
-            <ac:spMk id="7" creationId="{E17C86FD-21BC-830A-7144-ABA7488556C3}"/>
-          </ac:spMkLst>
-        </pc:spChg>
-        <pc:spChg chg="add del mod">
-          <ac:chgData name="closeNN Ad" userId="92b553ccbda0fa53" providerId="LiveId" clId="{B0AF8342-45BF-4D23-9CFC-85E61709FB68}" dt="2024-03-17T03:41:21.366" v="737" actId="478"/>
-          <ac:spMkLst>
-            <pc:docMk/>
-            <pc:sldMk cId="2961853810" sldId="287"/>
-            <ac:spMk id="8" creationId="{EA4C7E25-636F-17BE-520D-E711437BB790}"/>
-          </ac:spMkLst>
-        </pc:spChg>
-        <pc:spChg chg="add mod">
-          <ac:chgData name="closeNN Ad" userId="92b553ccbda0fa53" providerId="LiveId" clId="{B0AF8342-45BF-4D23-9CFC-85E61709FB68}" dt="2024-03-17T03:41:44.950" v="766" actId="5793"/>
-          <ac:spMkLst>
-            <pc:docMk/>
-            <pc:sldMk cId="2961853810" sldId="287"/>
-            <ac:spMk id="10" creationId="{10BA8858-028F-027B-62E5-37E13B2560C9}"/>
-          </ac:spMkLst>
-        </pc:spChg>
-        <pc:spChg chg="add mod ord">
-          <ac:chgData name="closeNN Ad" userId="92b553ccbda0fa53" providerId="LiveId" clId="{B0AF8342-45BF-4D23-9CFC-85E61709FB68}" dt="2024-03-17T03:42:00.886" v="771" actId="167"/>
-          <ac:spMkLst>
-            <pc:docMk/>
-            <pc:sldMk cId="2961853810" sldId="287"/>
-            <ac:spMk id="11" creationId="{B3FEA301-8AA8-11EC-6078-9E55748A4F0A}"/>
-          </ac:spMkLst>
-        </pc:spChg>
-        <pc:spChg chg="add mod ord">
-          <ac:chgData name="closeNN Ad" userId="92b553ccbda0fa53" providerId="LiveId" clId="{B0AF8342-45BF-4D23-9CFC-85E61709FB68}" dt="2024-03-17T03:45:39.005" v="805" actId="171"/>
-          <ac:spMkLst>
-            <pc:docMk/>
-            <pc:sldMk cId="2961853810" sldId="287"/>
-            <ac:spMk id="13" creationId="{E300FD59-BA5B-0877-E3C0-FD2CDBB3D8EB}"/>
-          </ac:spMkLst>
-        </pc:spChg>
-        <pc:spChg chg="add mod">
-          <ac:chgData name="closeNN Ad" userId="92b553ccbda0fa53" providerId="LiveId" clId="{B0AF8342-45BF-4D23-9CFC-85E61709FB68}" dt="2024-03-17T03:57:42.988" v="985"/>
-          <ac:spMkLst>
-            <pc:docMk/>
-            <pc:sldMk cId="2961853810" sldId="287"/>
-            <ac:spMk id="14" creationId="{21B65684-E14F-71DE-3061-72A5F3FEDD5B}"/>
-          </ac:spMkLst>
-        </pc:spChg>
-        <pc:picChg chg="add mod">
-          <ac:chgData name="closeNN Ad" userId="92b553ccbda0fa53" providerId="LiveId" clId="{B0AF8342-45BF-4D23-9CFC-85E61709FB68}" dt="2024-03-17T03:45:09.297" v="797"/>
-          <ac:picMkLst>
-            <pc:docMk/>
-            <pc:sldMk cId="2961853810" sldId="287"/>
-            <ac:picMk id="12" creationId="{22A95064-951E-EFF0-56DE-2E780C719528}"/>
-          </ac:picMkLst>
-        </pc:picChg>
-      </pc:sldChg>
-      <pc:sldChg chg="addSp delSp modSp new mod modTransition setBg modAnim modNotesTx">
-        <pc:chgData name="closeNN Ad" userId="92b553ccbda0fa53" providerId="LiveId" clId="{B0AF8342-45BF-4D23-9CFC-85E61709FB68}" dt="2024-03-17T04:19:26.993" v="1343"/>
-        <pc:sldMkLst>
-          <pc:docMk/>
-          <pc:sldMk cId="1813537361" sldId="288"/>
-        </pc:sldMkLst>
-        <pc:spChg chg="add mod">
-          <ac:chgData name="closeNN Ad" userId="92b553ccbda0fa53" providerId="LiveId" clId="{B0AF8342-45BF-4D23-9CFC-85E61709FB68}" dt="2024-03-17T04:15:51.982" v="1260" actId="1076"/>
-          <ac:spMkLst>
-            <pc:docMk/>
-            <pc:sldMk cId="1813537361" sldId="288"/>
-            <ac:spMk id="2" creationId="{E82F90A0-1AB7-8655-BA52-7DFAFCA4A4C5}"/>
-          </ac:spMkLst>
-        </pc:spChg>
-        <pc:spChg chg="add del mod">
-          <ac:chgData name="closeNN Ad" userId="92b553ccbda0fa53" providerId="LiveId" clId="{B0AF8342-45BF-4D23-9CFC-85E61709FB68}" dt="2024-03-17T04:06:24.319" v="1089" actId="478"/>
-          <ac:spMkLst>
-            <pc:docMk/>
-            <pc:sldMk cId="1813537361" sldId="288"/>
-            <ac:spMk id="3" creationId="{2C6D1CEC-9BD6-22F8-CC1E-4B9526B805E2}"/>
-          </ac:spMkLst>
-        </pc:spChg>
-      </pc:sldChg>
-      <pc:sldChg chg="modSp add mod modTransition modAnim">
-        <pc:chgData name="closeNN Ad" userId="92b553ccbda0fa53" providerId="LiveId" clId="{B0AF8342-45BF-4D23-9CFC-85E61709FB68}" dt="2024-03-17T04:22:38.072" v="1385"/>
-        <pc:sldMkLst>
-          <pc:docMk/>
-          <pc:sldMk cId="2363368123" sldId="289"/>
-        </pc:sldMkLst>
-        <pc:spChg chg="mod">
-          <ac:chgData name="closeNN Ad" userId="92b553ccbda0fa53" providerId="LiveId" clId="{B0AF8342-45BF-4D23-9CFC-85E61709FB68}" dt="2024-03-17T04:19:59.276" v="1346" actId="1076"/>
-          <ac:spMkLst>
-            <pc:docMk/>
-            <pc:sldMk cId="2363368123" sldId="289"/>
-            <ac:spMk id="2" creationId="{E82F90A0-1AB7-8655-BA52-7DFAFCA4A4C5}"/>
-          </ac:spMkLst>
-        </pc:spChg>
-      </pc:sldChg>
-      <pc:sldChg chg="add del">
-        <pc:chgData name="closeNN Ad" userId="92b553ccbda0fa53" providerId="LiveId" clId="{B0AF8342-45BF-4D23-9CFC-85E61709FB68}" dt="2024-03-17T04:08:03.682" v="1096" actId="2696"/>
-        <pc:sldMkLst>
-          <pc:docMk/>
-          <pc:sldMk cId="2635144406" sldId="289"/>
-        </pc:sldMkLst>
-      </pc:sldChg>
-      <pc:sldChg chg="modSp add mod modTransition modAnim">
-        <pc:chgData name="closeNN Ad" userId="92b553ccbda0fa53" providerId="LiveId" clId="{B0AF8342-45BF-4D23-9CFC-85E61709FB68}" dt="2024-03-17T04:26:46.426" v="1444"/>
-        <pc:sldMkLst>
-          <pc:docMk/>
-          <pc:sldMk cId="2378642793" sldId="290"/>
-        </pc:sldMkLst>
-        <pc:spChg chg="mod">
-          <ac:chgData name="closeNN Ad" userId="92b553ccbda0fa53" providerId="LiveId" clId="{B0AF8342-45BF-4D23-9CFC-85E61709FB68}" dt="2024-03-17T04:23:03.599" v="1386" actId="20577"/>
-          <ac:spMkLst>
-            <pc:docMk/>
-            <pc:sldMk cId="2378642793" sldId="290"/>
-            <ac:spMk id="2" creationId="{E82F90A0-1AB7-8655-BA52-7DFAFCA4A4C5}"/>
-          </ac:spMkLst>
-        </pc:spChg>
-      </pc:sldChg>
-      <pc:sldChg chg="modSp add mod modTransition modAnim">
-        <pc:chgData name="closeNN Ad" userId="92b553ccbda0fa53" providerId="LiveId" clId="{B0AF8342-45BF-4D23-9CFC-85E61709FB68}" dt="2024-03-17T04:26:53.135" v="1447"/>
-        <pc:sldMkLst>
-          <pc:docMk/>
-          <pc:sldMk cId="2782871220" sldId="291"/>
-        </pc:sldMkLst>
-        <pc:spChg chg="mod">
-          <ac:chgData name="closeNN Ad" userId="92b553ccbda0fa53" providerId="LiveId" clId="{B0AF8342-45BF-4D23-9CFC-85E61709FB68}" dt="2024-03-17T04:15:35.774" v="1256" actId="1076"/>
-          <ac:spMkLst>
-            <pc:docMk/>
-            <pc:sldMk cId="2782871220" sldId="291"/>
-            <ac:spMk id="2" creationId="{E82F90A0-1AB7-8655-BA52-7DFAFCA4A4C5}"/>
-          </ac:spMkLst>
-        </pc:spChg>
-      </pc:sldChg>
-      <pc:sldChg chg="addSp modSp add mod modTransition modAnim">
-        <pc:chgData name="closeNN Ad" userId="92b553ccbda0fa53" providerId="LiveId" clId="{B0AF8342-45BF-4D23-9CFC-85E61709FB68}" dt="2024-03-17T04:27:12.502" v="1452"/>
-        <pc:sldMkLst>
-          <pc:docMk/>
-          <pc:sldMk cId="1662818835" sldId="292"/>
-        </pc:sldMkLst>
-        <pc:spChg chg="mod">
-          <ac:chgData name="closeNN Ad" userId="92b553ccbda0fa53" providerId="LiveId" clId="{B0AF8342-45BF-4D23-9CFC-85E61709FB68}" dt="2024-03-17T04:26:08.948" v="1436" actId="1076"/>
-          <ac:spMkLst>
-            <pc:docMk/>
-            <pc:sldMk cId="1662818835" sldId="292"/>
-            <ac:spMk id="2" creationId="{E82F90A0-1AB7-8655-BA52-7DFAFCA4A4C5}"/>
-          </ac:spMkLst>
-        </pc:spChg>
-        <pc:spChg chg="add mod">
-          <ac:chgData name="closeNN Ad" userId="92b553ccbda0fa53" providerId="LiveId" clId="{B0AF8342-45BF-4D23-9CFC-85E61709FB68}" dt="2024-03-17T04:25:38.973" v="1431" actId="1076"/>
-          <ac:spMkLst>
-            <pc:docMk/>
-            <pc:sldMk cId="1662818835" sldId="292"/>
-            <ac:spMk id="3" creationId="{C9376C24-14A5-5F55-9C04-73C19253206D}"/>
-          </ac:spMkLst>
-        </pc:spChg>
-      </pc:sldChg>
-      <pc:sldChg chg="add modTransition setBg modAnim">
-        <pc:chgData name="closeNN Ad" userId="92b553ccbda0fa53" providerId="LiveId" clId="{B0AF8342-45BF-4D23-9CFC-85E61709FB68}" dt="2024-03-17T04:43:56.861" v="2027"/>
-        <pc:sldMkLst>
-          <pc:docMk/>
-          <pc:sldMk cId="606684170" sldId="293"/>
-        </pc:sldMkLst>
-      </pc:sldChg>
-      <pc:sldChg chg="addSp delSp modSp add mod modTransition setBg">
-        <pc:chgData name="closeNN Ad" userId="92b553ccbda0fa53" providerId="LiveId" clId="{B0AF8342-45BF-4D23-9CFC-85E61709FB68}" dt="2024-03-17T04:43:59.855" v="2028"/>
-        <pc:sldMkLst>
-          <pc:docMk/>
-          <pc:sldMk cId="3669516710" sldId="294"/>
-        </pc:sldMkLst>
-        <pc:spChg chg="add del mod">
-          <ac:chgData name="closeNN Ad" userId="92b553ccbda0fa53" providerId="LiveId" clId="{B0AF8342-45BF-4D23-9CFC-85E61709FB68}" dt="2024-03-17T04:38:33.025" v="1887" actId="478"/>
-          <ac:spMkLst>
-            <pc:docMk/>
-            <pc:sldMk cId="3669516710" sldId="294"/>
-            <ac:spMk id="4" creationId="{BB7DCF29-2E80-3E0F-0B7C-1619F3544C88}"/>
-          </ac:spMkLst>
-        </pc:spChg>
-        <pc:spChg chg="add mod">
-          <ac:chgData name="closeNN Ad" userId="92b553ccbda0fa53" providerId="LiveId" clId="{B0AF8342-45BF-4D23-9CFC-85E61709FB68}" dt="2024-03-17T04:38:33.260" v="1888"/>
-          <ac:spMkLst>
-            <pc:docMk/>
-            <pc:sldMk cId="3669516710" sldId="294"/>
-            <ac:spMk id="5" creationId="{FFE44D67-1E47-90AA-148D-23747E052EBA}"/>
-          </ac:spMkLst>
-        </pc:spChg>
-      </pc:sldChg>
-      <pc:sldChg chg="addSp delSp modSp add mod modTransition setBg">
-        <pc:chgData name="closeNN Ad" userId="92b553ccbda0fa53" providerId="LiveId" clId="{B0AF8342-45BF-4D23-9CFC-85E61709FB68}" dt="2024-03-17T04:44:01.022" v="2029"/>
-        <pc:sldMkLst>
-          <pc:docMk/>
-          <pc:sldMk cId="4203427543" sldId="295"/>
-        </pc:sldMkLst>
-        <pc:spChg chg="mod">
-          <ac:chgData name="closeNN Ad" userId="92b553ccbda0fa53" providerId="LiveId" clId="{B0AF8342-45BF-4D23-9CFC-85E61709FB68}" dt="2024-03-17T04:35:43.238" v="1722" actId="122"/>
-          <ac:spMkLst>
-            <pc:docMk/>
-            <pc:sldMk cId="4203427543" sldId="295"/>
-            <ac:spMk id="2" creationId="{E82F90A0-1AB7-8655-BA52-7DFAFCA4A4C5}"/>
-          </ac:spMkLst>
-        </pc:spChg>
-        <pc:spChg chg="add del mod">
-          <ac:chgData name="closeNN Ad" userId="92b553ccbda0fa53" providerId="LiveId" clId="{B0AF8342-45BF-4D23-9CFC-85E61709FB68}" dt="2024-03-17T04:35:55.708" v="1724" actId="478"/>
-          <ac:spMkLst>
-            <pc:docMk/>
-            <pc:sldMk cId="4203427543" sldId="295"/>
-            <ac:spMk id="4" creationId="{766D7D2C-D633-B5C6-D648-F8215CF930DF}"/>
-          </ac:spMkLst>
-        </pc:spChg>
-        <pc:spChg chg="add mod">
-          <ac:chgData name="closeNN Ad" userId="92b553ccbda0fa53" providerId="LiveId" clId="{B0AF8342-45BF-4D23-9CFC-85E61709FB68}" dt="2024-03-17T04:38:22.884" v="1886" actId="1076"/>
-          <ac:spMkLst>
-            <pc:docMk/>
-            <pc:sldMk cId="4203427543" sldId="295"/>
-            <ac:spMk id="5" creationId="{04694805-2696-BFC4-4AD5-00C2CBA84C4C}"/>
-          </ac:spMkLst>
-        </pc:spChg>
-      </pc:sldChg>
-      <pc:sldChg chg="addSp modSp add mod modTransition setBg">
-        <pc:chgData name="closeNN Ad" userId="92b553ccbda0fa53" providerId="LiveId" clId="{B0AF8342-45BF-4D23-9CFC-85E61709FB68}" dt="2024-03-17T04:44:02.206" v="2030"/>
-        <pc:sldMkLst>
-          <pc:docMk/>
-          <pc:sldMk cId="201348192" sldId="296"/>
-        </pc:sldMkLst>
-        <pc:spChg chg="mod">
-          <ac:chgData name="closeNN Ad" userId="92b553ccbda0fa53" providerId="LiveId" clId="{B0AF8342-45BF-4D23-9CFC-85E61709FB68}" dt="2024-03-17T04:41:45.971" v="2016" actId="1076"/>
-          <ac:spMkLst>
-            <pc:docMk/>
-            <pc:sldMk cId="201348192" sldId="296"/>
-            <ac:spMk id="2" creationId="{E82F90A0-1AB7-8655-BA52-7DFAFCA4A4C5}"/>
-          </ac:spMkLst>
-        </pc:spChg>
-        <pc:spChg chg="add mod">
-          <ac:chgData name="closeNN Ad" userId="92b553ccbda0fa53" providerId="LiveId" clId="{B0AF8342-45BF-4D23-9CFC-85E61709FB68}" dt="2024-03-17T04:38:17.235" v="1884" actId="1076"/>
-          <ac:spMkLst>
-            <pc:docMk/>
-            <pc:sldMk cId="201348192" sldId="296"/>
-            <ac:spMk id="4" creationId="{323F8DDE-C2B0-3E51-F06F-2452FCB8C223}"/>
-          </ac:spMkLst>
-        </pc:spChg>
-      </pc:sldChg>
-      <pc:sldChg chg="modSp add mod modTransition setBg">
-        <pc:chgData name="closeNN Ad" userId="92b553ccbda0fa53" providerId="LiveId" clId="{B0AF8342-45BF-4D23-9CFC-85E61709FB68}" dt="2024-03-17T04:44:03.405" v="2031"/>
-        <pc:sldMkLst>
-          <pc:docMk/>
-          <pc:sldMk cId="2366066480" sldId="297"/>
-        </pc:sldMkLst>
-        <pc:spChg chg="mod">
-          <ac:chgData name="closeNN Ad" userId="92b553ccbda0fa53" providerId="LiveId" clId="{B0AF8342-45BF-4D23-9CFC-85E61709FB68}" dt="2024-03-17T04:41:57.262" v="2026" actId="20577"/>
-          <ac:spMkLst>
-            <pc:docMk/>
-            <pc:sldMk cId="2366066480" sldId="297"/>
-            <ac:spMk id="2" creationId="{E82F90A0-1AB7-8655-BA52-7DFAFCA4A4C5}"/>
-          </ac:spMkLst>
-        </pc:spChg>
-      </pc:sldChg>
-      <pc:sldChg chg="addSp modSp add mod modTransition setBg">
-        <pc:chgData name="closeNN Ad" userId="92b553ccbda0fa53" providerId="LiveId" clId="{B0AF8342-45BF-4D23-9CFC-85E61709FB68}" dt="2024-03-17T04:51:43.563" v="2443" actId="1076"/>
-        <pc:sldMkLst>
-          <pc:docMk/>
-          <pc:sldMk cId="4114959079" sldId="298"/>
-        </pc:sldMkLst>
-        <pc:spChg chg="mod">
-          <ac:chgData name="closeNN Ad" userId="92b553ccbda0fa53" providerId="LiveId" clId="{B0AF8342-45BF-4D23-9CFC-85E61709FB68}" dt="2024-03-17T04:51:07.450" v="2396" actId="1076"/>
-          <ac:spMkLst>
-            <pc:docMk/>
-            <pc:sldMk cId="4114959079" sldId="298"/>
-            <ac:spMk id="2" creationId="{E82F90A0-1AB7-8655-BA52-7DFAFCA4A4C5}"/>
-          </ac:spMkLst>
-        </pc:spChg>
-        <pc:spChg chg="add mod">
-          <ac:chgData name="closeNN Ad" userId="92b553ccbda0fa53" providerId="LiveId" clId="{B0AF8342-45BF-4D23-9CFC-85E61709FB68}" dt="2024-03-17T04:51:43.563" v="2443" actId="1076"/>
-          <ac:spMkLst>
-            <pc:docMk/>
-            <pc:sldMk cId="4114959079" sldId="298"/>
-            <ac:spMk id="4" creationId="{1B38AEF4-0AF5-5B99-2B98-B8FB3AC0EBD3}"/>
-          </ac:spMkLst>
-        </pc:spChg>
-      </pc:sldChg>
-      <pc:sldChg chg="addSp delSp modSp add mod modTransition setBg">
-        <pc:chgData name="closeNN Ad" userId="92b553ccbda0fa53" providerId="LiveId" clId="{B0AF8342-45BF-4D23-9CFC-85E61709FB68}" dt="2024-03-17T04:52:07.357" v="2447"/>
-        <pc:sldMkLst>
-          <pc:docMk/>
-          <pc:sldMk cId="1933845132" sldId="299"/>
-        </pc:sldMkLst>
-        <pc:spChg chg="del">
-          <ac:chgData name="closeNN Ad" userId="92b553ccbda0fa53" providerId="LiveId" clId="{B0AF8342-45BF-4D23-9CFC-85E61709FB68}" dt="2024-03-17T04:52:07.090" v="2446" actId="478"/>
-          <ac:spMkLst>
-            <pc:docMk/>
-            <pc:sldMk cId="1933845132" sldId="299"/>
-            <ac:spMk id="2" creationId="{E82F90A0-1AB7-8655-BA52-7DFAFCA4A4C5}"/>
-          </ac:spMkLst>
-        </pc:spChg>
-        <pc:spChg chg="add mod">
-          <ac:chgData name="closeNN Ad" userId="92b553ccbda0fa53" providerId="LiveId" clId="{B0AF8342-45BF-4D23-9CFC-85E61709FB68}" dt="2024-03-17T04:51:52.198" v="2444"/>
-          <ac:spMkLst>
-            <pc:docMk/>
-            <pc:sldMk cId="1933845132" sldId="299"/>
-            <ac:spMk id="4" creationId="{DC541806-B32A-3241-C979-357465ED861D}"/>
-          </ac:spMkLst>
-        </pc:spChg>
-        <pc:spChg chg="add mod">
-          <ac:chgData name="closeNN Ad" userId="92b553ccbda0fa53" providerId="LiveId" clId="{B0AF8342-45BF-4D23-9CFC-85E61709FB68}" dt="2024-03-17T04:52:07.357" v="2447"/>
-          <ac:spMkLst>
-            <pc:docMk/>
-            <pc:sldMk cId="1933845132" sldId="299"/>
-            <ac:spMk id="5" creationId="{A8044B60-8C48-346F-CB59-62C909BB040B}"/>
-          </ac:spMkLst>
-        </pc:spChg>
-      </pc:sldChg>
-      <pc:sldChg chg="addSp delSp modSp add mod modTransition setBg">
-        <pc:chgData name="closeNN Ad" userId="92b553ccbda0fa53" providerId="LiveId" clId="{B0AF8342-45BF-4D23-9CFC-85E61709FB68}" dt="2024-03-17T04:52:10.614" v="2449"/>
-        <pc:sldMkLst>
-          <pc:docMk/>
-          <pc:sldMk cId="2976351628" sldId="300"/>
-        </pc:sldMkLst>
-        <pc:spChg chg="del">
-          <ac:chgData name="closeNN Ad" userId="92b553ccbda0fa53" providerId="LiveId" clId="{B0AF8342-45BF-4D23-9CFC-85E61709FB68}" dt="2024-03-17T04:52:10.370" v="2448" actId="478"/>
-          <ac:spMkLst>
-            <pc:docMk/>
-            <pc:sldMk cId="2976351628" sldId="300"/>
-            <ac:spMk id="2" creationId="{E82F90A0-1AB7-8655-BA52-7DFAFCA4A4C5}"/>
-          </ac:spMkLst>
-        </pc:spChg>
-        <pc:spChg chg="add mod">
-          <ac:chgData name="closeNN Ad" userId="92b553ccbda0fa53" providerId="LiveId" clId="{B0AF8342-45BF-4D23-9CFC-85E61709FB68}" dt="2024-03-17T04:51:53.405" v="2445"/>
-          <ac:spMkLst>
-            <pc:docMk/>
-            <pc:sldMk cId="2976351628" sldId="300"/>
-            <ac:spMk id="4" creationId="{EEFD9A48-B374-2352-C979-956B101C4B88}"/>
-          </ac:spMkLst>
-        </pc:spChg>
-        <pc:spChg chg="add mod">
-          <ac:chgData name="closeNN Ad" userId="92b553ccbda0fa53" providerId="LiveId" clId="{B0AF8342-45BF-4D23-9CFC-85E61709FB68}" dt="2024-03-17T04:52:10.614" v="2449"/>
-          <ac:spMkLst>
-            <pc:docMk/>
-            <pc:sldMk cId="2976351628" sldId="300"/>
-            <ac:spMk id="5" creationId="{14D2C033-8D8D-E675-4EC3-413F52836E77}"/>
-          </ac:spMkLst>
-        </pc:spChg>
-      </pc:sldChg>
-      <pc:sldChg chg="addSp delSp modSp add mod modTransition setBg">
-        <pc:chgData name="closeNN Ad" userId="92b553ccbda0fa53" providerId="LiveId" clId="{B0AF8342-45BF-4D23-9CFC-85E61709FB68}" dt="2024-03-17T04:46:26.739" v="2125" actId="1076"/>
-        <pc:sldMkLst>
-          <pc:docMk/>
-          <pc:sldMk cId="1568838598" sldId="301"/>
-        </pc:sldMkLst>
-        <pc:spChg chg="mod">
-          <ac:chgData name="closeNN Ad" userId="92b553ccbda0fa53" providerId="LiveId" clId="{B0AF8342-45BF-4D23-9CFC-85E61709FB68}" dt="2024-03-17T04:45:11.387" v="2061" actId="1076"/>
-          <ac:spMkLst>
-            <pc:docMk/>
-            <pc:sldMk cId="1568838598" sldId="301"/>
-            <ac:spMk id="2" creationId="{E82F90A0-1AB7-8655-BA52-7DFAFCA4A4C5}"/>
-          </ac:spMkLst>
-        </pc:spChg>
-        <pc:spChg chg="del mod">
-          <ac:chgData name="closeNN Ad" userId="92b553ccbda0fa53" providerId="LiveId" clId="{B0AF8342-45BF-4D23-9CFC-85E61709FB68}" dt="2024-03-17T04:30:18.844" v="1522" actId="478"/>
-          <ac:spMkLst>
-            <pc:docMk/>
-            <pc:sldMk cId="1568838598" sldId="301"/>
-            <ac:spMk id="3" creationId="{C9376C24-14A5-5F55-9C04-73C19253206D}"/>
-          </ac:spMkLst>
-        </pc:spChg>
-        <pc:spChg chg="add mod">
-          <ac:chgData name="closeNN Ad" userId="92b553ccbda0fa53" providerId="LiveId" clId="{B0AF8342-45BF-4D23-9CFC-85E61709FB68}" dt="2024-03-17T04:30:19.079" v="1523"/>
-          <ac:spMkLst>
-            <pc:docMk/>
-            <pc:sldMk cId="1568838598" sldId="301"/>
-            <ac:spMk id="4" creationId="{6F90A518-DF2A-EEED-A074-4CE4EEE35ABA}"/>
-          </ac:spMkLst>
-        </pc:spChg>
-        <pc:spChg chg="add del mod">
-          <ac:chgData name="closeNN Ad" userId="92b553ccbda0fa53" providerId="LiveId" clId="{B0AF8342-45BF-4D23-9CFC-85E61709FB68}" dt="2024-03-17T04:46:09.055" v="2122" actId="478"/>
-          <ac:spMkLst>
-            <pc:docMk/>
-            <pc:sldMk cId="1568838598" sldId="301"/>
-            <ac:spMk id="5" creationId="{28042C16-1C5D-83EC-BBF6-875234CCC39F}"/>
-          </ac:spMkLst>
-        </pc:spChg>
-        <pc:spChg chg="add mod">
-          <ac:chgData name="closeNN Ad" userId="92b553ccbda0fa53" providerId="LiveId" clId="{B0AF8342-45BF-4D23-9CFC-85E61709FB68}" dt="2024-03-17T04:46:26.739" v="2125" actId="1076"/>
-          <ac:spMkLst>
-            <pc:docMk/>
-            <pc:sldMk cId="1568838598" sldId="301"/>
-            <ac:spMk id="6" creationId="{B32CB2D9-5EAC-F774-0876-65C963A5C3F9}"/>
-          </ac:spMkLst>
-        </pc:spChg>
-      </pc:sldChg>
-    </pc:docChg>
-  </pc:docChgLst>
-</pc:chgInfo>
 </file>
 
 <file path=ppt/notesMasters/notesMaster1.xml><?xml version="1.0" encoding="utf-8"?>
@@ -3708,6 +1298,94 @@
     <p:extLst>
       <p:ext uri="{BB962C8B-B14F-4D97-AF65-F5344CB8AC3E}">
         <p14:creationId xmlns:p14="http://schemas.microsoft.com/office/powerpoint/2010/main" val="1484687889"/>
+      </p:ext>
+    </p:extLst>
+  </p:cSld>
+  <p:clrMapOvr>
+    <a:masterClrMapping/>
+  </p:clrMapOvr>
+</p:notes>
+</file>
+
+<file path=ppt/notesSlides/notesSlide18.xml><?xml version="1.0" encoding="utf-8"?>
+<p:notes xmlns:a="http://schemas.openxmlformats.org/drawingml/2006/main" xmlns:r="http://schemas.openxmlformats.org/officeDocument/2006/relationships" xmlns:p="http://schemas.openxmlformats.org/presentationml/2006/main">
+  <p:cSld>
+    <p:spTree>
+      <p:nvGrpSpPr>
+        <p:cNvPr id="1" name=""/>
+        <p:cNvGrpSpPr/>
+        <p:nvPr/>
+      </p:nvGrpSpPr>
+      <p:grpSpPr>
+        <a:xfrm>
+          <a:off x="0" y="0"/>
+          <a:ext cx="0" cy="0"/>
+          <a:chOff x="0" y="0"/>
+          <a:chExt cx="0" cy="0"/>
+        </a:xfrm>
+      </p:grpSpPr>
+      <p:sp>
+        <p:nvSpPr>
+          <p:cNvPr id="2" name="幻灯片图像占位符 1"/>
+          <p:cNvSpPr>
+            <a:spLocks noGrp="1" noRot="1" noChangeAspect="1"/>
+          </p:cNvSpPr>
+          <p:nvPr>
+            <p:ph type="sldImg"/>
+          </p:nvPr>
+        </p:nvSpPr>
+        <p:spPr/>
+      </p:sp>
+      <p:sp>
+        <p:nvSpPr>
+          <p:cNvPr id="3" name="备注占位符 2"/>
+          <p:cNvSpPr>
+            <a:spLocks noGrp="1"/>
+          </p:cNvSpPr>
+          <p:nvPr>
+            <p:ph type="body" idx="1"/>
+          </p:nvPr>
+        </p:nvSpPr>
+        <p:spPr/>
+        <p:txBody>
+          <a:bodyPr/>
+          <a:lstStyle/>
+          <a:p>
+            <a:r>
+              <a:rPr lang="en-US" altLang="zh-CN" dirty="0"/>
+              <a:t>COPILOT ON</a:t>
+            </a:r>
+            <a:endParaRPr lang="zh-CN" altLang="en-US" dirty="0"/>
+          </a:p>
+        </p:txBody>
+      </p:sp>
+      <p:sp>
+        <p:nvSpPr>
+          <p:cNvPr id="4" name="灯片编号占位符 3"/>
+          <p:cNvSpPr>
+            <a:spLocks noGrp="1"/>
+          </p:cNvSpPr>
+          <p:nvPr>
+            <p:ph type="sldNum" sz="quarter" idx="5"/>
+          </p:nvPr>
+        </p:nvSpPr>
+        <p:spPr/>
+        <p:txBody>
+          <a:bodyPr/>
+          <a:lstStyle/>
+          <a:p>
+            <a:fld id="{D51C51AC-C8DC-4972-9274-BBBDD722CBA1}" type="slidenum">
+              <a:rPr lang="zh-CN" altLang="en-US" smtClean="0"/>
+              <a:t>42</a:t>
+            </a:fld>
+            <a:endParaRPr lang="zh-CN" altLang="en-US"/>
+          </a:p>
+        </p:txBody>
+      </p:sp>
+    </p:spTree>
+    <p:extLst>
+      <p:ext uri="{BB962C8B-B14F-4D97-AF65-F5344CB8AC3E}">
+        <p14:creationId xmlns:p14="http://schemas.microsoft.com/office/powerpoint/2010/main" val="4154189857"/>
       </p:ext>
     </p:extLst>
   </p:cSld>
@@ -17411,13 +15089,13 @@
   <p:clrMapOvr>
     <a:masterClrMapping/>
   </p:clrMapOvr>
-  <mc:AlternateContent xmlns:mc="http://schemas.openxmlformats.org/markup-compatibility/2006">
-    <mc:Choice xmlns:p14="http://schemas.microsoft.com/office/powerpoint/2010/main" Requires="p14">
+  <mc:AlternateContent xmlns:mc="http://schemas.openxmlformats.org/markup-compatibility/2006" xmlns:p14="http://schemas.microsoft.com/office/powerpoint/2010/main">
+    <mc:Choice Requires="p14">
       <p:transition spd="med" p14:dur="700" advClick="0" advTm="1500">
         <p:fade/>
       </p:transition>
     </mc:Choice>
-    <mc:Fallback>
+    <mc:Fallback xmlns="">
       <p:transition spd="med" advClick="0" advTm="1500">
         <p:fade/>
       </p:transition>
@@ -17839,11 +15517,11 @@
   <p:clrMapOvr>
     <a:masterClrMapping/>
   </p:clrMapOvr>
-  <mc:AlternateContent xmlns:mc="http://schemas.openxmlformats.org/markup-compatibility/2006">
-    <mc:Choice xmlns:p14="http://schemas.microsoft.com/office/powerpoint/2010/main" Requires="p14">
+  <mc:AlternateContent xmlns:mc="http://schemas.openxmlformats.org/markup-compatibility/2006" xmlns:p14="http://schemas.microsoft.com/office/powerpoint/2010/main">
+    <mc:Choice Requires="p14">
       <p:transition p14:dur="10" advClick="0" advTm="1000"/>
     </mc:Choice>
-    <mc:Fallback>
+    <mc:Fallback xmlns="">
       <p:transition advClick="0" advTm="1000"/>
     </mc:Fallback>
   </mc:AlternateContent>
@@ -19249,11 +16927,11 @@
   <p:clrMapOvr>
     <a:masterClrMapping/>
   </p:clrMapOvr>
-  <mc:AlternateContent xmlns:mc="http://schemas.openxmlformats.org/markup-compatibility/2006">
-    <mc:Choice xmlns:p14="http://schemas.microsoft.com/office/powerpoint/2010/main" Requires="p14">
+  <mc:AlternateContent xmlns:mc="http://schemas.openxmlformats.org/markup-compatibility/2006" xmlns:p14="http://schemas.microsoft.com/office/powerpoint/2010/main">
+    <mc:Choice Requires="p14">
       <p:transition p14:dur="0" advClick="0" advTm="2000"/>
     </mc:Choice>
-    <mc:Fallback>
+    <mc:Fallback xmlns="">
       <p:transition advClick="0" advTm="2000"/>
     </mc:Fallback>
   </mc:AlternateContent>
@@ -21046,11 +18724,11 @@
   <p:clrMapOvr>
     <a:masterClrMapping/>
   </p:clrMapOvr>
-  <mc:AlternateContent xmlns:mc="http://schemas.openxmlformats.org/markup-compatibility/2006">
-    <mc:Choice xmlns:p14="http://schemas.microsoft.com/office/powerpoint/2010/main" Requires="p14">
+  <mc:AlternateContent xmlns:mc="http://schemas.openxmlformats.org/markup-compatibility/2006" xmlns:p14="http://schemas.microsoft.com/office/powerpoint/2010/main">
+    <mc:Choice Requires="p14">
       <p:transition p14:dur="10" advClick="0" advTm="4000"/>
     </mc:Choice>
-    <mc:Fallback>
+    <mc:Fallback xmlns="">
       <p:transition advClick="0" advTm="4000"/>
     </mc:Fallback>
   </mc:AlternateContent>
@@ -21381,11 +19059,11 @@
   <p:clrMapOvr>
     <a:masterClrMapping/>
   </p:clrMapOvr>
-  <mc:AlternateContent xmlns:mc="http://schemas.openxmlformats.org/markup-compatibility/2006">
-    <mc:Choice xmlns:p14="http://schemas.microsoft.com/office/powerpoint/2010/main" Requires="p14">
+  <mc:AlternateContent xmlns:mc="http://schemas.openxmlformats.org/markup-compatibility/2006" xmlns:p14="http://schemas.microsoft.com/office/powerpoint/2010/main">
+    <mc:Choice Requires="p14">
       <p:transition p14:dur="0" advClick="0" advTm="4000"/>
     </mc:Choice>
-    <mc:Fallback>
+    <mc:Fallback xmlns="">
       <p:transition advClick="0" advTm="4000"/>
     </mc:Fallback>
   </mc:AlternateContent>
@@ -21612,11 +19290,11 @@
   <p:clrMapOvr>
     <a:masterClrMapping/>
   </p:clrMapOvr>
-  <mc:AlternateContent xmlns:mc="http://schemas.openxmlformats.org/markup-compatibility/2006">
-    <mc:Choice xmlns:p14="http://schemas.microsoft.com/office/powerpoint/2010/main" Requires="p14">
+  <mc:AlternateContent xmlns:mc="http://schemas.openxmlformats.org/markup-compatibility/2006" xmlns:p14="http://schemas.microsoft.com/office/powerpoint/2010/main">
+    <mc:Choice Requires="p14">
       <p:transition p14:dur="10" advClick="0" advTm="4000"/>
     </mc:Choice>
-    <mc:Fallback>
+    <mc:Fallback xmlns="">
       <p:transition advClick="0" advTm="4000"/>
     </mc:Fallback>
   </mc:AlternateContent>
@@ -21874,11 +19552,11 @@
   <p:clrMapOvr>
     <a:masterClrMapping/>
   </p:clrMapOvr>
-  <mc:AlternateContent xmlns:mc="http://schemas.openxmlformats.org/markup-compatibility/2006">
-    <mc:Choice xmlns:p14="http://schemas.microsoft.com/office/powerpoint/2010/main" Requires="p14">
+  <mc:AlternateContent xmlns:mc="http://schemas.openxmlformats.org/markup-compatibility/2006" xmlns:p14="http://schemas.microsoft.com/office/powerpoint/2010/main">
+    <mc:Choice Requires="p14">
       <p:transition p14:dur="10" advClick="0" advTm="3000"/>
     </mc:Choice>
-    <mc:Fallback>
+    <mc:Fallback xmlns="">
       <p:transition advClick="0" advTm="3000"/>
     </mc:Fallback>
   </mc:AlternateContent>
@@ -22127,13 +19805,13 @@
   <p:clrMapOvr>
     <a:masterClrMapping/>
   </p:clrMapOvr>
-  <mc:AlternateContent xmlns:mc="http://schemas.openxmlformats.org/markup-compatibility/2006">
-    <mc:Choice xmlns:p159="http://schemas.microsoft.com/office/powerpoint/2015/09/main" Requires="p159">
+  <mc:AlternateContent xmlns:mc="http://schemas.openxmlformats.org/markup-compatibility/2006" xmlns:p159="http://schemas.microsoft.com/office/powerpoint/2015/09/main">
+    <mc:Choice Requires="p159">
       <p:transition xmlns:p14="http://schemas.microsoft.com/office/powerpoint/2010/main" spd="slow" p14:dur="2000" advClick="0" advTm="2000">
         <p159:morph option="byObject"/>
       </p:transition>
     </mc:Choice>
-    <mc:Fallback>
+    <mc:Fallback xmlns="">
       <p:transition spd="slow" advClick="0" advTm="2000">
         <p:fade/>
       </p:transition>
@@ -22300,13 +19978,13 @@
   <p:clrMapOvr>
     <a:masterClrMapping/>
   </p:clrMapOvr>
-  <mc:AlternateContent xmlns:mc="http://schemas.openxmlformats.org/markup-compatibility/2006">
-    <mc:Choice xmlns:p159="http://schemas.microsoft.com/office/powerpoint/2015/09/main" Requires="p159">
+  <mc:AlternateContent xmlns:mc="http://schemas.openxmlformats.org/markup-compatibility/2006" xmlns:p159="http://schemas.microsoft.com/office/powerpoint/2015/09/main">
+    <mc:Choice Requires="p159">
       <p:transition xmlns:p14="http://schemas.microsoft.com/office/powerpoint/2010/main" spd="slow" p14:dur="2000" advClick="0" advTm="2000">
         <p159:morph option="byObject"/>
       </p:transition>
     </mc:Choice>
-    <mc:Fallback>
+    <mc:Fallback xmlns="">
       <p:transition spd="slow" advClick="0" advTm="2000">
         <p:fade/>
       </p:transition>
@@ -22504,13 +20182,13 @@
   <p:clrMapOvr>
     <a:masterClrMapping/>
   </p:clrMapOvr>
-  <mc:AlternateContent xmlns:mc="http://schemas.openxmlformats.org/markup-compatibility/2006">
-    <mc:Choice xmlns:p159="http://schemas.microsoft.com/office/powerpoint/2015/09/main" Requires="p159">
+  <mc:AlternateContent xmlns:mc="http://schemas.openxmlformats.org/markup-compatibility/2006" xmlns:p159="http://schemas.microsoft.com/office/powerpoint/2015/09/main">
+    <mc:Choice Requires="p159">
       <p:transition xmlns:p14="http://schemas.microsoft.com/office/powerpoint/2010/main" spd="slow" p14:dur="2000" advClick="0" advTm="2000">
         <p159:morph option="byObject"/>
       </p:transition>
     </mc:Choice>
-    <mc:Fallback>
+    <mc:Fallback xmlns="">
       <p:transition spd="slow" advClick="0" advTm="2000">
         <p:fade/>
       </p:transition>
@@ -22745,13 +20423,13 @@
   <p:clrMapOvr>
     <a:masterClrMapping/>
   </p:clrMapOvr>
-  <mc:AlternateContent xmlns:mc="http://schemas.openxmlformats.org/markup-compatibility/2006">
-    <mc:Choice xmlns:p159="http://schemas.microsoft.com/office/powerpoint/2015/09/main" Requires="p159">
+  <mc:AlternateContent xmlns:mc="http://schemas.openxmlformats.org/markup-compatibility/2006" xmlns:p159="http://schemas.microsoft.com/office/powerpoint/2015/09/main">
+    <mc:Choice Requires="p159">
       <p:transition xmlns:p14="http://schemas.microsoft.com/office/powerpoint/2010/main" spd="slow" p14:dur="2000" advClick="0" advTm="2000">
         <p159:morph option="byObject"/>
       </p:transition>
     </mc:Choice>
-    <mc:Fallback>
+    <mc:Fallback xmlns="">
       <p:transition spd="slow" advClick="0" advTm="2000">
         <p:fade/>
       </p:transition>
@@ -22928,13 +20606,13 @@
   <p:clrMapOvr>
     <a:masterClrMapping/>
   </p:clrMapOvr>
-  <mc:AlternateContent xmlns:mc="http://schemas.openxmlformats.org/markup-compatibility/2006">
-    <mc:Choice xmlns:p159="http://schemas.microsoft.com/office/powerpoint/2015/09/main" Requires="p159">
+  <mc:AlternateContent xmlns:mc="http://schemas.openxmlformats.org/markup-compatibility/2006" xmlns:p159="http://schemas.microsoft.com/office/powerpoint/2015/09/main">
+    <mc:Choice Requires="p159">
       <p:transition xmlns:p14="http://schemas.microsoft.com/office/powerpoint/2010/main" spd="slow" p14:dur="2000" advClick="0" advTm="2000">
         <p159:morph option="byObject"/>
       </p:transition>
     </mc:Choice>
-    <mc:Fallback>
+    <mc:Fallback xmlns="">
       <p:transition spd="slow" advClick="0" advTm="2000">
         <p:fade/>
       </p:transition>
@@ -23159,13 +20837,13 @@
   <p:clrMapOvr>
     <a:masterClrMapping/>
   </p:clrMapOvr>
-  <mc:AlternateContent xmlns:mc="http://schemas.openxmlformats.org/markup-compatibility/2006">
-    <mc:Choice xmlns:p159="http://schemas.microsoft.com/office/powerpoint/2015/09/main" Requires="p159">
+  <mc:AlternateContent xmlns:mc="http://schemas.openxmlformats.org/markup-compatibility/2006" xmlns:p159="http://schemas.microsoft.com/office/powerpoint/2015/09/main">
+    <mc:Choice Requires="p159">
       <p:transition xmlns:p14="http://schemas.microsoft.com/office/powerpoint/2010/main" spd="slow" p14:dur="2000" advClick="0" advTm="2000">
         <p159:morph option="byObject"/>
       </p:transition>
     </mc:Choice>
-    <mc:Fallback>
+    <mc:Fallback xmlns="">
       <p:transition spd="slow" advClick="0" advTm="2000">
         <p:fade/>
       </p:transition>
@@ -23390,13 +21068,13 @@
   <p:clrMapOvr>
     <a:masterClrMapping/>
   </p:clrMapOvr>
-  <mc:AlternateContent xmlns:mc="http://schemas.openxmlformats.org/markup-compatibility/2006">
-    <mc:Choice xmlns:p159="http://schemas.microsoft.com/office/powerpoint/2015/09/main" Requires="p159">
+  <mc:AlternateContent xmlns:mc="http://schemas.openxmlformats.org/markup-compatibility/2006" xmlns:p159="http://schemas.microsoft.com/office/powerpoint/2015/09/main">
+    <mc:Choice Requires="p159">
       <p:transition xmlns:p14="http://schemas.microsoft.com/office/powerpoint/2010/main" spd="slow" p14:dur="2000" advClick="0" advTm="2000">
         <p159:morph option="byObject"/>
       </p:transition>
     </mc:Choice>
-    <mc:Fallback>
+    <mc:Fallback xmlns="">
       <p:transition spd="slow" advClick="0" advTm="2000">
         <p:fade/>
       </p:transition>
@@ -24359,13 +22037,13 @@
   <p:clrMapOvr>
     <a:masterClrMapping/>
   </p:clrMapOvr>
-  <mc:AlternateContent xmlns:mc="http://schemas.openxmlformats.org/markup-compatibility/2006">
-    <mc:Choice xmlns:p159="http://schemas.microsoft.com/office/powerpoint/2015/09/main" Requires="p159">
+  <mc:AlternateContent xmlns:mc="http://schemas.openxmlformats.org/markup-compatibility/2006" xmlns:p159="http://schemas.microsoft.com/office/powerpoint/2015/09/main">
+    <mc:Choice Requires="p159">
       <p:transition xmlns:p14="http://schemas.microsoft.com/office/powerpoint/2010/main" spd="slow" p14:dur="2000" advClick="0" advTm="2000">
         <p159:morph option="byObject"/>
       </p:transition>
     </mc:Choice>
-    <mc:Fallback>
+    <mc:Fallback xmlns="">
       <p:transition spd="slow" advClick="0" advTm="2000">
         <p:fade/>
       </p:transition>
@@ -24532,14 +22210,4569 @@
   <p:clrMapOvr>
     <a:masterClrMapping/>
   </p:clrMapOvr>
-  <mc:AlternateContent xmlns:mc="http://schemas.openxmlformats.org/markup-compatibility/2006">
-    <mc:Choice xmlns:p159="http://schemas.microsoft.com/office/powerpoint/2015/09/main" Requires="p159">
+  <mc:AlternateContent xmlns:mc="http://schemas.openxmlformats.org/markup-compatibility/2006" xmlns:p159="http://schemas.microsoft.com/office/powerpoint/2015/09/main">
+    <mc:Choice Requires="p159">
       <p:transition xmlns:p14="http://schemas.microsoft.com/office/powerpoint/2010/main" spd="slow" p14:dur="2000" advClick="0" advTm="2000">
         <p159:morph option="byObject"/>
       </p:transition>
     </mc:Choice>
+    <mc:Fallback xmlns="">
+      <p:transition spd="slow" advClick="0" advTm="2000">
+        <p:fade/>
+      </p:transition>
+    </mc:Fallback>
+  </mc:AlternateContent>
+</p:sld>
+</file>
+
+<file path=ppt/slides/slide42.xml><?xml version="1.0" encoding="utf-8"?>
+<p:sld xmlns:a="http://schemas.openxmlformats.org/drawingml/2006/main" xmlns:r="http://schemas.openxmlformats.org/officeDocument/2006/relationships" xmlns:p="http://schemas.openxmlformats.org/presentationml/2006/main">
+  <p:cSld>
+    <p:bg>
+      <p:bgPr>
+        <a:solidFill>
+          <a:schemeClr val="tx1"/>
+        </a:solidFill>
+        <a:effectLst/>
+      </p:bgPr>
+    </p:bg>
+    <p:spTree>
+      <p:nvGrpSpPr>
+        <p:cNvPr id="1" name=""/>
+        <p:cNvGrpSpPr/>
+        <p:nvPr/>
+      </p:nvGrpSpPr>
+      <p:grpSpPr>
+        <a:xfrm>
+          <a:off x="0" y="0"/>
+          <a:ext cx="0" cy="0"/>
+          <a:chOff x="0" y="0"/>
+          <a:chExt cx="0" cy="0"/>
+        </a:xfrm>
+      </p:grpSpPr>
+      <p:sp>
+        <p:nvSpPr>
+          <p:cNvPr id="2" name="文本框 1">
+            <a:extLst>
+              <a:ext uri="{FF2B5EF4-FFF2-40B4-BE49-F238E27FC236}">
+                <a16:creationId xmlns:a16="http://schemas.microsoft.com/office/drawing/2014/main" id="{E82F90A0-1AB7-8655-BA52-7DFAFCA4A4C5}"/>
+              </a:ext>
+            </a:extLst>
+          </p:cNvPr>
+          <p:cNvSpPr txBox="1"/>
+          <p:nvPr/>
+        </p:nvSpPr>
+        <p:spPr>
+          <a:xfrm>
+            <a:off x="4291924" y="3167390"/>
+            <a:ext cx="3608152" cy="523220"/>
+          </a:xfrm>
+          <a:prstGeom prst="rect">
+            <a:avLst/>
+          </a:prstGeom>
+          <a:noFill/>
+        </p:spPr>
+        <p:txBody>
+          <a:bodyPr wrap="square" rtlCol="0">
+            <a:spAutoFit/>
+          </a:bodyPr>
+          <a:lstStyle/>
+          <a:p>
+            <a:r>
+              <a:rPr lang="zh-CN" altLang="en-US" sz="2800" dirty="0">
+                <a:solidFill>
+                  <a:schemeClr val="bg1"/>
+                </a:solidFill>
+                <a:latin typeface="Microsoft YaHei UI Light" panose="020B0502040204020203" pitchFamily="34" charset="-122"/>
+                <a:ea typeface="Microsoft YaHei UI Light" panose="020B0502040204020203" pitchFamily="34" charset="-122"/>
+              </a:rPr>
+              <a:t>享受 </a:t>
+            </a:r>
+            <a:r>
+              <a:rPr lang="en-US" altLang="zh-CN" sz="2800" dirty="0">
+                <a:solidFill>
+                  <a:schemeClr val="bg1"/>
+                </a:solidFill>
+                <a:latin typeface="Microsoft YaHei UI Light" panose="020B0502040204020203" pitchFamily="34" charset="-122"/>
+                <a:ea typeface="Microsoft YaHei UI Light" panose="020B0502040204020203" pitchFamily="34" charset="-122"/>
+              </a:rPr>
+              <a:t>Windows 12 </a:t>
+            </a:r>
+            <a:r>
+              <a:rPr lang="zh-CN" altLang="en-US" sz="2800" dirty="0">
+                <a:solidFill>
+                  <a:schemeClr val="bg1"/>
+                </a:solidFill>
+                <a:latin typeface="Microsoft YaHei UI Light" panose="020B0502040204020203" pitchFamily="34" charset="-122"/>
+                <a:ea typeface="Microsoft YaHei UI Light" panose="020B0502040204020203" pitchFamily="34" charset="-122"/>
+              </a:rPr>
+              <a:t>吧！</a:t>
+            </a:r>
+          </a:p>
+        </p:txBody>
+      </p:sp>
+    </p:spTree>
+    <p:extLst>
+      <p:ext uri="{BB962C8B-B14F-4D97-AF65-F5344CB8AC3E}">
+        <p14:creationId xmlns:p14="http://schemas.microsoft.com/office/powerpoint/2010/main" val="3313731515"/>
+      </p:ext>
+    </p:extLst>
+  </p:cSld>
+  <p:clrMapOvr>
+    <a:masterClrMapping/>
+  </p:clrMapOvr>
+  <mc:AlternateContent xmlns:mc="http://schemas.openxmlformats.org/markup-compatibility/2006">
+    <mc:Choice xmlns:p159="http://schemas.microsoft.com/office/powerpoint/2015/09/main" Requires="p159">
+      <p:transition xmlns:p14="http://schemas.microsoft.com/office/powerpoint/2010/main" spd="slow" p14:dur="2000" advClick="0" advTm="3000">
+        <p159:morph option="byObject"/>
+      </p:transition>
+    </mc:Choice>
     <mc:Fallback>
-      <p:transition spd="slow" advClick="0" advTm="2000">
+      <p:transition spd="slow" advClick="0" advTm="3000">
+        <p:fade/>
+      </p:transition>
+    </mc:Fallback>
+  </mc:AlternateContent>
+  <p:timing>
+    <p:tnLst>
+      <p:par>
+        <p:cTn id="1" dur="indefinite" restart="never" nodeType="tmRoot">
+          <p:childTnLst>
+            <p:seq concurrent="1" nextAc="seek">
+              <p:cTn id="2" dur="indefinite" nodeType="mainSeq">
+                <p:childTnLst>
+                  <p:par>
+                    <p:cTn id="3" fill="hold">
+                      <p:stCondLst>
+                        <p:cond delay="indefinite"/>
+                        <p:cond evt="onBegin" delay="0">
+                          <p:tn val="2"/>
+                        </p:cond>
+                      </p:stCondLst>
+                      <p:childTnLst>
+                        <p:par>
+                          <p:cTn id="4" fill="hold">
+                            <p:stCondLst>
+                              <p:cond delay="0"/>
+                            </p:stCondLst>
+                            <p:childTnLst>
+                              <p:par>
+                                <p:cTn id="5" presetID="10" presetClass="exit" presetSubtype="0" fill="hold" grpId="0" nodeType="afterEffect">
+                                  <p:stCondLst>
+                                    <p:cond delay="1750"/>
+                                  </p:stCondLst>
+                                  <p:childTnLst>
+                                    <p:animEffect transition="out" filter="fade">
+                                      <p:cBhvr>
+                                        <p:cTn id="6" dur="500"/>
+                                        <p:tgtEl>
+                                          <p:spTgt spid="2"/>
+                                        </p:tgtEl>
+                                      </p:cBhvr>
+                                    </p:animEffect>
+                                    <p:set>
+                                      <p:cBhvr>
+                                        <p:cTn id="7" dur="1" fill="hold">
+                                          <p:stCondLst>
+                                            <p:cond delay="499"/>
+                                          </p:stCondLst>
+                                        </p:cTn>
+                                        <p:tgtEl>
+                                          <p:spTgt spid="2"/>
+                                        </p:tgtEl>
+                                        <p:attrNameLst>
+                                          <p:attrName>style.visibility</p:attrName>
+                                        </p:attrNameLst>
+                                      </p:cBhvr>
+                                      <p:to>
+                                        <p:strVal val="hidden"/>
+                                      </p:to>
+                                    </p:set>
+                                  </p:childTnLst>
+                                </p:cTn>
+                              </p:par>
+                            </p:childTnLst>
+                          </p:cTn>
+                        </p:par>
+                      </p:childTnLst>
+                    </p:cTn>
+                  </p:par>
+                </p:childTnLst>
+              </p:cTn>
+              <p:prevCondLst>
+                <p:cond evt="onPrev" delay="0">
+                  <p:tgtEl>
+                    <p:sldTgt/>
+                  </p:tgtEl>
+                </p:cond>
+              </p:prevCondLst>
+              <p:nextCondLst>
+                <p:cond evt="onNext" delay="0">
+                  <p:tgtEl>
+                    <p:sldTgt/>
+                  </p:tgtEl>
+                </p:cond>
+              </p:nextCondLst>
+            </p:seq>
+          </p:childTnLst>
+        </p:cTn>
+      </p:par>
+    </p:tnLst>
+    <p:bldLst>
+      <p:bldP spid="2" grpId="0"/>
+    </p:bldLst>
+  </p:timing>
+</p:sld>
+</file>
+
+<file path=ppt/slides/slide43.xml><?xml version="1.0" encoding="utf-8"?>
+<p:sld xmlns:a="http://schemas.openxmlformats.org/drawingml/2006/main" xmlns:r="http://schemas.openxmlformats.org/officeDocument/2006/relationships" xmlns:p="http://schemas.openxmlformats.org/presentationml/2006/main">
+  <p:cSld>
+    <p:bg>
+      <p:bgPr>
+        <a:gradFill>
+          <a:gsLst>
+            <a:gs pos="0">
+              <a:schemeClr val="bg1"/>
+            </a:gs>
+            <a:gs pos="50000">
+              <a:schemeClr val="accent1">
+                <a:tint val="44500"/>
+                <a:satMod val="160000"/>
+              </a:schemeClr>
+            </a:gs>
+            <a:gs pos="100000">
+              <a:schemeClr val="accent1">
+                <a:tint val="23500"/>
+                <a:satMod val="160000"/>
+              </a:schemeClr>
+            </a:gs>
+          </a:gsLst>
+          <a:lin ang="2700000" scaled="1"/>
+        </a:gradFill>
+        <a:effectLst/>
+      </p:bgPr>
+    </p:bg>
+    <p:spTree>
+      <p:nvGrpSpPr>
+        <p:cNvPr id="1" name=""/>
+        <p:cNvGrpSpPr/>
+        <p:nvPr/>
+      </p:nvGrpSpPr>
+      <p:grpSpPr>
+        <a:xfrm>
+          <a:off x="0" y="0"/>
+          <a:ext cx="0" cy="0"/>
+          <a:chOff x="0" y="0"/>
+          <a:chExt cx="0" cy="0"/>
+        </a:xfrm>
+      </p:grpSpPr>
+      <p:pic>
+        <p:nvPicPr>
+          <p:cNvPr id="2" name="Picture 2" descr="Logo Windows 11 – Logos PNG">
+            <a:extLst>
+              <a:ext uri="{FF2B5EF4-FFF2-40B4-BE49-F238E27FC236}">
+                <a16:creationId xmlns:a16="http://schemas.microsoft.com/office/drawing/2014/main" id="{38A59586-2595-9E66-FEBE-66D47C3EF4CF}"/>
+              </a:ext>
+            </a:extLst>
+          </p:cNvPr>
+          <p:cNvPicPr>
+            <a:picLocks noChangeAspect="1" noChangeArrowheads="1"/>
+          </p:cNvPicPr>
+          <p:nvPr/>
+        </p:nvPicPr>
+        <p:blipFill>
+          <a:blip r:embed="rId2">
+            <a:extLst>
+              <a:ext uri="{28A0092B-C50C-407E-A947-70E740481C1C}">
+                <a14:useLocalDpi xmlns:a14="http://schemas.microsoft.com/office/drawing/2010/main" val="0"/>
+              </a:ext>
+            </a:extLst>
+          </a:blip>
+          <a:srcRect/>
+          <a:stretch>
+            <a:fillRect/>
+          </a:stretch>
+        </p:blipFill>
+        <p:spPr bwMode="auto">
+          <a:xfrm flipV="1">
+            <a:off x="95250" y="6391276"/>
+            <a:ext cx="348698" cy="348698"/>
+          </a:xfrm>
+          <a:prstGeom prst="rect">
+            <a:avLst/>
+          </a:prstGeom>
+          <a:noFill/>
+          <a:extLst>
+            <a:ext uri="{909E8E84-426E-40DD-AFC4-6F175D3DCCD1}">
+              <a14:hiddenFill xmlns:a14="http://schemas.microsoft.com/office/drawing/2010/main">
+                <a:solidFill>
+                  <a:srgbClr val="FFFFFF"/>
+                </a:solidFill>
+              </a14:hiddenFill>
+            </a:ext>
+          </a:extLst>
+        </p:spPr>
+      </p:pic>
+      <p:sp>
+        <p:nvSpPr>
+          <p:cNvPr id="5" name="矩形: 圆角 4">
+            <a:extLst>
+              <a:ext uri="{FF2B5EF4-FFF2-40B4-BE49-F238E27FC236}">
+                <a16:creationId xmlns:a16="http://schemas.microsoft.com/office/drawing/2014/main" id="{F0E653BC-0EF8-517D-2CF0-006D12BC69A4}"/>
+              </a:ext>
+            </a:extLst>
+          </p:cNvPr>
+          <p:cNvSpPr/>
+          <p:nvPr/>
+        </p:nvSpPr>
+        <p:spPr>
+          <a:xfrm>
+            <a:off x="558140" y="6391276"/>
+            <a:ext cx="2743200" cy="348698"/>
+          </a:xfrm>
+          <a:prstGeom prst="roundRect">
+            <a:avLst/>
+          </a:prstGeom>
+          <a:solidFill>
+            <a:schemeClr val="bg1"/>
+          </a:solidFill>
+          <a:ln>
+            <a:noFill/>
+          </a:ln>
+        </p:spPr>
+        <p:style>
+          <a:lnRef idx="2">
+            <a:schemeClr val="accent1">
+              <a:shade val="15000"/>
+            </a:schemeClr>
+          </a:lnRef>
+          <a:fillRef idx="1">
+            <a:schemeClr val="accent1"/>
+          </a:fillRef>
+          <a:effectRef idx="0">
+            <a:schemeClr val="accent1"/>
+          </a:effectRef>
+          <a:fontRef idx="minor">
+            <a:schemeClr val="lt1"/>
+          </a:fontRef>
+        </p:style>
+        <p:txBody>
+          <a:bodyPr rtlCol="0" anchor="ctr"/>
+          <a:lstStyle/>
+          <a:p>
+            <a:pPr algn="ctr"/>
+            <a:endParaRPr lang="zh-CN" altLang="en-US"/>
+          </a:p>
+        </p:txBody>
+      </p:sp>
+      <p:sp>
+        <p:nvSpPr>
+          <p:cNvPr id="6" name="文本框 5">
+            <a:extLst>
+              <a:ext uri="{FF2B5EF4-FFF2-40B4-BE49-F238E27FC236}">
+                <a16:creationId xmlns:a16="http://schemas.microsoft.com/office/drawing/2014/main" id="{820536A4-56EA-0B85-9D1A-32FDE5FF57F7}"/>
+              </a:ext>
+            </a:extLst>
+          </p:cNvPr>
+          <p:cNvSpPr txBox="1"/>
+          <p:nvPr/>
+        </p:nvSpPr>
+        <p:spPr>
+          <a:xfrm>
+            <a:off x="777298" y="6411736"/>
+            <a:ext cx="1472541" cy="307777"/>
+          </a:xfrm>
+          <a:prstGeom prst="rect">
+            <a:avLst/>
+          </a:prstGeom>
+          <a:noFill/>
+        </p:spPr>
+        <p:txBody>
+          <a:bodyPr wrap="square" rtlCol="0">
+            <a:spAutoFit/>
+          </a:bodyPr>
+          <a:lstStyle/>
+          <a:p>
+            <a:r>
+              <a:rPr lang="zh-CN" altLang="en-US" sz="1400" dirty="0">
+                <a:solidFill>
+                  <a:srgbClr val="666666"/>
+                </a:solidFill>
+                <a:latin typeface="Microsoft YaHei UI" panose="020B0503020204020204" pitchFamily="34" charset="-122"/>
+                <a:ea typeface="Microsoft YaHei UI" panose="020B0503020204020204" pitchFamily="34" charset="-122"/>
+              </a:rPr>
+              <a:t>搜索文件、</a:t>
+            </a:r>
+            <a:r>
+              <a:rPr lang="en-US" altLang="zh-CN" sz="1400" dirty="0">
+                <a:solidFill>
+                  <a:srgbClr val="666666"/>
+                </a:solidFill>
+                <a:latin typeface="Microsoft YaHei UI" panose="020B0503020204020204" pitchFamily="34" charset="-122"/>
+                <a:ea typeface="Microsoft YaHei UI" panose="020B0503020204020204" pitchFamily="34" charset="-122"/>
+              </a:rPr>
+              <a:t>Web</a:t>
+            </a:r>
+            <a:endParaRPr lang="zh-CN" altLang="en-US" sz="1400" dirty="0">
+              <a:solidFill>
+                <a:srgbClr val="666666"/>
+              </a:solidFill>
+              <a:latin typeface="Microsoft YaHei UI" panose="020B0503020204020204" pitchFamily="34" charset="-122"/>
+              <a:ea typeface="Microsoft YaHei UI" panose="020B0503020204020204" pitchFamily="34" charset="-122"/>
+            </a:endParaRPr>
+          </a:p>
+        </p:txBody>
+      </p:sp>
+      <p:pic>
+        <p:nvPicPr>
+          <p:cNvPr id="8" name="图形 7" descr="放大镜 纯色填充">
+            <a:extLst>
+              <a:ext uri="{FF2B5EF4-FFF2-40B4-BE49-F238E27FC236}">
+                <a16:creationId xmlns:a16="http://schemas.microsoft.com/office/drawing/2014/main" id="{27CAEB28-542C-B705-AD2B-EF680C7413E2}"/>
+              </a:ext>
+            </a:extLst>
+          </p:cNvPr>
+          <p:cNvPicPr>
+            <a:picLocks noChangeAspect="1"/>
+          </p:cNvPicPr>
+          <p:nvPr/>
+        </p:nvPicPr>
+        <p:blipFill>
+          <a:blip r:embed="rId3">
+            <a:extLst>
+              <a:ext uri="{28A0092B-C50C-407E-A947-70E740481C1C}">
+                <a14:useLocalDpi xmlns:a14="http://schemas.microsoft.com/office/drawing/2010/main" val="0"/>
+              </a:ext>
+              <a:ext uri="{96DAC541-7B7A-43D3-8B79-37D633B846F1}">
+                <asvg:svgBlip xmlns:asvg="http://schemas.microsoft.com/office/drawing/2016/SVG/main" r:embed="rId4"/>
+              </a:ext>
+            </a:extLst>
+          </a:blip>
+          <a:stretch>
+            <a:fillRect/>
+          </a:stretch>
+        </p:blipFill>
+        <p:spPr>
+          <a:xfrm rot="5400000">
+            <a:off x="620330" y="6450919"/>
+            <a:ext cx="229412" cy="229412"/>
+          </a:xfrm>
+          <a:prstGeom prst="rect">
+            <a:avLst/>
+          </a:prstGeom>
+        </p:spPr>
+      </p:pic>
+      <p:pic>
+        <p:nvPicPr>
+          <p:cNvPr id="10" name="图片 9">
+            <a:hlinkClick r:id="rId5" action="ppaction://hlinksldjump"/>
+            <a:extLst>
+              <a:ext uri="{FF2B5EF4-FFF2-40B4-BE49-F238E27FC236}">
+                <a16:creationId xmlns:a16="http://schemas.microsoft.com/office/drawing/2014/main" id="{E0BBC87A-FC7D-8917-A2F0-5EBEA5F95A53}"/>
+              </a:ext>
+            </a:extLst>
+          </p:cNvPr>
+          <p:cNvPicPr>
+            <a:picLocks noChangeAspect="1"/>
+          </p:cNvPicPr>
+          <p:nvPr/>
+        </p:nvPicPr>
+        <p:blipFill>
+          <a:blip r:embed="rId6">
+            <a:extLst>
+              <a:ext uri="{28A0092B-C50C-407E-A947-70E740481C1C}">
+                <a14:useLocalDpi xmlns:a14="http://schemas.microsoft.com/office/drawing/2010/main" val="0"/>
+              </a:ext>
+            </a:extLst>
+          </a:blip>
+          <a:stretch>
+            <a:fillRect/>
+          </a:stretch>
+        </p:blipFill>
+        <p:spPr>
+          <a:xfrm>
+            <a:off x="3383677" y="6411736"/>
+            <a:ext cx="348698" cy="348698"/>
+          </a:xfrm>
+          <a:prstGeom prst="rect">
+            <a:avLst/>
+          </a:prstGeom>
+        </p:spPr>
+      </p:pic>
+    </p:spTree>
+    <p:extLst>
+      <p:ext uri="{BB962C8B-B14F-4D97-AF65-F5344CB8AC3E}">
+        <p14:creationId xmlns:p14="http://schemas.microsoft.com/office/powerpoint/2010/main" val="1958018347"/>
+      </p:ext>
+    </p:extLst>
+  </p:cSld>
+  <p:clrMapOvr>
+    <a:masterClrMapping/>
+  </p:clrMapOvr>
+  <mc:AlternateContent xmlns:mc="http://schemas.openxmlformats.org/markup-compatibility/2006">
+    <mc:Choice xmlns:p14="http://schemas.microsoft.com/office/powerpoint/2010/main" Requires="p14">
+      <p:transition spd="slow" p14:dur="2000" advClick="0"/>
+    </mc:Choice>
+    <mc:Fallback>
+      <p:transition spd="slow" advClick="0"/>
+    </mc:Fallback>
+  </mc:AlternateContent>
+</p:sld>
+</file>
+
+<file path=ppt/slides/slide44.xml><?xml version="1.0" encoding="utf-8"?>
+<p:sld xmlns:a="http://schemas.openxmlformats.org/drawingml/2006/main" xmlns:r="http://schemas.openxmlformats.org/officeDocument/2006/relationships" xmlns:p="http://schemas.openxmlformats.org/presentationml/2006/main">
+  <p:cSld>
+    <p:bg>
+      <p:bgPr>
+        <a:gradFill>
+          <a:gsLst>
+            <a:gs pos="0">
+              <a:schemeClr val="bg1"/>
+            </a:gs>
+            <a:gs pos="50000">
+              <a:schemeClr val="accent1">
+                <a:tint val="44500"/>
+                <a:satMod val="160000"/>
+              </a:schemeClr>
+            </a:gs>
+            <a:gs pos="100000">
+              <a:schemeClr val="accent1">
+                <a:tint val="23500"/>
+                <a:satMod val="160000"/>
+              </a:schemeClr>
+            </a:gs>
+          </a:gsLst>
+          <a:lin ang="2700000" scaled="1"/>
+        </a:gradFill>
+        <a:effectLst/>
+      </p:bgPr>
+    </p:bg>
+    <p:spTree>
+      <p:nvGrpSpPr>
+        <p:cNvPr id="1" name=""/>
+        <p:cNvGrpSpPr/>
+        <p:nvPr/>
+      </p:nvGrpSpPr>
+      <p:grpSpPr>
+        <a:xfrm>
+          <a:off x="0" y="0"/>
+          <a:ext cx="0" cy="0"/>
+          <a:chOff x="0" y="0"/>
+          <a:chExt cx="0" cy="0"/>
+        </a:xfrm>
+      </p:grpSpPr>
+      <p:pic>
+        <p:nvPicPr>
+          <p:cNvPr id="2" name="Picture 2" descr="Logo Windows 11 – Logos PNG">
+            <a:extLst>
+              <a:ext uri="{FF2B5EF4-FFF2-40B4-BE49-F238E27FC236}">
+                <a16:creationId xmlns:a16="http://schemas.microsoft.com/office/drawing/2014/main" id="{38A59586-2595-9E66-FEBE-66D47C3EF4CF}"/>
+              </a:ext>
+            </a:extLst>
+          </p:cNvPr>
+          <p:cNvPicPr>
+            <a:picLocks noChangeAspect="1" noChangeArrowheads="1"/>
+          </p:cNvPicPr>
+          <p:nvPr/>
+        </p:nvPicPr>
+        <p:blipFill>
+          <a:blip r:embed="rId2">
+            <a:extLst>
+              <a:ext uri="{28A0092B-C50C-407E-A947-70E740481C1C}">
+                <a14:useLocalDpi xmlns:a14="http://schemas.microsoft.com/office/drawing/2010/main" val="0"/>
+              </a:ext>
+            </a:extLst>
+          </a:blip>
+          <a:srcRect/>
+          <a:stretch>
+            <a:fillRect/>
+          </a:stretch>
+        </p:blipFill>
+        <p:spPr bwMode="auto">
+          <a:xfrm flipV="1">
+            <a:off x="95250" y="6391276"/>
+            <a:ext cx="348698" cy="348698"/>
+          </a:xfrm>
+          <a:prstGeom prst="rect">
+            <a:avLst/>
+          </a:prstGeom>
+          <a:noFill/>
+          <a:extLst>
+            <a:ext uri="{909E8E84-426E-40DD-AFC4-6F175D3DCCD1}">
+              <a14:hiddenFill xmlns:a14="http://schemas.microsoft.com/office/drawing/2010/main">
+                <a:solidFill>
+                  <a:srgbClr val="FFFFFF"/>
+                </a:solidFill>
+              </a14:hiddenFill>
+            </a:ext>
+          </a:extLst>
+        </p:spPr>
+      </p:pic>
+      <p:sp>
+        <p:nvSpPr>
+          <p:cNvPr id="5" name="矩形: 圆角 4">
+            <a:extLst>
+              <a:ext uri="{FF2B5EF4-FFF2-40B4-BE49-F238E27FC236}">
+                <a16:creationId xmlns:a16="http://schemas.microsoft.com/office/drawing/2014/main" id="{F0E653BC-0EF8-517D-2CF0-006D12BC69A4}"/>
+              </a:ext>
+            </a:extLst>
+          </p:cNvPr>
+          <p:cNvSpPr/>
+          <p:nvPr/>
+        </p:nvSpPr>
+        <p:spPr>
+          <a:xfrm>
+            <a:off x="558140" y="6391276"/>
+            <a:ext cx="2743200" cy="348698"/>
+          </a:xfrm>
+          <a:prstGeom prst="roundRect">
+            <a:avLst/>
+          </a:prstGeom>
+          <a:solidFill>
+            <a:schemeClr val="bg1"/>
+          </a:solidFill>
+          <a:ln>
+            <a:noFill/>
+          </a:ln>
+        </p:spPr>
+        <p:style>
+          <a:lnRef idx="2">
+            <a:schemeClr val="accent1">
+              <a:shade val="15000"/>
+            </a:schemeClr>
+          </a:lnRef>
+          <a:fillRef idx="1">
+            <a:schemeClr val="accent1"/>
+          </a:fillRef>
+          <a:effectRef idx="0">
+            <a:schemeClr val="accent1"/>
+          </a:effectRef>
+          <a:fontRef idx="minor">
+            <a:schemeClr val="lt1"/>
+          </a:fontRef>
+        </p:style>
+        <p:txBody>
+          <a:bodyPr rtlCol="0" anchor="ctr"/>
+          <a:lstStyle/>
+          <a:p>
+            <a:pPr algn="ctr"/>
+            <a:endParaRPr lang="zh-CN" altLang="en-US"/>
+          </a:p>
+        </p:txBody>
+      </p:sp>
+      <p:sp>
+        <p:nvSpPr>
+          <p:cNvPr id="6" name="文本框 5">
+            <a:extLst>
+              <a:ext uri="{FF2B5EF4-FFF2-40B4-BE49-F238E27FC236}">
+                <a16:creationId xmlns:a16="http://schemas.microsoft.com/office/drawing/2014/main" id="{820536A4-56EA-0B85-9D1A-32FDE5FF57F7}"/>
+              </a:ext>
+            </a:extLst>
+          </p:cNvPr>
+          <p:cNvSpPr txBox="1"/>
+          <p:nvPr/>
+        </p:nvSpPr>
+        <p:spPr>
+          <a:xfrm>
+            <a:off x="777298" y="6411736"/>
+            <a:ext cx="1472541" cy="307777"/>
+          </a:xfrm>
+          <a:prstGeom prst="rect">
+            <a:avLst/>
+          </a:prstGeom>
+          <a:noFill/>
+        </p:spPr>
+        <p:txBody>
+          <a:bodyPr wrap="square" rtlCol="0">
+            <a:spAutoFit/>
+          </a:bodyPr>
+          <a:lstStyle/>
+          <a:p>
+            <a:r>
+              <a:rPr lang="zh-CN" altLang="en-US" sz="1400" dirty="0">
+                <a:solidFill>
+                  <a:srgbClr val="666666"/>
+                </a:solidFill>
+                <a:latin typeface="Microsoft YaHei UI" panose="020B0503020204020204" pitchFamily="34" charset="-122"/>
+                <a:ea typeface="Microsoft YaHei UI" panose="020B0503020204020204" pitchFamily="34" charset="-122"/>
+              </a:rPr>
+              <a:t>搜索文件、</a:t>
+            </a:r>
+            <a:r>
+              <a:rPr lang="en-US" altLang="zh-CN" sz="1400" dirty="0">
+                <a:solidFill>
+                  <a:srgbClr val="666666"/>
+                </a:solidFill>
+                <a:latin typeface="Microsoft YaHei UI" panose="020B0503020204020204" pitchFamily="34" charset="-122"/>
+                <a:ea typeface="Microsoft YaHei UI" panose="020B0503020204020204" pitchFamily="34" charset="-122"/>
+              </a:rPr>
+              <a:t>Web</a:t>
+            </a:r>
+            <a:endParaRPr lang="zh-CN" altLang="en-US" sz="1400" dirty="0">
+              <a:solidFill>
+                <a:srgbClr val="666666"/>
+              </a:solidFill>
+              <a:latin typeface="Microsoft YaHei UI" panose="020B0503020204020204" pitchFamily="34" charset="-122"/>
+              <a:ea typeface="Microsoft YaHei UI" panose="020B0503020204020204" pitchFamily="34" charset="-122"/>
+            </a:endParaRPr>
+          </a:p>
+        </p:txBody>
+      </p:sp>
+      <p:pic>
+        <p:nvPicPr>
+          <p:cNvPr id="8" name="图形 7" descr="放大镜 纯色填充">
+            <a:extLst>
+              <a:ext uri="{FF2B5EF4-FFF2-40B4-BE49-F238E27FC236}">
+                <a16:creationId xmlns:a16="http://schemas.microsoft.com/office/drawing/2014/main" id="{27CAEB28-542C-B705-AD2B-EF680C7413E2}"/>
+              </a:ext>
+            </a:extLst>
+          </p:cNvPr>
+          <p:cNvPicPr>
+            <a:picLocks noChangeAspect="1"/>
+          </p:cNvPicPr>
+          <p:nvPr/>
+        </p:nvPicPr>
+        <p:blipFill>
+          <a:blip r:embed="rId3">
+            <a:extLst>
+              <a:ext uri="{28A0092B-C50C-407E-A947-70E740481C1C}">
+                <a14:useLocalDpi xmlns:a14="http://schemas.microsoft.com/office/drawing/2010/main" val="0"/>
+              </a:ext>
+              <a:ext uri="{96DAC541-7B7A-43D3-8B79-37D633B846F1}">
+                <asvg:svgBlip xmlns:asvg="http://schemas.microsoft.com/office/drawing/2016/SVG/main" r:embed="rId4"/>
+              </a:ext>
+            </a:extLst>
+          </a:blip>
+          <a:stretch>
+            <a:fillRect/>
+          </a:stretch>
+        </p:blipFill>
+        <p:spPr>
+          <a:xfrm rot="5400000">
+            <a:off x="620330" y="6450919"/>
+            <a:ext cx="229412" cy="229412"/>
+          </a:xfrm>
+          <a:prstGeom prst="rect">
+            <a:avLst/>
+          </a:prstGeom>
+        </p:spPr>
+      </p:pic>
+      <p:pic>
+        <p:nvPicPr>
+          <p:cNvPr id="10" name="图片 9">
+            <a:hlinkClick r:id="rId5" action="ppaction://hlinksldjump"/>
+            <a:extLst>
+              <a:ext uri="{FF2B5EF4-FFF2-40B4-BE49-F238E27FC236}">
+                <a16:creationId xmlns:a16="http://schemas.microsoft.com/office/drawing/2014/main" id="{E0BBC87A-FC7D-8917-A2F0-5EBEA5F95A53}"/>
+              </a:ext>
+            </a:extLst>
+          </p:cNvPr>
+          <p:cNvPicPr>
+            <a:picLocks noChangeAspect="1"/>
+          </p:cNvPicPr>
+          <p:nvPr/>
+        </p:nvPicPr>
+        <p:blipFill>
+          <a:blip r:embed="rId6">
+            <a:extLst>
+              <a:ext uri="{28A0092B-C50C-407E-A947-70E740481C1C}">
+                <a14:useLocalDpi xmlns:a14="http://schemas.microsoft.com/office/drawing/2010/main" val="0"/>
+              </a:ext>
+            </a:extLst>
+          </a:blip>
+          <a:stretch>
+            <a:fillRect/>
+          </a:stretch>
+        </p:blipFill>
+        <p:spPr>
+          <a:xfrm>
+            <a:off x="3383677" y="6411736"/>
+            <a:ext cx="348698" cy="348698"/>
+          </a:xfrm>
+          <a:prstGeom prst="rect">
+            <a:avLst/>
+          </a:prstGeom>
+        </p:spPr>
+      </p:pic>
+      <p:sp>
+        <p:nvSpPr>
+          <p:cNvPr id="3" name="矩形: 圆角 2">
+            <a:extLst>
+              <a:ext uri="{FF2B5EF4-FFF2-40B4-BE49-F238E27FC236}">
+                <a16:creationId xmlns:a16="http://schemas.microsoft.com/office/drawing/2014/main" id="{E7C17C10-42A5-E470-ABBD-5C4642C13466}"/>
+              </a:ext>
+            </a:extLst>
+          </p:cNvPr>
+          <p:cNvSpPr/>
+          <p:nvPr/>
+        </p:nvSpPr>
+        <p:spPr>
+          <a:xfrm>
+            <a:off x="3383677" y="6780676"/>
+            <a:ext cx="348698" cy="45719"/>
+          </a:xfrm>
+          <a:prstGeom prst="roundRect">
+            <a:avLst/>
+          </a:prstGeom>
+          <a:solidFill>
+            <a:srgbClr val="0070C0"/>
+          </a:solidFill>
+          <a:ln>
+            <a:noFill/>
+          </a:ln>
+        </p:spPr>
+        <p:style>
+          <a:lnRef idx="2">
+            <a:schemeClr val="accent1">
+              <a:shade val="15000"/>
+            </a:schemeClr>
+          </a:lnRef>
+          <a:fillRef idx="1">
+            <a:schemeClr val="accent1"/>
+          </a:fillRef>
+          <a:effectRef idx="0">
+            <a:schemeClr val="accent1"/>
+          </a:effectRef>
+          <a:fontRef idx="minor">
+            <a:schemeClr val="lt1"/>
+          </a:fontRef>
+        </p:style>
+        <p:txBody>
+          <a:bodyPr rtlCol="0" anchor="ctr"/>
+          <a:lstStyle/>
+          <a:p>
+            <a:pPr algn="ctr"/>
+            <a:endParaRPr lang="zh-CN" altLang="en-US"/>
+          </a:p>
+        </p:txBody>
+      </p:sp>
+      <p:grpSp>
+        <p:nvGrpSpPr>
+          <p:cNvPr id="16" name="组合 15">
+            <a:extLst>
+              <a:ext uri="{FF2B5EF4-FFF2-40B4-BE49-F238E27FC236}">
+                <a16:creationId xmlns:a16="http://schemas.microsoft.com/office/drawing/2014/main" id="{96A6CD72-5897-5301-A31A-A1B8B6FBA0E1}"/>
+              </a:ext>
+            </a:extLst>
+          </p:cNvPr>
+          <p:cNvGrpSpPr/>
+          <p:nvPr/>
+        </p:nvGrpSpPr>
+        <p:grpSpPr>
+          <a:xfrm>
+            <a:off x="8368888" y="0"/>
+            <a:ext cx="7441128" cy="6391276"/>
+            <a:chOff x="8368888" y="0"/>
+            <a:chExt cx="7441128" cy="6391276"/>
+          </a:xfrm>
+        </p:grpSpPr>
+        <p:sp>
+          <p:nvSpPr>
+            <p:cNvPr id="7" name="矩形 6">
+              <a:extLst>
+                <a:ext uri="{FF2B5EF4-FFF2-40B4-BE49-F238E27FC236}">
+                  <a16:creationId xmlns:a16="http://schemas.microsoft.com/office/drawing/2014/main" id="{BFC91392-3C61-7CA4-1B7D-FA0B2AC6BEAA}"/>
+                </a:ext>
+              </a:extLst>
+            </p:cNvPr>
+            <p:cNvSpPr/>
+            <p:nvPr/>
+          </p:nvSpPr>
+          <p:spPr>
+            <a:xfrm>
+              <a:off x="8455231" y="0"/>
+              <a:ext cx="3736770" cy="6391276"/>
+            </a:xfrm>
+            <a:prstGeom prst="rect">
+              <a:avLst/>
+            </a:prstGeom>
+            <a:solidFill>
+              <a:schemeClr val="bg1"/>
+            </a:solidFill>
+            <a:ln>
+              <a:noFill/>
+            </a:ln>
+            <a:effectLst>
+              <a:outerShdw blurRad="63500" sx="102000" sy="102000" algn="ctr" rotWithShape="0">
+                <a:prstClr val="black">
+                  <a:alpha val="40000"/>
+                </a:prstClr>
+              </a:outerShdw>
+            </a:effectLst>
+          </p:spPr>
+          <p:style>
+            <a:lnRef idx="2">
+              <a:schemeClr val="accent1">
+                <a:shade val="15000"/>
+              </a:schemeClr>
+            </a:lnRef>
+            <a:fillRef idx="1">
+              <a:schemeClr val="accent1"/>
+            </a:fillRef>
+            <a:effectRef idx="0">
+              <a:schemeClr val="accent1"/>
+            </a:effectRef>
+            <a:fontRef idx="minor">
+              <a:schemeClr val="lt1"/>
+            </a:fontRef>
+          </p:style>
+          <p:txBody>
+            <a:bodyPr rtlCol="0" anchor="ctr"/>
+            <a:lstStyle/>
+            <a:p>
+              <a:pPr algn="ctr"/>
+              <a:br>
+                <a:rPr lang="zh-CN" altLang="en-US" dirty="0"/>
+              </a:br>
+              <a:endParaRPr lang="zh-CN" altLang="en-US" dirty="0"/>
+            </a:p>
+          </p:txBody>
+        </p:sp>
+        <p:pic>
+          <p:nvPicPr>
+            <p:cNvPr id="11" name="图片 10">
+              <a:extLst>
+                <a:ext uri="{FF2B5EF4-FFF2-40B4-BE49-F238E27FC236}">
+                  <a16:creationId xmlns:a16="http://schemas.microsoft.com/office/drawing/2014/main" id="{272EC56A-ED73-FFD3-FBF2-A4EC89EF40D2}"/>
+                </a:ext>
+              </a:extLst>
+            </p:cNvPr>
+            <p:cNvPicPr>
+              <a:picLocks noChangeAspect="1"/>
+            </p:cNvPicPr>
+            <p:nvPr/>
+          </p:nvPicPr>
+          <p:blipFill>
+            <a:blip r:embed="rId6">
+              <a:extLst>
+                <a:ext uri="{28A0092B-C50C-407E-A947-70E740481C1C}">
+                  <a14:useLocalDpi xmlns:a14="http://schemas.microsoft.com/office/drawing/2010/main" val="0"/>
+                </a:ext>
+              </a:extLst>
+            </a:blip>
+            <a:stretch>
+              <a:fillRect/>
+            </a:stretch>
+          </p:blipFill>
+          <p:spPr>
+            <a:xfrm>
+              <a:off x="9047019" y="192537"/>
+              <a:ext cx="685800" cy="685800"/>
+            </a:xfrm>
+            <a:prstGeom prst="rect">
+              <a:avLst/>
+            </a:prstGeom>
+          </p:spPr>
+        </p:pic>
+        <p:sp>
+          <p:nvSpPr>
+            <p:cNvPr id="13" name="文本框 12">
+              <a:extLst>
+                <a:ext uri="{FF2B5EF4-FFF2-40B4-BE49-F238E27FC236}">
+                  <a16:creationId xmlns:a16="http://schemas.microsoft.com/office/drawing/2014/main" id="{D83118F2-E9E8-1010-D925-EA986C1D2394}"/>
+                </a:ext>
+              </a:extLst>
+            </p:cNvPr>
+            <p:cNvSpPr txBox="1"/>
+            <p:nvPr/>
+          </p:nvSpPr>
+          <p:spPr>
+            <a:xfrm>
+              <a:off x="9712038" y="212271"/>
+              <a:ext cx="6097978" cy="646331"/>
+            </a:xfrm>
+            <a:prstGeom prst="rect">
+              <a:avLst/>
+            </a:prstGeom>
+            <a:noFill/>
+          </p:spPr>
+          <p:txBody>
+            <a:bodyPr wrap="square">
+              <a:spAutoFit/>
+            </a:bodyPr>
+            <a:lstStyle/>
+            <a:p>
+              <a:r>
+                <a:rPr lang="en-US" altLang="zh-CN" sz="3600" b="1" i="0" dirty="0">
+                  <a:solidFill>
+                    <a:srgbClr val="111111"/>
+                  </a:solidFill>
+                  <a:effectLst/>
+                  <a:latin typeface="Microsoft YaHei UI" panose="020B0503020204020204" pitchFamily="34" charset="-122"/>
+                  <a:ea typeface="Microsoft YaHei UI" panose="020B0503020204020204" pitchFamily="34" charset="-122"/>
+                </a:rPr>
+                <a:t>Copilot</a:t>
+              </a:r>
+              <a:endParaRPr lang="zh-CN" altLang="en-US" sz="3600" dirty="0">
+                <a:latin typeface="Microsoft YaHei UI" panose="020B0503020204020204" pitchFamily="34" charset="-122"/>
+                <a:ea typeface="Microsoft YaHei UI" panose="020B0503020204020204" pitchFamily="34" charset="-122"/>
+              </a:endParaRPr>
+            </a:p>
+          </p:txBody>
+        </p:sp>
+        <p:sp>
+          <p:nvSpPr>
+            <p:cNvPr id="15" name="文本框 14">
+              <a:extLst>
+                <a:ext uri="{FF2B5EF4-FFF2-40B4-BE49-F238E27FC236}">
+                  <a16:creationId xmlns:a16="http://schemas.microsoft.com/office/drawing/2014/main" id="{5F85A465-81D9-747A-6F20-B42E06B8BCD9}"/>
+                </a:ext>
+              </a:extLst>
+            </p:cNvPr>
+            <p:cNvSpPr txBox="1"/>
+            <p:nvPr/>
+          </p:nvSpPr>
+          <p:spPr>
+            <a:xfrm>
+              <a:off x="9306791" y="898071"/>
+              <a:ext cx="2033649" cy="369332"/>
+            </a:xfrm>
+            <a:prstGeom prst="rect">
+              <a:avLst/>
+            </a:prstGeom>
+            <a:noFill/>
+          </p:spPr>
+          <p:txBody>
+            <a:bodyPr wrap="square">
+              <a:spAutoFit/>
+            </a:bodyPr>
+            <a:lstStyle/>
+            <a:p>
+              <a:r>
+                <a:rPr lang="zh-CN" altLang="it-IT" b="0" i="0" dirty="0">
+                  <a:solidFill>
+                    <a:srgbClr val="111111"/>
+                  </a:solidFill>
+                  <a:effectLst/>
+                  <a:latin typeface="Microsoft YaHei UI" panose="020B0503020204020204" pitchFamily="34" charset="-122"/>
+                  <a:ea typeface="Microsoft YaHei UI" panose="020B0503020204020204" pitchFamily="34" charset="-122"/>
+                </a:rPr>
+                <a:t>你的日常 </a:t>
+              </a:r>
+              <a:r>
+                <a:rPr lang="it-IT" altLang="zh-CN" b="0" i="0" dirty="0">
+                  <a:solidFill>
+                    <a:srgbClr val="111111"/>
+                  </a:solidFill>
+                  <a:effectLst/>
+                  <a:latin typeface="Microsoft YaHei UI" panose="020B0503020204020204" pitchFamily="34" charset="-122"/>
+                  <a:ea typeface="Microsoft YaHei UI" panose="020B0503020204020204" pitchFamily="34" charset="-122"/>
+                </a:rPr>
+                <a:t>AI </a:t>
+              </a:r>
+              <a:r>
+                <a:rPr lang="zh-CN" altLang="it-IT" b="0" i="0" dirty="0">
+                  <a:solidFill>
+                    <a:srgbClr val="111111"/>
+                  </a:solidFill>
+                  <a:effectLst/>
+                  <a:latin typeface="Microsoft YaHei UI" panose="020B0503020204020204" pitchFamily="34" charset="-122"/>
+                  <a:ea typeface="Microsoft YaHei UI" panose="020B0503020204020204" pitchFamily="34" charset="-122"/>
+                </a:rPr>
+                <a:t>助手</a:t>
+              </a:r>
+              <a:endParaRPr lang="zh-CN" altLang="en-US" dirty="0">
+                <a:latin typeface="Microsoft YaHei UI" panose="020B0503020204020204" pitchFamily="34" charset="-122"/>
+                <a:ea typeface="Microsoft YaHei UI" panose="020B0503020204020204" pitchFamily="34" charset="-122"/>
+              </a:endParaRPr>
+            </a:p>
+          </p:txBody>
+        </p:sp>
+        <p:sp>
+          <p:nvSpPr>
+            <p:cNvPr id="17" name="文本框 16">
+              <a:extLst>
+                <a:ext uri="{FF2B5EF4-FFF2-40B4-BE49-F238E27FC236}">
+                  <a16:creationId xmlns:a16="http://schemas.microsoft.com/office/drawing/2014/main" id="{17FF7DB0-3346-6269-D4C3-67D271597348}"/>
+                </a:ext>
+              </a:extLst>
+            </p:cNvPr>
+            <p:cNvSpPr txBox="1"/>
+            <p:nvPr/>
+          </p:nvSpPr>
+          <p:spPr>
+            <a:xfrm>
+              <a:off x="8455231" y="1656007"/>
+              <a:ext cx="2101441" cy="276999"/>
+            </a:xfrm>
+            <a:prstGeom prst="rect">
+              <a:avLst/>
+            </a:prstGeom>
+            <a:noFill/>
+          </p:spPr>
+          <p:txBody>
+            <a:bodyPr wrap="square">
+              <a:spAutoFit/>
+            </a:bodyPr>
+            <a:lstStyle/>
+            <a:p>
+              <a:r>
+                <a:rPr lang="en-US" altLang="zh-CN" sz="1200" b="0" i="0" dirty="0">
+                  <a:solidFill>
+                    <a:srgbClr val="111111"/>
+                  </a:solidFill>
+                  <a:effectLst/>
+                  <a:latin typeface="Microsoft YaHei UI" panose="020B0503020204020204" pitchFamily="34" charset="-122"/>
+                  <a:ea typeface="Microsoft YaHei UI" panose="020B0503020204020204" pitchFamily="34" charset="-122"/>
+                </a:rPr>
+                <a:t>Copilot </a:t>
+              </a:r>
+              <a:r>
+                <a:rPr lang="zh-CN" altLang="en-US" sz="1200" b="0" i="0" dirty="0">
+                  <a:solidFill>
+                    <a:srgbClr val="111111"/>
+                  </a:solidFill>
+                  <a:effectLst/>
+                  <a:latin typeface="Microsoft YaHei UI" panose="020B0503020204020204" pitchFamily="34" charset="-122"/>
+                  <a:ea typeface="Microsoft YaHei UI" panose="020B0503020204020204" pitchFamily="34" charset="-122"/>
+                </a:rPr>
+                <a:t>使用 </a:t>
+              </a:r>
+              <a:r>
+                <a:rPr lang="en-US" altLang="zh-CN" sz="1200" b="0" i="0" dirty="0">
+                  <a:solidFill>
+                    <a:srgbClr val="111111"/>
+                  </a:solidFill>
+                  <a:effectLst/>
+                  <a:latin typeface="Microsoft YaHei UI" panose="020B0503020204020204" pitchFamily="34" charset="-122"/>
+                  <a:ea typeface="Microsoft YaHei UI" panose="020B0503020204020204" pitchFamily="34" charset="-122"/>
+                </a:rPr>
+                <a:t>AI</a:t>
+              </a:r>
+              <a:r>
+                <a:rPr lang="zh-CN" altLang="en-US" sz="1200" b="0" i="0" dirty="0">
+                  <a:solidFill>
+                    <a:srgbClr val="111111"/>
+                  </a:solidFill>
+                  <a:effectLst/>
+                  <a:latin typeface="Microsoft YaHei UI" panose="020B0503020204020204" pitchFamily="34" charset="-122"/>
+                  <a:ea typeface="Microsoft YaHei UI" panose="020B0503020204020204" pitchFamily="34" charset="-122"/>
+                </a:rPr>
+                <a:t>。检查错误。</a:t>
+              </a:r>
+              <a:endParaRPr lang="zh-CN" altLang="en-US" sz="1200" dirty="0">
+                <a:latin typeface="Microsoft YaHei UI" panose="020B0503020204020204" pitchFamily="34" charset="-122"/>
+                <a:ea typeface="Microsoft YaHei UI" panose="020B0503020204020204" pitchFamily="34" charset="-122"/>
+              </a:endParaRPr>
+            </a:p>
+          </p:txBody>
+        </p:sp>
+        <p:sp>
+          <p:nvSpPr>
+            <p:cNvPr id="18" name="文本框 17">
+              <a:hlinkClick r:id="rId7"/>
+              <a:extLst>
+                <a:ext uri="{FF2B5EF4-FFF2-40B4-BE49-F238E27FC236}">
+                  <a16:creationId xmlns:a16="http://schemas.microsoft.com/office/drawing/2014/main" id="{3E550EA5-DBF9-D46A-A55A-576CB7EAF3E8}"/>
+                </a:ext>
+              </a:extLst>
+            </p:cNvPr>
+            <p:cNvSpPr txBox="1"/>
+            <p:nvPr/>
+          </p:nvSpPr>
+          <p:spPr>
+            <a:xfrm>
+              <a:off x="10406992" y="1656007"/>
+              <a:ext cx="510639" cy="276999"/>
+            </a:xfrm>
+            <a:prstGeom prst="rect">
+              <a:avLst/>
+            </a:prstGeom>
+            <a:noFill/>
+          </p:spPr>
+          <p:txBody>
+            <a:bodyPr wrap="square" rtlCol="0">
+              <a:spAutoFit/>
+            </a:bodyPr>
+            <a:lstStyle/>
+            <a:p>
+              <a:r>
+                <a:rPr lang="zh-CN" altLang="en-US" sz="1200" dirty="0">
+                  <a:solidFill>
+                    <a:srgbClr val="0070C0"/>
+                  </a:solidFill>
+                  <a:latin typeface="Microsoft YaHei UI" panose="020B0503020204020204" pitchFamily="34" charset="-122"/>
+                  <a:ea typeface="Microsoft YaHei UI" panose="020B0503020204020204" pitchFamily="34" charset="-122"/>
+                </a:rPr>
+                <a:t>条款</a:t>
+              </a:r>
+            </a:p>
+          </p:txBody>
+        </p:sp>
+        <p:sp>
+          <p:nvSpPr>
+            <p:cNvPr id="21" name="文本框 20">
+              <a:hlinkClick r:id="rId8"/>
+              <a:extLst>
+                <a:ext uri="{FF2B5EF4-FFF2-40B4-BE49-F238E27FC236}">
+                  <a16:creationId xmlns:a16="http://schemas.microsoft.com/office/drawing/2014/main" id="{DB65BB74-7020-6D89-C475-37A1D829EC5A}"/>
+                </a:ext>
+              </a:extLst>
+            </p:cNvPr>
+            <p:cNvSpPr txBox="1"/>
+            <p:nvPr/>
+          </p:nvSpPr>
+          <p:spPr>
+            <a:xfrm>
+              <a:off x="10767952" y="1656007"/>
+              <a:ext cx="510639" cy="276999"/>
+            </a:xfrm>
+            <a:prstGeom prst="rect">
+              <a:avLst/>
+            </a:prstGeom>
+            <a:noFill/>
+          </p:spPr>
+          <p:txBody>
+            <a:bodyPr wrap="square" rtlCol="0">
+              <a:spAutoFit/>
+            </a:bodyPr>
+            <a:lstStyle/>
+            <a:p>
+              <a:r>
+                <a:rPr lang="zh-CN" altLang="en-US" sz="1200" dirty="0">
+                  <a:solidFill>
+                    <a:srgbClr val="0070C0"/>
+                  </a:solidFill>
+                  <a:latin typeface="Microsoft YaHei UI" panose="020B0503020204020204" pitchFamily="34" charset="-122"/>
+                  <a:ea typeface="Microsoft YaHei UI" panose="020B0503020204020204" pitchFamily="34" charset="-122"/>
+                </a:rPr>
+                <a:t>隐私</a:t>
+              </a:r>
+            </a:p>
+          </p:txBody>
+        </p:sp>
+        <p:sp>
+          <p:nvSpPr>
+            <p:cNvPr id="22" name="文本框 21">
+              <a:hlinkClick r:id="rId9"/>
+              <a:extLst>
+                <a:ext uri="{FF2B5EF4-FFF2-40B4-BE49-F238E27FC236}">
+                  <a16:creationId xmlns:a16="http://schemas.microsoft.com/office/drawing/2014/main" id="{798E4931-8C3E-38C0-84B0-652D1F98E020}"/>
+                </a:ext>
+              </a:extLst>
+            </p:cNvPr>
+            <p:cNvSpPr txBox="1"/>
+            <p:nvPr/>
+          </p:nvSpPr>
+          <p:spPr>
+            <a:xfrm>
+              <a:off x="11128911" y="1656007"/>
+              <a:ext cx="1149433" cy="276999"/>
+            </a:xfrm>
+            <a:prstGeom prst="rect">
+              <a:avLst/>
+            </a:prstGeom>
+            <a:noFill/>
+          </p:spPr>
+          <p:txBody>
+            <a:bodyPr wrap="square" rtlCol="0">
+              <a:spAutoFit/>
+            </a:bodyPr>
+            <a:lstStyle/>
+            <a:p>
+              <a:r>
+                <a:rPr lang="zh-CN" altLang="en-US" sz="1200" dirty="0">
+                  <a:solidFill>
+                    <a:srgbClr val="0070C0"/>
+                  </a:solidFill>
+                  <a:latin typeface="Microsoft YaHei UI" panose="020B0503020204020204" pitchFamily="34" charset="-122"/>
+                  <a:ea typeface="Microsoft YaHei UI" panose="020B0503020204020204" pitchFamily="34" charset="-122"/>
+                </a:rPr>
+                <a:t>常见问题解答</a:t>
+              </a:r>
+            </a:p>
+          </p:txBody>
+        </p:sp>
+        <p:sp>
+          <p:nvSpPr>
+            <p:cNvPr id="36" name="矩形: 圆角 35">
+              <a:extLst>
+                <a:ext uri="{FF2B5EF4-FFF2-40B4-BE49-F238E27FC236}">
+                  <a16:creationId xmlns:a16="http://schemas.microsoft.com/office/drawing/2014/main" id="{06EEE99D-5D6D-4168-5B80-55A57B4E0FB0}"/>
+                </a:ext>
+              </a:extLst>
+            </p:cNvPr>
+            <p:cNvSpPr/>
+            <p:nvPr/>
+          </p:nvSpPr>
+          <p:spPr>
+            <a:xfrm>
+              <a:off x="8368888" y="5696958"/>
+              <a:ext cx="3556243" cy="348699"/>
+            </a:xfrm>
+            <a:prstGeom prst="roundRect">
+              <a:avLst/>
+            </a:prstGeom>
+            <a:noFill/>
+            <a:ln>
+              <a:noFill/>
+            </a:ln>
+          </p:spPr>
+          <p:style>
+            <a:lnRef idx="2">
+              <a:schemeClr val="accent1">
+                <a:shade val="15000"/>
+              </a:schemeClr>
+            </a:lnRef>
+            <a:fillRef idx="1">
+              <a:schemeClr val="accent1"/>
+            </a:fillRef>
+            <a:effectRef idx="0">
+              <a:schemeClr val="accent1"/>
+            </a:effectRef>
+            <a:fontRef idx="minor">
+              <a:schemeClr val="lt1"/>
+            </a:fontRef>
+          </p:style>
+          <p:txBody>
+            <a:bodyPr rtlCol="0" anchor="ctr"/>
+            <a:lstStyle/>
+            <a:p>
+              <a:pPr algn="ctr"/>
+              <a:endParaRPr lang="zh-CN" altLang="en-US" sz="1400">
+                <a:solidFill>
+                  <a:schemeClr val="bg1"/>
+                </a:solidFill>
+              </a:endParaRPr>
+            </a:p>
+          </p:txBody>
+        </p:sp>
+        <p:sp>
+          <p:nvSpPr>
+            <p:cNvPr id="9" name="矩形 8">
+              <a:extLst>
+                <a:ext uri="{FF2B5EF4-FFF2-40B4-BE49-F238E27FC236}">
+                  <a16:creationId xmlns:a16="http://schemas.microsoft.com/office/drawing/2014/main" id="{5E87BC05-9CC9-112E-3B10-6C9E29C022D9}"/>
+                </a:ext>
+              </a:extLst>
+            </p:cNvPr>
+            <p:cNvSpPr/>
+            <p:nvPr/>
+          </p:nvSpPr>
+          <p:spPr>
+            <a:xfrm>
+              <a:off x="9463149" y="3499167"/>
+              <a:ext cx="248890" cy="45719"/>
+            </a:xfrm>
+            <a:prstGeom prst="rect">
+              <a:avLst/>
+            </a:prstGeom>
+            <a:solidFill>
+              <a:srgbClr val="0070C0"/>
+            </a:solidFill>
+            <a:ln>
+              <a:noFill/>
+            </a:ln>
+          </p:spPr>
+          <p:style>
+            <a:lnRef idx="2">
+              <a:schemeClr val="accent1">
+                <a:shade val="15000"/>
+              </a:schemeClr>
+            </a:lnRef>
+            <a:fillRef idx="1">
+              <a:schemeClr val="accent1"/>
+            </a:fillRef>
+            <a:effectRef idx="0">
+              <a:schemeClr val="accent1"/>
+            </a:effectRef>
+            <a:fontRef idx="minor">
+              <a:schemeClr val="lt1"/>
+            </a:fontRef>
+          </p:style>
+          <p:txBody>
+            <a:bodyPr rtlCol="0" anchor="ctr"/>
+            <a:lstStyle/>
+            <a:p>
+              <a:pPr algn="ctr"/>
+              <a:endParaRPr lang="zh-CN" altLang="en-US"/>
+            </a:p>
+          </p:txBody>
+        </p:sp>
+        <p:sp>
+          <p:nvSpPr>
+            <p:cNvPr id="12" name="文本框 11">
+              <a:extLst>
+                <a:ext uri="{FF2B5EF4-FFF2-40B4-BE49-F238E27FC236}">
+                  <a16:creationId xmlns:a16="http://schemas.microsoft.com/office/drawing/2014/main" id="{503C8972-C305-457E-DC04-0826A2B0AFFB}"/>
+                </a:ext>
+              </a:extLst>
+            </p:cNvPr>
+            <p:cNvSpPr txBox="1"/>
+            <p:nvPr/>
+          </p:nvSpPr>
+          <p:spPr>
+            <a:xfrm>
+              <a:off x="9752860" y="3050143"/>
+              <a:ext cx="1164771" cy="369332"/>
+            </a:xfrm>
+            <a:prstGeom prst="rect">
+              <a:avLst/>
+            </a:prstGeom>
+            <a:noFill/>
+          </p:spPr>
+          <p:txBody>
+            <a:bodyPr wrap="square" rtlCol="0">
+              <a:spAutoFit/>
+            </a:bodyPr>
+            <a:lstStyle/>
+            <a:p>
+              <a:r>
+                <a:rPr lang="zh-CN" altLang="en-US" dirty="0">
+                  <a:latin typeface="Microsoft YaHei UI" panose="020B0503020204020204" pitchFamily="34" charset="-122"/>
+                  <a:ea typeface="Microsoft YaHei UI" panose="020B0503020204020204" pitchFamily="34" charset="-122"/>
+                </a:rPr>
+                <a:t>正在加载</a:t>
+              </a:r>
+            </a:p>
+          </p:txBody>
+        </p:sp>
+      </p:grpSp>
+    </p:spTree>
+    <p:extLst>
+      <p:ext uri="{BB962C8B-B14F-4D97-AF65-F5344CB8AC3E}">
+        <p14:creationId xmlns:p14="http://schemas.microsoft.com/office/powerpoint/2010/main" val="138402586"/>
+      </p:ext>
+    </p:extLst>
+  </p:cSld>
+  <p:clrMapOvr>
+    <a:masterClrMapping/>
+  </p:clrMapOvr>
+  <mc:AlternateContent xmlns:mc="http://schemas.openxmlformats.org/markup-compatibility/2006">
+    <mc:Choice xmlns:p14="http://schemas.microsoft.com/office/powerpoint/2010/main" Requires="p14">
+      <p:transition spd="slow" p14:dur="2000" advClick="0" advTm="1000"/>
+    </mc:Choice>
+    <mc:Fallback>
+      <p:transition spd="slow" advClick="0" advTm="1000"/>
+    </mc:Fallback>
+  </mc:AlternateContent>
+  <p:timing>
+    <p:tnLst>
+      <p:par>
+        <p:cTn id="1" dur="indefinite" restart="never" nodeType="tmRoot">
+          <p:childTnLst>
+            <p:seq concurrent="1" nextAc="seek">
+              <p:cTn id="2" dur="indefinite" nodeType="mainSeq">
+                <p:childTnLst>
+                  <p:par>
+                    <p:cTn id="3" fill="hold">
+                      <p:stCondLst>
+                        <p:cond delay="indefinite"/>
+                        <p:cond evt="onBegin" delay="0">
+                          <p:tn val="2"/>
+                        </p:cond>
+                      </p:stCondLst>
+                      <p:childTnLst>
+                        <p:par>
+                          <p:cTn id="4" fill="hold">
+                            <p:stCondLst>
+                              <p:cond delay="0"/>
+                            </p:stCondLst>
+                            <p:childTnLst>
+                              <p:par>
+                                <p:cTn id="5" presetID="16" presetClass="entr" presetSubtype="37" fill="hold" grpId="0" nodeType="withEffect">
+                                  <p:stCondLst>
+                                    <p:cond delay="0"/>
+                                  </p:stCondLst>
+                                  <p:childTnLst>
+                                    <p:set>
+                                      <p:cBhvr>
+                                        <p:cTn id="6" dur="1" fill="hold">
+                                          <p:stCondLst>
+                                            <p:cond delay="0"/>
+                                          </p:stCondLst>
+                                        </p:cTn>
+                                        <p:tgtEl>
+                                          <p:spTgt spid="3"/>
+                                        </p:tgtEl>
+                                        <p:attrNameLst>
+                                          <p:attrName>style.visibility</p:attrName>
+                                        </p:attrNameLst>
+                                      </p:cBhvr>
+                                      <p:to>
+                                        <p:strVal val="visible"/>
+                                      </p:to>
+                                    </p:set>
+                                    <p:animEffect transition="in" filter="barn(outVertical)">
+                                      <p:cBhvr>
+                                        <p:cTn id="7" dur="100"/>
+                                        <p:tgtEl>
+                                          <p:spTgt spid="3"/>
+                                        </p:tgtEl>
+                                      </p:cBhvr>
+                                    </p:animEffect>
+                                  </p:childTnLst>
+                                </p:cTn>
+                              </p:par>
+                              <p:par>
+                                <p:cTn id="8" presetID="2" presetClass="entr" presetSubtype="2" fill="hold" nodeType="withEffect">
+                                  <p:stCondLst>
+                                    <p:cond delay="250"/>
+                                  </p:stCondLst>
+                                  <p:childTnLst>
+                                    <p:set>
+                                      <p:cBhvr>
+                                        <p:cTn id="9" dur="1" fill="hold">
+                                          <p:stCondLst>
+                                            <p:cond delay="0"/>
+                                          </p:stCondLst>
+                                        </p:cTn>
+                                        <p:tgtEl>
+                                          <p:spTgt spid="16"/>
+                                        </p:tgtEl>
+                                        <p:attrNameLst>
+                                          <p:attrName>style.visibility</p:attrName>
+                                        </p:attrNameLst>
+                                      </p:cBhvr>
+                                      <p:to>
+                                        <p:strVal val="visible"/>
+                                      </p:to>
+                                    </p:set>
+                                    <p:anim calcmode="lin" valueType="num">
+                                      <p:cBhvr additive="base">
+                                        <p:cTn id="10" dur="100" fill="hold"/>
+                                        <p:tgtEl>
+                                          <p:spTgt spid="16"/>
+                                        </p:tgtEl>
+                                        <p:attrNameLst>
+                                          <p:attrName>ppt_x</p:attrName>
+                                        </p:attrNameLst>
+                                      </p:cBhvr>
+                                      <p:tavLst>
+                                        <p:tav tm="0">
+                                          <p:val>
+                                            <p:strVal val="1+#ppt_w/2"/>
+                                          </p:val>
+                                        </p:tav>
+                                        <p:tav tm="100000">
+                                          <p:val>
+                                            <p:strVal val="#ppt_x"/>
+                                          </p:val>
+                                        </p:tav>
+                                      </p:tavLst>
+                                    </p:anim>
+                                    <p:anim calcmode="lin" valueType="num">
+                                      <p:cBhvr additive="base">
+                                        <p:cTn id="11" dur="100" fill="hold"/>
+                                        <p:tgtEl>
+                                          <p:spTgt spid="16"/>
+                                        </p:tgtEl>
+                                        <p:attrNameLst>
+                                          <p:attrName>ppt_y</p:attrName>
+                                        </p:attrNameLst>
+                                      </p:cBhvr>
+                                      <p:tavLst>
+                                        <p:tav tm="0">
+                                          <p:val>
+                                            <p:strVal val="#ppt_y"/>
+                                          </p:val>
+                                        </p:tav>
+                                        <p:tav tm="100000">
+                                          <p:val>
+                                            <p:strVal val="#ppt_y"/>
+                                          </p:val>
+                                        </p:tav>
+                                      </p:tavLst>
+                                    </p:anim>
+                                  </p:childTnLst>
+                                </p:cTn>
+                              </p:par>
+                            </p:childTnLst>
+                          </p:cTn>
+                        </p:par>
+                      </p:childTnLst>
+                    </p:cTn>
+                  </p:par>
+                </p:childTnLst>
+              </p:cTn>
+              <p:prevCondLst>
+                <p:cond evt="onPrev" delay="0">
+                  <p:tgtEl>
+                    <p:sldTgt/>
+                  </p:tgtEl>
+                </p:cond>
+              </p:prevCondLst>
+              <p:nextCondLst>
+                <p:cond evt="onNext" delay="0">
+                  <p:tgtEl>
+                    <p:sldTgt/>
+                  </p:tgtEl>
+                </p:cond>
+              </p:nextCondLst>
+            </p:seq>
+          </p:childTnLst>
+        </p:cTn>
+      </p:par>
+    </p:tnLst>
+    <p:bldLst>
+      <p:bldP spid="3" grpId="0" animBg="1"/>
+    </p:bldLst>
+  </p:timing>
+</p:sld>
+</file>
+
+<file path=ppt/slides/slide45.xml><?xml version="1.0" encoding="utf-8"?>
+<p:sld xmlns:a="http://schemas.openxmlformats.org/drawingml/2006/main" xmlns:r="http://schemas.openxmlformats.org/officeDocument/2006/relationships" xmlns:p="http://schemas.openxmlformats.org/presentationml/2006/main">
+  <p:cSld>
+    <p:bg>
+      <p:bgPr>
+        <a:gradFill>
+          <a:gsLst>
+            <a:gs pos="0">
+              <a:schemeClr val="bg1"/>
+            </a:gs>
+            <a:gs pos="50000">
+              <a:schemeClr val="accent1">
+                <a:tint val="44500"/>
+                <a:satMod val="160000"/>
+              </a:schemeClr>
+            </a:gs>
+            <a:gs pos="100000">
+              <a:schemeClr val="accent1">
+                <a:tint val="23500"/>
+                <a:satMod val="160000"/>
+              </a:schemeClr>
+            </a:gs>
+          </a:gsLst>
+          <a:lin ang="2700000" scaled="1"/>
+        </a:gradFill>
+        <a:effectLst/>
+      </p:bgPr>
+    </p:bg>
+    <p:spTree>
+      <p:nvGrpSpPr>
+        <p:cNvPr id="1" name=""/>
+        <p:cNvGrpSpPr/>
+        <p:nvPr/>
+      </p:nvGrpSpPr>
+      <p:grpSpPr>
+        <a:xfrm>
+          <a:off x="0" y="0"/>
+          <a:ext cx="0" cy="0"/>
+          <a:chOff x="0" y="0"/>
+          <a:chExt cx="0" cy="0"/>
+        </a:xfrm>
+      </p:grpSpPr>
+      <p:sp>
+        <p:nvSpPr>
+          <p:cNvPr id="7" name="矩形 6">
+            <a:extLst>
+              <a:ext uri="{FF2B5EF4-FFF2-40B4-BE49-F238E27FC236}">
+                <a16:creationId xmlns:a16="http://schemas.microsoft.com/office/drawing/2014/main" id="{BFC91392-3C61-7CA4-1B7D-FA0B2AC6BEAA}"/>
+              </a:ext>
+            </a:extLst>
+          </p:cNvPr>
+          <p:cNvSpPr/>
+          <p:nvPr/>
+        </p:nvSpPr>
+        <p:spPr>
+          <a:xfrm>
+            <a:off x="8455231" y="0"/>
+            <a:ext cx="3736770" cy="6391276"/>
+          </a:xfrm>
+          <a:prstGeom prst="rect">
+            <a:avLst/>
+          </a:prstGeom>
+          <a:solidFill>
+            <a:schemeClr val="bg1"/>
+          </a:solidFill>
+          <a:ln>
+            <a:noFill/>
+          </a:ln>
+          <a:effectLst>
+            <a:outerShdw blurRad="63500" sx="102000" sy="102000" algn="ctr" rotWithShape="0">
+              <a:prstClr val="black">
+                <a:alpha val="40000"/>
+              </a:prstClr>
+            </a:outerShdw>
+          </a:effectLst>
+        </p:spPr>
+        <p:style>
+          <a:lnRef idx="2">
+            <a:schemeClr val="accent1">
+              <a:shade val="15000"/>
+            </a:schemeClr>
+          </a:lnRef>
+          <a:fillRef idx="1">
+            <a:schemeClr val="accent1"/>
+          </a:fillRef>
+          <a:effectRef idx="0">
+            <a:schemeClr val="accent1"/>
+          </a:effectRef>
+          <a:fontRef idx="minor">
+            <a:schemeClr val="lt1"/>
+          </a:fontRef>
+        </p:style>
+        <p:txBody>
+          <a:bodyPr rtlCol="0" anchor="ctr"/>
+          <a:lstStyle/>
+          <a:p>
+            <a:pPr algn="ctr"/>
+            <a:br>
+              <a:rPr lang="zh-CN" altLang="en-US" dirty="0"/>
+            </a:br>
+            <a:endParaRPr lang="zh-CN" altLang="en-US" dirty="0"/>
+          </a:p>
+        </p:txBody>
+      </p:sp>
+      <p:pic>
+        <p:nvPicPr>
+          <p:cNvPr id="2" name="Picture 2" descr="Logo Windows 11 – Logos PNG">
+            <a:extLst>
+              <a:ext uri="{FF2B5EF4-FFF2-40B4-BE49-F238E27FC236}">
+                <a16:creationId xmlns:a16="http://schemas.microsoft.com/office/drawing/2014/main" id="{38A59586-2595-9E66-FEBE-66D47C3EF4CF}"/>
+              </a:ext>
+            </a:extLst>
+          </p:cNvPr>
+          <p:cNvPicPr>
+            <a:picLocks noChangeAspect="1" noChangeArrowheads="1"/>
+          </p:cNvPicPr>
+          <p:nvPr/>
+        </p:nvPicPr>
+        <p:blipFill>
+          <a:blip r:embed="rId2">
+            <a:extLst>
+              <a:ext uri="{28A0092B-C50C-407E-A947-70E740481C1C}">
+                <a14:useLocalDpi xmlns:a14="http://schemas.microsoft.com/office/drawing/2010/main" val="0"/>
+              </a:ext>
+            </a:extLst>
+          </a:blip>
+          <a:srcRect/>
+          <a:stretch>
+            <a:fillRect/>
+          </a:stretch>
+        </p:blipFill>
+        <p:spPr bwMode="auto">
+          <a:xfrm flipV="1">
+            <a:off x="95250" y="6391276"/>
+            <a:ext cx="348698" cy="348698"/>
+          </a:xfrm>
+          <a:prstGeom prst="rect">
+            <a:avLst/>
+          </a:prstGeom>
+          <a:noFill/>
+          <a:extLst>
+            <a:ext uri="{909E8E84-426E-40DD-AFC4-6F175D3DCCD1}">
+              <a14:hiddenFill xmlns:a14="http://schemas.microsoft.com/office/drawing/2010/main">
+                <a:solidFill>
+                  <a:srgbClr val="FFFFFF"/>
+                </a:solidFill>
+              </a14:hiddenFill>
+            </a:ext>
+          </a:extLst>
+        </p:spPr>
+      </p:pic>
+      <p:sp>
+        <p:nvSpPr>
+          <p:cNvPr id="5" name="矩形: 圆角 4">
+            <a:extLst>
+              <a:ext uri="{FF2B5EF4-FFF2-40B4-BE49-F238E27FC236}">
+                <a16:creationId xmlns:a16="http://schemas.microsoft.com/office/drawing/2014/main" id="{F0E653BC-0EF8-517D-2CF0-006D12BC69A4}"/>
+              </a:ext>
+            </a:extLst>
+          </p:cNvPr>
+          <p:cNvSpPr/>
+          <p:nvPr/>
+        </p:nvSpPr>
+        <p:spPr>
+          <a:xfrm>
+            <a:off x="558140" y="6391276"/>
+            <a:ext cx="2743200" cy="348698"/>
+          </a:xfrm>
+          <a:prstGeom prst="roundRect">
+            <a:avLst/>
+          </a:prstGeom>
+          <a:solidFill>
+            <a:schemeClr val="bg1"/>
+          </a:solidFill>
+          <a:ln>
+            <a:noFill/>
+          </a:ln>
+        </p:spPr>
+        <p:style>
+          <a:lnRef idx="2">
+            <a:schemeClr val="accent1">
+              <a:shade val="15000"/>
+            </a:schemeClr>
+          </a:lnRef>
+          <a:fillRef idx="1">
+            <a:schemeClr val="accent1"/>
+          </a:fillRef>
+          <a:effectRef idx="0">
+            <a:schemeClr val="accent1"/>
+          </a:effectRef>
+          <a:fontRef idx="minor">
+            <a:schemeClr val="lt1"/>
+          </a:fontRef>
+        </p:style>
+        <p:txBody>
+          <a:bodyPr rtlCol="0" anchor="ctr"/>
+          <a:lstStyle/>
+          <a:p>
+            <a:pPr algn="ctr"/>
+            <a:endParaRPr lang="zh-CN" altLang="en-US"/>
+          </a:p>
+        </p:txBody>
+      </p:sp>
+      <p:sp>
+        <p:nvSpPr>
+          <p:cNvPr id="6" name="文本框 5">
+            <a:extLst>
+              <a:ext uri="{FF2B5EF4-FFF2-40B4-BE49-F238E27FC236}">
+                <a16:creationId xmlns:a16="http://schemas.microsoft.com/office/drawing/2014/main" id="{820536A4-56EA-0B85-9D1A-32FDE5FF57F7}"/>
+              </a:ext>
+            </a:extLst>
+          </p:cNvPr>
+          <p:cNvSpPr txBox="1"/>
+          <p:nvPr/>
+        </p:nvSpPr>
+        <p:spPr>
+          <a:xfrm>
+            <a:off x="777298" y="6411736"/>
+            <a:ext cx="1472541" cy="307777"/>
+          </a:xfrm>
+          <a:prstGeom prst="rect">
+            <a:avLst/>
+          </a:prstGeom>
+          <a:noFill/>
+        </p:spPr>
+        <p:txBody>
+          <a:bodyPr wrap="square" rtlCol="0">
+            <a:spAutoFit/>
+          </a:bodyPr>
+          <a:lstStyle/>
+          <a:p>
+            <a:r>
+              <a:rPr lang="zh-CN" altLang="en-US" sz="1400" dirty="0">
+                <a:solidFill>
+                  <a:srgbClr val="666666"/>
+                </a:solidFill>
+                <a:latin typeface="Microsoft YaHei UI" panose="020B0503020204020204" pitchFamily="34" charset="-122"/>
+                <a:ea typeface="Microsoft YaHei UI" panose="020B0503020204020204" pitchFamily="34" charset="-122"/>
+              </a:rPr>
+              <a:t>搜索文件、</a:t>
+            </a:r>
+            <a:r>
+              <a:rPr lang="en-US" altLang="zh-CN" sz="1400" dirty="0">
+                <a:solidFill>
+                  <a:srgbClr val="666666"/>
+                </a:solidFill>
+                <a:latin typeface="Microsoft YaHei UI" panose="020B0503020204020204" pitchFamily="34" charset="-122"/>
+                <a:ea typeface="Microsoft YaHei UI" panose="020B0503020204020204" pitchFamily="34" charset="-122"/>
+              </a:rPr>
+              <a:t>Web</a:t>
+            </a:r>
+            <a:endParaRPr lang="zh-CN" altLang="en-US" sz="1400" dirty="0">
+              <a:solidFill>
+                <a:srgbClr val="666666"/>
+              </a:solidFill>
+              <a:latin typeface="Microsoft YaHei UI" panose="020B0503020204020204" pitchFamily="34" charset="-122"/>
+              <a:ea typeface="Microsoft YaHei UI" panose="020B0503020204020204" pitchFamily="34" charset="-122"/>
+            </a:endParaRPr>
+          </a:p>
+        </p:txBody>
+      </p:sp>
+      <p:pic>
+        <p:nvPicPr>
+          <p:cNvPr id="8" name="图形 7" descr="放大镜 纯色填充">
+            <a:extLst>
+              <a:ext uri="{FF2B5EF4-FFF2-40B4-BE49-F238E27FC236}">
+                <a16:creationId xmlns:a16="http://schemas.microsoft.com/office/drawing/2014/main" id="{27CAEB28-542C-B705-AD2B-EF680C7413E2}"/>
+              </a:ext>
+            </a:extLst>
+          </p:cNvPr>
+          <p:cNvPicPr>
+            <a:picLocks noChangeAspect="1"/>
+          </p:cNvPicPr>
+          <p:nvPr/>
+        </p:nvPicPr>
+        <p:blipFill>
+          <a:blip r:embed="rId3">
+            <a:extLst>
+              <a:ext uri="{28A0092B-C50C-407E-A947-70E740481C1C}">
+                <a14:useLocalDpi xmlns:a14="http://schemas.microsoft.com/office/drawing/2010/main" val="0"/>
+              </a:ext>
+              <a:ext uri="{96DAC541-7B7A-43D3-8B79-37D633B846F1}">
+                <asvg:svgBlip xmlns:asvg="http://schemas.microsoft.com/office/drawing/2016/SVG/main" r:embed="rId4"/>
+              </a:ext>
+            </a:extLst>
+          </a:blip>
+          <a:stretch>
+            <a:fillRect/>
+          </a:stretch>
+        </p:blipFill>
+        <p:spPr>
+          <a:xfrm rot="5400000">
+            <a:off x="620330" y="6450919"/>
+            <a:ext cx="229412" cy="229412"/>
+          </a:xfrm>
+          <a:prstGeom prst="rect">
+            <a:avLst/>
+          </a:prstGeom>
+        </p:spPr>
+      </p:pic>
+      <p:pic>
+        <p:nvPicPr>
+          <p:cNvPr id="10" name="图片 9">
+            <a:hlinkClick r:id="rId5" action="ppaction://hlinksldjump"/>
+            <a:extLst>
+              <a:ext uri="{FF2B5EF4-FFF2-40B4-BE49-F238E27FC236}">
+                <a16:creationId xmlns:a16="http://schemas.microsoft.com/office/drawing/2014/main" id="{E0BBC87A-FC7D-8917-A2F0-5EBEA5F95A53}"/>
+              </a:ext>
+            </a:extLst>
+          </p:cNvPr>
+          <p:cNvPicPr>
+            <a:picLocks noChangeAspect="1"/>
+          </p:cNvPicPr>
+          <p:nvPr/>
+        </p:nvPicPr>
+        <p:blipFill>
+          <a:blip r:embed="rId6">
+            <a:extLst>
+              <a:ext uri="{28A0092B-C50C-407E-A947-70E740481C1C}">
+                <a14:useLocalDpi xmlns:a14="http://schemas.microsoft.com/office/drawing/2010/main" val="0"/>
+              </a:ext>
+            </a:extLst>
+          </a:blip>
+          <a:stretch>
+            <a:fillRect/>
+          </a:stretch>
+        </p:blipFill>
+        <p:spPr>
+          <a:xfrm>
+            <a:off x="3383677" y="6411736"/>
+            <a:ext cx="348698" cy="348698"/>
+          </a:xfrm>
+          <a:prstGeom prst="rect">
+            <a:avLst/>
+          </a:prstGeom>
+        </p:spPr>
+      </p:pic>
+      <p:sp>
+        <p:nvSpPr>
+          <p:cNvPr id="3" name="矩形: 圆角 2">
+            <a:extLst>
+              <a:ext uri="{FF2B5EF4-FFF2-40B4-BE49-F238E27FC236}">
+                <a16:creationId xmlns:a16="http://schemas.microsoft.com/office/drawing/2014/main" id="{E7C17C10-42A5-E470-ABBD-5C4642C13466}"/>
+              </a:ext>
+            </a:extLst>
+          </p:cNvPr>
+          <p:cNvSpPr/>
+          <p:nvPr/>
+        </p:nvSpPr>
+        <p:spPr>
+          <a:xfrm>
+            <a:off x="3383677" y="6780676"/>
+            <a:ext cx="348698" cy="45719"/>
+          </a:xfrm>
+          <a:prstGeom prst="roundRect">
+            <a:avLst/>
+          </a:prstGeom>
+          <a:solidFill>
+            <a:srgbClr val="0070C0"/>
+          </a:solidFill>
+          <a:ln>
+            <a:noFill/>
+          </a:ln>
+        </p:spPr>
+        <p:style>
+          <a:lnRef idx="2">
+            <a:schemeClr val="accent1">
+              <a:shade val="15000"/>
+            </a:schemeClr>
+          </a:lnRef>
+          <a:fillRef idx="1">
+            <a:schemeClr val="accent1"/>
+          </a:fillRef>
+          <a:effectRef idx="0">
+            <a:schemeClr val="accent1"/>
+          </a:effectRef>
+          <a:fontRef idx="minor">
+            <a:schemeClr val="lt1"/>
+          </a:fontRef>
+        </p:style>
+        <p:txBody>
+          <a:bodyPr rtlCol="0" anchor="ctr"/>
+          <a:lstStyle/>
+          <a:p>
+            <a:pPr algn="ctr"/>
+            <a:endParaRPr lang="zh-CN" altLang="en-US"/>
+          </a:p>
+        </p:txBody>
+      </p:sp>
+      <p:pic>
+        <p:nvPicPr>
+          <p:cNvPr id="11" name="图片 10">
+            <a:extLst>
+              <a:ext uri="{FF2B5EF4-FFF2-40B4-BE49-F238E27FC236}">
+                <a16:creationId xmlns:a16="http://schemas.microsoft.com/office/drawing/2014/main" id="{272EC56A-ED73-FFD3-FBF2-A4EC89EF40D2}"/>
+              </a:ext>
+            </a:extLst>
+          </p:cNvPr>
+          <p:cNvPicPr>
+            <a:picLocks noChangeAspect="1"/>
+          </p:cNvPicPr>
+          <p:nvPr/>
+        </p:nvPicPr>
+        <p:blipFill>
+          <a:blip r:embed="rId6">
+            <a:extLst>
+              <a:ext uri="{28A0092B-C50C-407E-A947-70E740481C1C}">
+                <a14:useLocalDpi xmlns:a14="http://schemas.microsoft.com/office/drawing/2010/main" val="0"/>
+              </a:ext>
+            </a:extLst>
+          </a:blip>
+          <a:stretch>
+            <a:fillRect/>
+          </a:stretch>
+        </p:blipFill>
+        <p:spPr>
+          <a:xfrm>
+            <a:off x="9047019" y="192537"/>
+            <a:ext cx="685800" cy="685800"/>
+          </a:xfrm>
+          <a:prstGeom prst="rect">
+            <a:avLst/>
+          </a:prstGeom>
+        </p:spPr>
+      </p:pic>
+      <p:sp>
+        <p:nvSpPr>
+          <p:cNvPr id="13" name="文本框 12">
+            <a:extLst>
+              <a:ext uri="{FF2B5EF4-FFF2-40B4-BE49-F238E27FC236}">
+                <a16:creationId xmlns:a16="http://schemas.microsoft.com/office/drawing/2014/main" id="{D83118F2-E9E8-1010-D925-EA986C1D2394}"/>
+              </a:ext>
+            </a:extLst>
+          </p:cNvPr>
+          <p:cNvSpPr txBox="1"/>
+          <p:nvPr/>
+        </p:nvSpPr>
+        <p:spPr>
+          <a:xfrm>
+            <a:off x="9712038" y="212271"/>
+            <a:ext cx="6097978" cy="646331"/>
+          </a:xfrm>
+          <a:prstGeom prst="rect">
+            <a:avLst/>
+          </a:prstGeom>
+          <a:noFill/>
+        </p:spPr>
+        <p:txBody>
+          <a:bodyPr wrap="square">
+            <a:spAutoFit/>
+          </a:bodyPr>
+          <a:lstStyle/>
+          <a:p>
+            <a:r>
+              <a:rPr lang="en-US" altLang="zh-CN" sz="3600" b="1" i="0" dirty="0">
+                <a:solidFill>
+                  <a:srgbClr val="111111"/>
+                </a:solidFill>
+                <a:effectLst/>
+                <a:latin typeface="Microsoft YaHei UI" panose="020B0503020204020204" pitchFamily="34" charset="-122"/>
+                <a:ea typeface="Microsoft YaHei UI" panose="020B0503020204020204" pitchFamily="34" charset="-122"/>
+              </a:rPr>
+              <a:t>Copilot</a:t>
+            </a:r>
+            <a:endParaRPr lang="zh-CN" altLang="en-US" sz="3600" dirty="0">
+              <a:latin typeface="Microsoft YaHei UI" panose="020B0503020204020204" pitchFamily="34" charset="-122"/>
+              <a:ea typeface="Microsoft YaHei UI" panose="020B0503020204020204" pitchFamily="34" charset="-122"/>
+            </a:endParaRPr>
+          </a:p>
+        </p:txBody>
+      </p:sp>
+      <p:sp>
+        <p:nvSpPr>
+          <p:cNvPr id="15" name="文本框 14">
+            <a:extLst>
+              <a:ext uri="{FF2B5EF4-FFF2-40B4-BE49-F238E27FC236}">
+                <a16:creationId xmlns:a16="http://schemas.microsoft.com/office/drawing/2014/main" id="{5F85A465-81D9-747A-6F20-B42E06B8BCD9}"/>
+              </a:ext>
+            </a:extLst>
+          </p:cNvPr>
+          <p:cNvSpPr txBox="1"/>
+          <p:nvPr/>
+        </p:nvSpPr>
+        <p:spPr>
+          <a:xfrm>
+            <a:off x="9306791" y="898071"/>
+            <a:ext cx="2033649" cy="369332"/>
+          </a:xfrm>
+          <a:prstGeom prst="rect">
+            <a:avLst/>
+          </a:prstGeom>
+          <a:noFill/>
+        </p:spPr>
+        <p:txBody>
+          <a:bodyPr wrap="square">
+            <a:spAutoFit/>
+          </a:bodyPr>
+          <a:lstStyle/>
+          <a:p>
+            <a:r>
+              <a:rPr lang="zh-CN" altLang="it-IT" b="0" i="0" dirty="0">
+                <a:solidFill>
+                  <a:srgbClr val="111111"/>
+                </a:solidFill>
+                <a:effectLst/>
+                <a:latin typeface="Microsoft YaHei UI" panose="020B0503020204020204" pitchFamily="34" charset="-122"/>
+                <a:ea typeface="Microsoft YaHei UI" panose="020B0503020204020204" pitchFamily="34" charset="-122"/>
+              </a:rPr>
+              <a:t>你的日常 </a:t>
+            </a:r>
+            <a:r>
+              <a:rPr lang="it-IT" altLang="zh-CN" b="0" i="0" dirty="0">
+                <a:solidFill>
+                  <a:srgbClr val="111111"/>
+                </a:solidFill>
+                <a:effectLst/>
+                <a:latin typeface="Microsoft YaHei UI" panose="020B0503020204020204" pitchFamily="34" charset="-122"/>
+                <a:ea typeface="Microsoft YaHei UI" panose="020B0503020204020204" pitchFamily="34" charset="-122"/>
+              </a:rPr>
+              <a:t>AI </a:t>
+            </a:r>
+            <a:r>
+              <a:rPr lang="zh-CN" altLang="it-IT" b="0" i="0" dirty="0">
+                <a:solidFill>
+                  <a:srgbClr val="111111"/>
+                </a:solidFill>
+                <a:effectLst/>
+                <a:latin typeface="Microsoft YaHei UI" panose="020B0503020204020204" pitchFamily="34" charset="-122"/>
+                <a:ea typeface="Microsoft YaHei UI" panose="020B0503020204020204" pitchFamily="34" charset="-122"/>
+              </a:rPr>
+              <a:t>助手</a:t>
+            </a:r>
+            <a:endParaRPr lang="zh-CN" altLang="en-US" dirty="0">
+              <a:latin typeface="Microsoft YaHei UI" panose="020B0503020204020204" pitchFamily="34" charset="-122"/>
+              <a:ea typeface="Microsoft YaHei UI" panose="020B0503020204020204" pitchFamily="34" charset="-122"/>
+            </a:endParaRPr>
+          </a:p>
+        </p:txBody>
+      </p:sp>
+      <p:sp>
+        <p:nvSpPr>
+          <p:cNvPr id="17" name="文本框 16">
+            <a:extLst>
+              <a:ext uri="{FF2B5EF4-FFF2-40B4-BE49-F238E27FC236}">
+                <a16:creationId xmlns:a16="http://schemas.microsoft.com/office/drawing/2014/main" id="{17FF7DB0-3346-6269-D4C3-67D271597348}"/>
+              </a:ext>
+            </a:extLst>
+          </p:cNvPr>
+          <p:cNvSpPr txBox="1"/>
+          <p:nvPr/>
+        </p:nvSpPr>
+        <p:spPr>
+          <a:xfrm>
+            <a:off x="8455231" y="1656007"/>
+            <a:ext cx="3060865" cy="276999"/>
+          </a:xfrm>
+          <a:prstGeom prst="rect">
+            <a:avLst/>
+          </a:prstGeom>
+          <a:noFill/>
+        </p:spPr>
+        <p:txBody>
+          <a:bodyPr wrap="square">
+            <a:spAutoFit/>
+          </a:bodyPr>
+          <a:lstStyle/>
+          <a:p>
+            <a:r>
+              <a:rPr lang="en-US" altLang="zh-CN" sz="1200" b="0" i="0" dirty="0">
+                <a:solidFill>
+                  <a:srgbClr val="111111"/>
+                </a:solidFill>
+                <a:effectLst/>
+                <a:latin typeface="Microsoft YaHei UI" panose="020B0503020204020204" pitchFamily="34" charset="-122"/>
+                <a:ea typeface="Microsoft YaHei UI" panose="020B0503020204020204" pitchFamily="34" charset="-122"/>
+              </a:rPr>
+              <a:t>Copilot </a:t>
+            </a:r>
+            <a:r>
+              <a:rPr lang="zh-CN" altLang="en-US" sz="1200" b="0" i="0" dirty="0">
+                <a:solidFill>
+                  <a:srgbClr val="111111"/>
+                </a:solidFill>
+                <a:effectLst/>
+                <a:latin typeface="Microsoft YaHei UI" panose="020B0503020204020204" pitchFamily="34" charset="-122"/>
+                <a:ea typeface="Microsoft YaHei UI" panose="020B0503020204020204" pitchFamily="34" charset="-122"/>
+              </a:rPr>
+              <a:t>使用 </a:t>
+            </a:r>
+            <a:r>
+              <a:rPr lang="en-US" altLang="zh-CN" sz="1200" b="0" i="0" dirty="0">
+                <a:solidFill>
+                  <a:srgbClr val="111111"/>
+                </a:solidFill>
+                <a:effectLst/>
+                <a:latin typeface="Microsoft YaHei UI" panose="020B0503020204020204" pitchFamily="34" charset="-122"/>
+                <a:ea typeface="Microsoft YaHei UI" panose="020B0503020204020204" pitchFamily="34" charset="-122"/>
+              </a:rPr>
+              <a:t>AI</a:t>
+            </a:r>
+            <a:r>
+              <a:rPr lang="zh-CN" altLang="en-US" sz="1200" b="0" i="0" dirty="0">
+                <a:solidFill>
+                  <a:srgbClr val="111111"/>
+                </a:solidFill>
+                <a:effectLst/>
+                <a:latin typeface="Microsoft YaHei UI" panose="020B0503020204020204" pitchFamily="34" charset="-122"/>
+                <a:ea typeface="Microsoft YaHei UI" panose="020B0503020204020204" pitchFamily="34" charset="-122"/>
+              </a:rPr>
+              <a:t>。检查错误。</a:t>
+            </a:r>
+            <a:endParaRPr lang="zh-CN" altLang="en-US" sz="1200" dirty="0">
+              <a:latin typeface="Microsoft YaHei UI" panose="020B0503020204020204" pitchFamily="34" charset="-122"/>
+              <a:ea typeface="Microsoft YaHei UI" panose="020B0503020204020204" pitchFamily="34" charset="-122"/>
+            </a:endParaRPr>
+          </a:p>
+        </p:txBody>
+      </p:sp>
+      <p:sp>
+        <p:nvSpPr>
+          <p:cNvPr id="18" name="文本框 17">
+            <a:hlinkClick r:id="rId7"/>
+            <a:extLst>
+              <a:ext uri="{FF2B5EF4-FFF2-40B4-BE49-F238E27FC236}">
+                <a16:creationId xmlns:a16="http://schemas.microsoft.com/office/drawing/2014/main" id="{3E550EA5-DBF9-D46A-A55A-576CB7EAF3E8}"/>
+              </a:ext>
+            </a:extLst>
+          </p:cNvPr>
+          <p:cNvSpPr txBox="1"/>
+          <p:nvPr/>
+        </p:nvSpPr>
+        <p:spPr>
+          <a:xfrm>
+            <a:off x="10406992" y="1656007"/>
+            <a:ext cx="510639" cy="276999"/>
+          </a:xfrm>
+          <a:prstGeom prst="rect">
+            <a:avLst/>
+          </a:prstGeom>
+          <a:noFill/>
+        </p:spPr>
+        <p:txBody>
+          <a:bodyPr wrap="square" rtlCol="0">
+            <a:spAutoFit/>
+          </a:bodyPr>
+          <a:lstStyle/>
+          <a:p>
+            <a:r>
+              <a:rPr lang="zh-CN" altLang="en-US" sz="1200" dirty="0">
+                <a:solidFill>
+                  <a:srgbClr val="0070C0"/>
+                </a:solidFill>
+                <a:latin typeface="Microsoft YaHei UI" panose="020B0503020204020204" pitchFamily="34" charset="-122"/>
+                <a:ea typeface="Microsoft YaHei UI" panose="020B0503020204020204" pitchFamily="34" charset="-122"/>
+              </a:rPr>
+              <a:t>条款</a:t>
+            </a:r>
+          </a:p>
+        </p:txBody>
+      </p:sp>
+      <p:sp>
+        <p:nvSpPr>
+          <p:cNvPr id="21" name="文本框 20">
+            <a:hlinkClick r:id="rId8"/>
+            <a:extLst>
+              <a:ext uri="{FF2B5EF4-FFF2-40B4-BE49-F238E27FC236}">
+                <a16:creationId xmlns:a16="http://schemas.microsoft.com/office/drawing/2014/main" id="{DB65BB74-7020-6D89-C475-37A1D829EC5A}"/>
+              </a:ext>
+            </a:extLst>
+          </p:cNvPr>
+          <p:cNvSpPr txBox="1"/>
+          <p:nvPr/>
+        </p:nvSpPr>
+        <p:spPr>
+          <a:xfrm>
+            <a:off x="10767952" y="1656007"/>
+            <a:ext cx="510639" cy="276999"/>
+          </a:xfrm>
+          <a:prstGeom prst="rect">
+            <a:avLst/>
+          </a:prstGeom>
+          <a:noFill/>
+        </p:spPr>
+        <p:txBody>
+          <a:bodyPr wrap="square" rtlCol="0">
+            <a:spAutoFit/>
+          </a:bodyPr>
+          <a:lstStyle/>
+          <a:p>
+            <a:r>
+              <a:rPr lang="zh-CN" altLang="en-US" sz="1200" dirty="0">
+                <a:solidFill>
+                  <a:srgbClr val="0070C0"/>
+                </a:solidFill>
+                <a:latin typeface="Microsoft YaHei UI" panose="020B0503020204020204" pitchFamily="34" charset="-122"/>
+                <a:ea typeface="Microsoft YaHei UI" panose="020B0503020204020204" pitchFamily="34" charset="-122"/>
+              </a:rPr>
+              <a:t>隐私</a:t>
+            </a:r>
+          </a:p>
+        </p:txBody>
+      </p:sp>
+      <p:sp>
+        <p:nvSpPr>
+          <p:cNvPr id="22" name="文本框 21">
+            <a:hlinkClick r:id="rId9"/>
+            <a:extLst>
+              <a:ext uri="{FF2B5EF4-FFF2-40B4-BE49-F238E27FC236}">
+                <a16:creationId xmlns:a16="http://schemas.microsoft.com/office/drawing/2014/main" id="{798E4931-8C3E-38C0-84B0-652D1F98E020}"/>
+              </a:ext>
+            </a:extLst>
+          </p:cNvPr>
+          <p:cNvSpPr txBox="1"/>
+          <p:nvPr/>
+        </p:nvSpPr>
+        <p:spPr>
+          <a:xfrm>
+            <a:off x="11128911" y="1656007"/>
+            <a:ext cx="1149433" cy="276999"/>
+          </a:xfrm>
+          <a:prstGeom prst="rect">
+            <a:avLst/>
+          </a:prstGeom>
+          <a:noFill/>
+        </p:spPr>
+        <p:txBody>
+          <a:bodyPr wrap="square" rtlCol="0">
+            <a:spAutoFit/>
+          </a:bodyPr>
+          <a:lstStyle/>
+          <a:p>
+            <a:r>
+              <a:rPr lang="zh-CN" altLang="en-US" sz="1200" dirty="0">
+                <a:solidFill>
+                  <a:srgbClr val="0070C0"/>
+                </a:solidFill>
+                <a:latin typeface="Microsoft YaHei UI" panose="020B0503020204020204" pitchFamily="34" charset="-122"/>
+                <a:ea typeface="Microsoft YaHei UI" panose="020B0503020204020204" pitchFamily="34" charset="-122"/>
+              </a:rPr>
+              <a:t>常见问题解答</a:t>
+            </a:r>
+          </a:p>
+        </p:txBody>
+      </p:sp>
+      <p:sp>
+        <p:nvSpPr>
+          <p:cNvPr id="36" name="矩形: 圆角 35">
+            <a:extLst>
+              <a:ext uri="{FF2B5EF4-FFF2-40B4-BE49-F238E27FC236}">
+                <a16:creationId xmlns:a16="http://schemas.microsoft.com/office/drawing/2014/main" id="{06EEE99D-5D6D-4168-5B80-55A57B4E0FB0}"/>
+              </a:ext>
+            </a:extLst>
+          </p:cNvPr>
+          <p:cNvSpPr/>
+          <p:nvPr/>
+        </p:nvSpPr>
+        <p:spPr>
+          <a:xfrm>
+            <a:off x="8368888" y="5696958"/>
+            <a:ext cx="3556243" cy="348699"/>
+          </a:xfrm>
+          <a:prstGeom prst="roundRect">
+            <a:avLst/>
+          </a:prstGeom>
+          <a:noFill/>
+          <a:ln>
+            <a:noFill/>
+          </a:ln>
+        </p:spPr>
+        <p:style>
+          <a:lnRef idx="2">
+            <a:schemeClr val="accent1">
+              <a:shade val="15000"/>
+            </a:schemeClr>
+          </a:lnRef>
+          <a:fillRef idx="1">
+            <a:schemeClr val="accent1"/>
+          </a:fillRef>
+          <a:effectRef idx="0">
+            <a:schemeClr val="accent1"/>
+          </a:effectRef>
+          <a:fontRef idx="minor">
+            <a:schemeClr val="lt1"/>
+          </a:fontRef>
+        </p:style>
+        <p:txBody>
+          <a:bodyPr rtlCol="0" anchor="ctr"/>
+          <a:lstStyle/>
+          <a:p>
+            <a:pPr algn="ctr"/>
+            <a:endParaRPr lang="zh-CN" altLang="en-US" sz="1400">
+              <a:solidFill>
+                <a:schemeClr val="bg1"/>
+              </a:solidFill>
+            </a:endParaRPr>
+          </a:p>
+        </p:txBody>
+      </p:sp>
+      <p:sp>
+        <p:nvSpPr>
+          <p:cNvPr id="9" name="矩形 8">
+            <a:extLst>
+              <a:ext uri="{FF2B5EF4-FFF2-40B4-BE49-F238E27FC236}">
+                <a16:creationId xmlns:a16="http://schemas.microsoft.com/office/drawing/2014/main" id="{5E87BC05-9CC9-112E-3B10-6C9E29C022D9}"/>
+              </a:ext>
+            </a:extLst>
+          </p:cNvPr>
+          <p:cNvSpPr/>
+          <p:nvPr/>
+        </p:nvSpPr>
+        <p:spPr>
+          <a:xfrm>
+            <a:off x="9463149" y="3499167"/>
+            <a:ext cx="865566" cy="45719"/>
+          </a:xfrm>
+          <a:prstGeom prst="rect">
+            <a:avLst/>
+          </a:prstGeom>
+          <a:solidFill>
+            <a:srgbClr val="0070C0"/>
+          </a:solidFill>
+          <a:ln>
+            <a:noFill/>
+          </a:ln>
+        </p:spPr>
+        <p:style>
+          <a:lnRef idx="2">
+            <a:schemeClr val="accent1">
+              <a:shade val="15000"/>
+            </a:schemeClr>
+          </a:lnRef>
+          <a:fillRef idx="1">
+            <a:schemeClr val="accent1"/>
+          </a:fillRef>
+          <a:effectRef idx="0">
+            <a:schemeClr val="accent1"/>
+          </a:effectRef>
+          <a:fontRef idx="minor">
+            <a:schemeClr val="lt1"/>
+          </a:fontRef>
+        </p:style>
+        <p:txBody>
+          <a:bodyPr rtlCol="0" anchor="ctr"/>
+          <a:lstStyle/>
+          <a:p>
+            <a:pPr algn="ctr"/>
+            <a:endParaRPr lang="zh-CN" altLang="en-US"/>
+          </a:p>
+        </p:txBody>
+      </p:sp>
+      <p:sp>
+        <p:nvSpPr>
+          <p:cNvPr id="4" name="文本框 3">
+            <a:extLst>
+              <a:ext uri="{FF2B5EF4-FFF2-40B4-BE49-F238E27FC236}">
+                <a16:creationId xmlns:a16="http://schemas.microsoft.com/office/drawing/2014/main" id="{2269976A-A485-C94E-4E0A-52BE66A9A6CF}"/>
+              </a:ext>
+            </a:extLst>
+          </p:cNvPr>
+          <p:cNvSpPr txBox="1"/>
+          <p:nvPr/>
+        </p:nvSpPr>
+        <p:spPr>
+          <a:xfrm>
+            <a:off x="9752860" y="3050143"/>
+            <a:ext cx="1164771" cy="369332"/>
+          </a:xfrm>
+          <a:prstGeom prst="rect">
+            <a:avLst/>
+          </a:prstGeom>
+          <a:noFill/>
+        </p:spPr>
+        <p:txBody>
+          <a:bodyPr wrap="square" rtlCol="0">
+            <a:spAutoFit/>
+          </a:bodyPr>
+          <a:lstStyle/>
+          <a:p>
+            <a:r>
+              <a:rPr lang="zh-CN" altLang="en-US" dirty="0">
+                <a:latin typeface="Microsoft YaHei UI" panose="020B0503020204020204" pitchFamily="34" charset="-122"/>
+                <a:ea typeface="Microsoft YaHei UI" panose="020B0503020204020204" pitchFamily="34" charset="-122"/>
+              </a:rPr>
+              <a:t>正在加载</a:t>
+            </a:r>
+          </a:p>
+        </p:txBody>
+      </p:sp>
+    </p:spTree>
+    <p:extLst>
+      <p:ext uri="{BB962C8B-B14F-4D97-AF65-F5344CB8AC3E}">
+        <p14:creationId xmlns:p14="http://schemas.microsoft.com/office/powerpoint/2010/main" val="4029326180"/>
+      </p:ext>
+    </p:extLst>
+  </p:cSld>
+  <p:clrMapOvr>
+    <a:masterClrMapping/>
+  </p:clrMapOvr>
+  <mc:AlternateContent xmlns:mc="http://schemas.openxmlformats.org/markup-compatibility/2006">
+    <mc:Choice xmlns:p14="http://schemas.microsoft.com/office/powerpoint/2010/main" Requires="p14">
+      <p:transition spd="slow" p14:dur="2000" advClick="0" advTm="1000"/>
+    </mc:Choice>
+    <mc:Fallback>
+      <p:transition spd="slow" advClick="0" advTm="1000"/>
+    </mc:Fallback>
+  </mc:AlternateContent>
+</p:sld>
+</file>
+
+<file path=ppt/slides/slide46.xml><?xml version="1.0" encoding="utf-8"?>
+<p:sld xmlns:a="http://schemas.openxmlformats.org/drawingml/2006/main" xmlns:r="http://schemas.openxmlformats.org/officeDocument/2006/relationships" xmlns:p="http://schemas.openxmlformats.org/presentationml/2006/main">
+  <p:cSld>
+    <p:bg>
+      <p:bgPr>
+        <a:gradFill>
+          <a:gsLst>
+            <a:gs pos="0">
+              <a:schemeClr val="bg1"/>
+            </a:gs>
+            <a:gs pos="50000">
+              <a:schemeClr val="accent1">
+                <a:tint val="44500"/>
+                <a:satMod val="160000"/>
+              </a:schemeClr>
+            </a:gs>
+            <a:gs pos="100000">
+              <a:schemeClr val="accent1">
+                <a:tint val="23500"/>
+                <a:satMod val="160000"/>
+              </a:schemeClr>
+            </a:gs>
+          </a:gsLst>
+          <a:lin ang="2700000" scaled="1"/>
+        </a:gradFill>
+        <a:effectLst/>
+      </p:bgPr>
+    </p:bg>
+    <p:spTree>
+      <p:nvGrpSpPr>
+        <p:cNvPr id="1" name=""/>
+        <p:cNvGrpSpPr/>
+        <p:nvPr/>
+      </p:nvGrpSpPr>
+      <p:grpSpPr>
+        <a:xfrm>
+          <a:off x="0" y="0"/>
+          <a:ext cx="0" cy="0"/>
+          <a:chOff x="0" y="0"/>
+          <a:chExt cx="0" cy="0"/>
+        </a:xfrm>
+      </p:grpSpPr>
+      <p:sp>
+        <p:nvSpPr>
+          <p:cNvPr id="7" name="矩形 6">
+            <a:extLst>
+              <a:ext uri="{FF2B5EF4-FFF2-40B4-BE49-F238E27FC236}">
+                <a16:creationId xmlns:a16="http://schemas.microsoft.com/office/drawing/2014/main" id="{BFC91392-3C61-7CA4-1B7D-FA0B2AC6BEAA}"/>
+              </a:ext>
+            </a:extLst>
+          </p:cNvPr>
+          <p:cNvSpPr/>
+          <p:nvPr/>
+        </p:nvSpPr>
+        <p:spPr>
+          <a:xfrm>
+            <a:off x="8455231" y="0"/>
+            <a:ext cx="3736770" cy="6391276"/>
+          </a:xfrm>
+          <a:prstGeom prst="rect">
+            <a:avLst/>
+          </a:prstGeom>
+          <a:solidFill>
+            <a:schemeClr val="bg1"/>
+          </a:solidFill>
+          <a:ln>
+            <a:noFill/>
+          </a:ln>
+          <a:effectLst>
+            <a:outerShdw blurRad="63500" sx="102000" sy="102000" algn="ctr" rotWithShape="0">
+              <a:prstClr val="black">
+                <a:alpha val="40000"/>
+              </a:prstClr>
+            </a:outerShdw>
+          </a:effectLst>
+        </p:spPr>
+        <p:style>
+          <a:lnRef idx="2">
+            <a:schemeClr val="accent1">
+              <a:shade val="15000"/>
+            </a:schemeClr>
+          </a:lnRef>
+          <a:fillRef idx="1">
+            <a:schemeClr val="accent1"/>
+          </a:fillRef>
+          <a:effectRef idx="0">
+            <a:schemeClr val="accent1"/>
+          </a:effectRef>
+          <a:fontRef idx="minor">
+            <a:schemeClr val="lt1"/>
+          </a:fontRef>
+        </p:style>
+        <p:txBody>
+          <a:bodyPr rtlCol="0" anchor="ctr"/>
+          <a:lstStyle/>
+          <a:p>
+            <a:pPr algn="ctr"/>
+            <a:br>
+              <a:rPr lang="zh-CN" altLang="en-US" dirty="0"/>
+            </a:br>
+            <a:endParaRPr lang="zh-CN" altLang="en-US" dirty="0"/>
+          </a:p>
+        </p:txBody>
+      </p:sp>
+      <p:pic>
+        <p:nvPicPr>
+          <p:cNvPr id="2" name="Picture 2" descr="Logo Windows 11 – Logos PNG">
+            <a:extLst>
+              <a:ext uri="{FF2B5EF4-FFF2-40B4-BE49-F238E27FC236}">
+                <a16:creationId xmlns:a16="http://schemas.microsoft.com/office/drawing/2014/main" id="{38A59586-2595-9E66-FEBE-66D47C3EF4CF}"/>
+              </a:ext>
+            </a:extLst>
+          </p:cNvPr>
+          <p:cNvPicPr>
+            <a:picLocks noChangeAspect="1" noChangeArrowheads="1"/>
+          </p:cNvPicPr>
+          <p:nvPr/>
+        </p:nvPicPr>
+        <p:blipFill>
+          <a:blip r:embed="rId2">
+            <a:extLst>
+              <a:ext uri="{28A0092B-C50C-407E-A947-70E740481C1C}">
+                <a14:useLocalDpi xmlns:a14="http://schemas.microsoft.com/office/drawing/2010/main" val="0"/>
+              </a:ext>
+            </a:extLst>
+          </a:blip>
+          <a:srcRect/>
+          <a:stretch>
+            <a:fillRect/>
+          </a:stretch>
+        </p:blipFill>
+        <p:spPr bwMode="auto">
+          <a:xfrm flipV="1">
+            <a:off x="95250" y="6391276"/>
+            <a:ext cx="348698" cy="348698"/>
+          </a:xfrm>
+          <a:prstGeom prst="rect">
+            <a:avLst/>
+          </a:prstGeom>
+          <a:noFill/>
+          <a:extLst>
+            <a:ext uri="{909E8E84-426E-40DD-AFC4-6F175D3DCCD1}">
+              <a14:hiddenFill xmlns:a14="http://schemas.microsoft.com/office/drawing/2010/main">
+                <a:solidFill>
+                  <a:srgbClr val="FFFFFF"/>
+                </a:solidFill>
+              </a14:hiddenFill>
+            </a:ext>
+          </a:extLst>
+        </p:spPr>
+      </p:pic>
+      <p:sp>
+        <p:nvSpPr>
+          <p:cNvPr id="5" name="矩形: 圆角 4">
+            <a:extLst>
+              <a:ext uri="{FF2B5EF4-FFF2-40B4-BE49-F238E27FC236}">
+                <a16:creationId xmlns:a16="http://schemas.microsoft.com/office/drawing/2014/main" id="{F0E653BC-0EF8-517D-2CF0-006D12BC69A4}"/>
+              </a:ext>
+            </a:extLst>
+          </p:cNvPr>
+          <p:cNvSpPr/>
+          <p:nvPr/>
+        </p:nvSpPr>
+        <p:spPr>
+          <a:xfrm>
+            <a:off x="558140" y="6391276"/>
+            <a:ext cx="2743200" cy="348698"/>
+          </a:xfrm>
+          <a:prstGeom prst="roundRect">
+            <a:avLst/>
+          </a:prstGeom>
+          <a:solidFill>
+            <a:schemeClr val="bg1"/>
+          </a:solidFill>
+          <a:ln>
+            <a:noFill/>
+          </a:ln>
+        </p:spPr>
+        <p:style>
+          <a:lnRef idx="2">
+            <a:schemeClr val="accent1">
+              <a:shade val="15000"/>
+            </a:schemeClr>
+          </a:lnRef>
+          <a:fillRef idx="1">
+            <a:schemeClr val="accent1"/>
+          </a:fillRef>
+          <a:effectRef idx="0">
+            <a:schemeClr val="accent1"/>
+          </a:effectRef>
+          <a:fontRef idx="minor">
+            <a:schemeClr val="lt1"/>
+          </a:fontRef>
+        </p:style>
+        <p:txBody>
+          <a:bodyPr rtlCol="0" anchor="ctr"/>
+          <a:lstStyle/>
+          <a:p>
+            <a:pPr algn="ctr"/>
+            <a:endParaRPr lang="zh-CN" altLang="en-US"/>
+          </a:p>
+        </p:txBody>
+      </p:sp>
+      <p:sp>
+        <p:nvSpPr>
+          <p:cNvPr id="6" name="文本框 5">
+            <a:extLst>
+              <a:ext uri="{FF2B5EF4-FFF2-40B4-BE49-F238E27FC236}">
+                <a16:creationId xmlns:a16="http://schemas.microsoft.com/office/drawing/2014/main" id="{820536A4-56EA-0B85-9D1A-32FDE5FF57F7}"/>
+              </a:ext>
+            </a:extLst>
+          </p:cNvPr>
+          <p:cNvSpPr txBox="1"/>
+          <p:nvPr/>
+        </p:nvSpPr>
+        <p:spPr>
+          <a:xfrm>
+            <a:off x="777298" y="6411736"/>
+            <a:ext cx="1472541" cy="307777"/>
+          </a:xfrm>
+          <a:prstGeom prst="rect">
+            <a:avLst/>
+          </a:prstGeom>
+          <a:noFill/>
+        </p:spPr>
+        <p:txBody>
+          <a:bodyPr wrap="square" rtlCol="0">
+            <a:spAutoFit/>
+          </a:bodyPr>
+          <a:lstStyle/>
+          <a:p>
+            <a:r>
+              <a:rPr lang="zh-CN" altLang="en-US" sz="1400" dirty="0">
+                <a:solidFill>
+                  <a:srgbClr val="666666"/>
+                </a:solidFill>
+                <a:latin typeface="Microsoft YaHei UI" panose="020B0503020204020204" pitchFamily="34" charset="-122"/>
+                <a:ea typeface="Microsoft YaHei UI" panose="020B0503020204020204" pitchFamily="34" charset="-122"/>
+              </a:rPr>
+              <a:t>搜索文件、</a:t>
+            </a:r>
+            <a:r>
+              <a:rPr lang="en-US" altLang="zh-CN" sz="1400" dirty="0">
+                <a:solidFill>
+                  <a:srgbClr val="666666"/>
+                </a:solidFill>
+                <a:latin typeface="Microsoft YaHei UI" panose="020B0503020204020204" pitchFamily="34" charset="-122"/>
+                <a:ea typeface="Microsoft YaHei UI" panose="020B0503020204020204" pitchFamily="34" charset="-122"/>
+              </a:rPr>
+              <a:t>Web</a:t>
+            </a:r>
+            <a:endParaRPr lang="zh-CN" altLang="en-US" sz="1400" dirty="0">
+              <a:solidFill>
+                <a:srgbClr val="666666"/>
+              </a:solidFill>
+              <a:latin typeface="Microsoft YaHei UI" panose="020B0503020204020204" pitchFamily="34" charset="-122"/>
+              <a:ea typeface="Microsoft YaHei UI" panose="020B0503020204020204" pitchFamily="34" charset="-122"/>
+            </a:endParaRPr>
+          </a:p>
+        </p:txBody>
+      </p:sp>
+      <p:pic>
+        <p:nvPicPr>
+          <p:cNvPr id="8" name="图形 7" descr="放大镜 纯色填充">
+            <a:extLst>
+              <a:ext uri="{FF2B5EF4-FFF2-40B4-BE49-F238E27FC236}">
+                <a16:creationId xmlns:a16="http://schemas.microsoft.com/office/drawing/2014/main" id="{27CAEB28-542C-B705-AD2B-EF680C7413E2}"/>
+              </a:ext>
+            </a:extLst>
+          </p:cNvPr>
+          <p:cNvPicPr>
+            <a:picLocks noChangeAspect="1"/>
+          </p:cNvPicPr>
+          <p:nvPr/>
+        </p:nvPicPr>
+        <p:blipFill>
+          <a:blip r:embed="rId3">
+            <a:extLst>
+              <a:ext uri="{28A0092B-C50C-407E-A947-70E740481C1C}">
+                <a14:useLocalDpi xmlns:a14="http://schemas.microsoft.com/office/drawing/2010/main" val="0"/>
+              </a:ext>
+              <a:ext uri="{96DAC541-7B7A-43D3-8B79-37D633B846F1}">
+                <asvg:svgBlip xmlns:asvg="http://schemas.microsoft.com/office/drawing/2016/SVG/main" r:embed="rId4"/>
+              </a:ext>
+            </a:extLst>
+          </a:blip>
+          <a:stretch>
+            <a:fillRect/>
+          </a:stretch>
+        </p:blipFill>
+        <p:spPr>
+          <a:xfrm rot="5400000">
+            <a:off x="620330" y="6450919"/>
+            <a:ext cx="229412" cy="229412"/>
+          </a:xfrm>
+          <a:prstGeom prst="rect">
+            <a:avLst/>
+          </a:prstGeom>
+        </p:spPr>
+      </p:pic>
+      <p:pic>
+        <p:nvPicPr>
+          <p:cNvPr id="10" name="图片 9">
+            <a:hlinkClick r:id="rId5" action="ppaction://hlinksldjump"/>
+            <a:extLst>
+              <a:ext uri="{FF2B5EF4-FFF2-40B4-BE49-F238E27FC236}">
+                <a16:creationId xmlns:a16="http://schemas.microsoft.com/office/drawing/2014/main" id="{E0BBC87A-FC7D-8917-A2F0-5EBEA5F95A53}"/>
+              </a:ext>
+            </a:extLst>
+          </p:cNvPr>
+          <p:cNvPicPr>
+            <a:picLocks noChangeAspect="1"/>
+          </p:cNvPicPr>
+          <p:nvPr/>
+        </p:nvPicPr>
+        <p:blipFill>
+          <a:blip r:embed="rId6">
+            <a:extLst>
+              <a:ext uri="{28A0092B-C50C-407E-A947-70E740481C1C}">
+                <a14:useLocalDpi xmlns:a14="http://schemas.microsoft.com/office/drawing/2010/main" val="0"/>
+              </a:ext>
+            </a:extLst>
+          </a:blip>
+          <a:stretch>
+            <a:fillRect/>
+          </a:stretch>
+        </p:blipFill>
+        <p:spPr>
+          <a:xfrm>
+            <a:off x="3383677" y="6411736"/>
+            <a:ext cx="348698" cy="348698"/>
+          </a:xfrm>
+          <a:prstGeom prst="rect">
+            <a:avLst/>
+          </a:prstGeom>
+        </p:spPr>
+      </p:pic>
+      <p:sp>
+        <p:nvSpPr>
+          <p:cNvPr id="3" name="矩形: 圆角 2">
+            <a:extLst>
+              <a:ext uri="{FF2B5EF4-FFF2-40B4-BE49-F238E27FC236}">
+                <a16:creationId xmlns:a16="http://schemas.microsoft.com/office/drawing/2014/main" id="{E7C17C10-42A5-E470-ABBD-5C4642C13466}"/>
+              </a:ext>
+            </a:extLst>
+          </p:cNvPr>
+          <p:cNvSpPr/>
+          <p:nvPr/>
+        </p:nvSpPr>
+        <p:spPr>
+          <a:xfrm>
+            <a:off x="3383677" y="6780676"/>
+            <a:ext cx="348698" cy="45719"/>
+          </a:xfrm>
+          <a:prstGeom prst="roundRect">
+            <a:avLst/>
+          </a:prstGeom>
+          <a:solidFill>
+            <a:srgbClr val="0070C0"/>
+          </a:solidFill>
+          <a:ln>
+            <a:noFill/>
+          </a:ln>
+        </p:spPr>
+        <p:style>
+          <a:lnRef idx="2">
+            <a:schemeClr val="accent1">
+              <a:shade val="15000"/>
+            </a:schemeClr>
+          </a:lnRef>
+          <a:fillRef idx="1">
+            <a:schemeClr val="accent1"/>
+          </a:fillRef>
+          <a:effectRef idx="0">
+            <a:schemeClr val="accent1"/>
+          </a:effectRef>
+          <a:fontRef idx="minor">
+            <a:schemeClr val="lt1"/>
+          </a:fontRef>
+        </p:style>
+        <p:txBody>
+          <a:bodyPr rtlCol="0" anchor="ctr"/>
+          <a:lstStyle/>
+          <a:p>
+            <a:pPr algn="ctr"/>
+            <a:endParaRPr lang="zh-CN" altLang="en-US"/>
+          </a:p>
+        </p:txBody>
+      </p:sp>
+      <p:pic>
+        <p:nvPicPr>
+          <p:cNvPr id="11" name="图片 10">
+            <a:extLst>
+              <a:ext uri="{FF2B5EF4-FFF2-40B4-BE49-F238E27FC236}">
+                <a16:creationId xmlns:a16="http://schemas.microsoft.com/office/drawing/2014/main" id="{272EC56A-ED73-FFD3-FBF2-A4EC89EF40D2}"/>
+              </a:ext>
+            </a:extLst>
+          </p:cNvPr>
+          <p:cNvPicPr>
+            <a:picLocks noChangeAspect="1"/>
+          </p:cNvPicPr>
+          <p:nvPr/>
+        </p:nvPicPr>
+        <p:blipFill>
+          <a:blip r:embed="rId6">
+            <a:extLst>
+              <a:ext uri="{28A0092B-C50C-407E-A947-70E740481C1C}">
+                <a14:useLocalDpi xmlns:a14="http://schemas.microsoft.com/office/drawing/2010/main" val="0"/>
+              </a:ext>
+            </a:extLst>
+          </a:blip>
+          <a:stretch>
+            <a:fillRect/>
+          </a:stretch>
+        </p:blipFill>
+        <p:spPr>
+          <a:xfrm>
+            <a:off x="9047019" y="192537"/>
+            <a:ext cx="685800" cy="685800"/>
+          </a:xfrm>
+          <a:prstGeom prst="rect">
+            <a:avLst/>
+          </a:prstGeom>
+        </p:spPr>
+      </p:pic>
+      <p:sp>
+        <p:nvSpPr>
+          <p:cNvPr id="13" name="文本框 12">
+            <a:extLst>
+              <a:ext uri="{FF2B5EF4-FFF2-40B4-BE49-F238E27FC236}">
+                <a16:creationId xmlns:a16="http://schemas.microsoft.com/office/drawing/2014/main" id="{D83118F2-E9E8-1010-D925-EA986C1D2394}"/>
+              </a:ext>
+            </a:extLst>
+          </p:cNvPr>
+          <p:cNvSpPr txBox="1"/>
+          <p:nvPr/>
+        </p:nvSpPr>
+        <p:spPr>
+          <a:xfrm>
+            <a:off x="9712038" y="212271"/>
+            <a:ext cx="6097978" cy="646331"/>
+          </a:xfrm>
+          <a:prstGeom prst="rect">
+            <a:avLst/>
+          </a:prstGeom>
+          <a:noFill/>
+        </p:spPr>
+        <p:txBody>
+          <a:bodyPr wrap="square">
+            <a:spAutoFit/>
+          </a:bodyPr>
+          <a:lstStyle/>
+          <a:p>
+            <a:r>
+              <a:rPr lang="en-US" altLang="zh-CN" sz="3600" b="1" i="0" dirty="0">
+                <a:solidFill>
+                  <a:srgbClr val="111111"/>
+                </a:solidFill>
+                <a:effectLst/>
+                <a:latin typeface="Microsoft YaHei UI" panose="020B0503020204020204" pitchFamily="34" charset="-122"/>
+                <a:ea typeface="Microsoft YaHei UI" panose="020B0503020204020204" pitchFamily="34" charset="-122"/>
+              </a:rPr>
+              <a:t>Copilot</a:t>
+            </a:r>
+            <a:endParaRPr lang="zh-CN" altLang="en-US" sz="3600" dirty="0">
+              <a:latin typeface="Microsoft YaHei UI" panose="020B0503020204020204" pitchFamily="34" charset="-122"/>
+              <a:ea typeface="Microsoft YaHei UI" panose="020B0503020204020204" pitchFamily="34" charset="-122"/>
+            </a:endParaRPr>
+          </a:p>
+        </p:txBody>
+      </p:sp>
+      <p:sp>
+        <p:nvSpPr>
+          <p:cNvPr id="15" name="文本框 14">
+            <a:extLst>
+              <a:ext uri="{FF2B5EF4-FFF2-40B4-BE49-F238E27FC236}">
+                <a16:creationId xmlns:a16="http://schemas.microsoft.com/office/drawing/2014/main" id="{5F85A465-81D9-747A-6F20-B42E06B8BCD9}"/>
+              </a:ext>
+            </a:extLst>
+          </p:cNvPr>
+          <p:cNvSpPr txBox="1"/>
+          <p:nvPr/>
+        </p:nvSpPr>
+        <p:spPr>
+          <a:xfrm>
+            <a:off x="9306791" y="898071"/>
+            <a:ext cx="2033649" cy="369332"/>
+          </a:xfrm>
+          <a:prstGeom prst="rect">
+            <a:avLst/>
+          </a:prstGeom>
+          <a:noFill/>
+        </p:spPr>
+        <p:txBody>
+          <a:bodyPr wrap="square">
+            <a:spAutoFit/>
+          </a:bodyPr>
+          <a:lstStyle/>
+          <a:p>
+            <a:r>
+              <a:rPr lang="zh-CN" altLang="it-IT" b="0" i="0" dirty="0">
+                <a:solidFill>
+                  <a:srgbClr val="111111"/>
+                </a:solidFill>
+                <a:effectLst/>
+                <a:latin typeface="Microsoft YaHei UI" panose="020B0503020204020204" pitchFamily="34" charset="-122"/>
+                <a:ea typeface="Microsoft YaHei UI" panose="020B0503020204020204" pitchFamily="34" charset="-122"/>
+              </a:rPr>
+              <a:t>你的日常 </a:t>
+            </a:r>
+            <a:r>
+              <a:rPr lang="it-IT" altLang="zh-CN" b="0" i="0" dirty="0">
+                <a:solidFill>
+                  <a:srgbClr val="111111"/>
+                </a:solidFill>
+                <a:effectLst/>
+                <a:latin typeface="Microsoft YaHei UI" panose="020B0503020204020204" pitchFamily="34" charset="-122"/>
+                <a:ea typeface="Microsoft YaHei UI" panose="020B0503020204020204" pitchFamily="34" charset="-122"/>
+              </a:rPr>
+              <a:t>AI </a:t>
+            </a:r>
+            <a:r>
+              <a:rPr lang="zh-CN" altLang="it-IT" b="0" i="0" dirty="0">
+                <a:solidFill>
+                  <a:srgbClr val="111111"/>
+                </a:solidFill>
+                <a:effectLst/>
+                <a:latin typeface="Microsoft YaHei UI" panose="020B0503020204020204" pitchFamily="34" charset="-122"/>
+                <a:ea typeface="Microsoft YaHei UI" panose="020B0503020204020204" pitchFamily="34" charset="-122"/>
+              </a:rPr>
+              <a:t>助手</a:t>
+            </a:r>
+            <a:endParaRPr lang="zh-CN" altLang="en-US" dirty="0">
+              <a:latin typeface="Microsoft YaHei UI" panose="020B0503020204020204" pitchFamily="34" charset="-122"/>
+              <a:ea typeface="Microsoft YaHei UI" panose="020B0503020204020204" pitchFamily="34" charset="-122"/>
+            </a:endParaRPr>
+          </a:p>
+        </p:txBody>
+      </p:sp>
+      <p:sp>
+        <p:nvSpPr>
+          <p:cNvPr id="17" name="文本框 16">
+            <a:extLst>
+              <a:ext uri="{FF2B5EF4-FFF2-40B4-BE49-F238E27FC236}">
+                <a16:creationId xmlns:a16="http://schemas.microsoft.com/office/drawing/2014/main" id="{17FF7DB0-3346-6269-D4C3-67D271597348}"/>
+              </a:ext>
+            </a:extLst>
+          </p:cNvPr>
+          <p:cNvSpPr txBox="1"/>
+          <p:nvPr/>
+        </p:nvSpPr>
+        <p:spPr>
+          <a:xfrm>
+            <a:off x="8455231" y="1656007"/>
+            <a:ext cx="3060865" cy="276999"/>
+          </a:xfrm>
+          <a:prstGeom prst="rect">
+            <a:avLst/>
+          </a:prstGeom>
+          <a:noFill/>
+        </p:spPr>
+        <p:txBody>
+          <a:bodyPr wrap="square">
+            <a:spAutoFit/>
+          </a:bodyPr>
+          <a:lstStyle/>
+          <a:p>
+            <a:r>
+              <a:rPr lang="en-US" altLang="zh-CN" sz="1200" b="0" i="0" dirty="0">
+                <a:solidFill>
+                  <a:srgbClr val="111111"/>
+                </a:solidFill>
+                <a:effectLst/>
+                <a:latin typeface="Microsoft YaHei UI" panose="020B0503020204020204" pitchFamily="34" charset="-122"/>
+                <a:ea typeface="Microsoft YaHei UI" panose="020B0503020204020204" pitchFamily="34" charset="-122"/>
+              </a:rPr>
+              <a:t>Copilot </a:t>
+            </a:r>
+            <a:r>
+              <a:rPr lang="zh-CN" altLang="en-US" sz="1200" b="0" i="0" dirty="0">
+                <a:solidFill>
+                  <a:srgbClr val="111111"/>
+                </a:solidFill>
+                <a:effectLst/>
+                <a:latin typeface="Microsoft YaHei UI" panose="020B0503020204020204" pitchFamily="34" charset="-122"/>
+                <a:ea typeface="Microsoft YaHei UI" panose="020B0503020204020204" pitchFamily="34" charset="-122"/>
+              </a:rPr>
+              <a:t>使用 </a:t>
+            </a:r>
+            <a:r>
+              <a:rPr lang="en-US" altLang="zh-CN" sz="1200" b="0" i="0" dirty="0">
+                <a:solidFill>
+                  <a:srgbClr val="111111"/>
+                </a:solidFill>
+                <a:effectLst/>
+                <a:latin typeface="Microsoft YaHei UI" panose="020B0503020204020204" pitchFamily="34" charset="-122"/>
+                <a:ea typeface="Microsoft YaHei UI" panose="020B0503020204020204" pitchFamily="34" charset="-122"/>
+              </a:rPr>
+              <a:t>AI</a:t>
+            </a:r>
+            <a:r>
+              <a:rPr lang="zh-CN" altLang="en-US" sz="1200" b="0" i="0" dirty="0">
+                <a:solidFill>
+                  <a:srgbClr val="111111"/>
+                </a:solidFill>
+                <a:effectLst/>
+                <a:latin typeface="Microsoft YaHei UI" panose="020B0503020204020204" pitchFamily="34" charset="-122"/>
+                <a:ea typeface="Microsoft YaHei UI" panose="020B0503020204020204" pitchFamily="34" charset="-122"/>
+              </a:rPr>
+              <a:t>。检查错误。</a:t>
+            </a:r>
+            <a:endParaRPr lang="zh-CN" altLang="en-US" sz="1200" dirty="0">
+              <a:latin typeface="Microsoft YaHei UI" panose="020B0503020204020204" pitchFamily="34" charset="-122"/>
+              <a:ea typeface="Microsoft YaHei UI" panose="020B0503020204020204" pitchFamily="34" charset="-122"/>
+            </a:endParaRPr>
+          </a:p>
+        </p:txBody>
+      </p:sp>
+      <p:sp>
+        <p:nvSpPr>
+          <p:cNvPr id="18" name="文本框 17">
+            <a:hlinkClick r:id="rId7"/>
+            <a:extLst>
+              <a:ext uri="{FF2B5EF4-FFF2-40B4-BE49-F238E27FC236}">
+                <a16:creationId xmlns:a16="http://schemas.microsoft.com/office/drawing/2014/main" id="{3E550EA5-DBF9-D46A-A55A-576CB7EAF3E8}"/>
+              </a:ext>
+            </a:extLst>
+          </p:cNvPr>
+          <p:cNvSpPr txBox="1"/>
+          <p:nvPr/>
+        </p:nvSpPr>
+        <p:spPr>
+          <a:xfrm>
+            <a:off x="10406992" y="1656007"/>
+            <a:ext cx="510639" cy="276999"/>
+          </a:xfrm>
+          <a:prstGeom prst="rect">
+            <a:avLst/>
+          </a:prstGeom>
+          <a:noFill/>
+        </p:spPr>
+        <p:txBody>
+          <a:bodyPr wrap="square" rtlCol="0">
+            <a:spAutoFit/>
+          </a:bodyPr>
+          <a:lstStyle/>
+          <a:p>
+            <a:r>
+              <a:rPr lang="zh-CN" altLang="en-US" sz="1200" dirty="0">
+                <a:solidFill>
+                  <a:srgbClr val="0070C0"/>
+                </a:solidFill>
+                <a:latin typeface="Microsoft YaHei UI" panose="020B0503020204020204" pitchFamily="34" charset="-122"/>
+                <a:ea typeface="Microsoft YaHei UI" panose="020B0503020204020204" pitchFamily="34" charset="-122"/>
+              </a:rPr>
+              <a:t>条款</a:t>
+            </a:r>
+          </a:p>
+        </p:txBody>
+      </p:sp>
+      <p:sp>
+        <p:nvSpPr>
+          <p:cNvPr id="21" name="文本框 20">
+            <a:hlinkClick r:id="rId8"/>
+            <a:extLst>
+              <a:ext uri="{FF2B5EF4-FFF2-40B4-BE49-F238E27FC236}">
+                <a16:creationId xmlns:a16="http://schemas.microsoft.com/office/drawing/2014/main" id="{DB65BB74-7020-6D89-C475-37A1D829EC5A}"/>
+              </a:ext>
+            </a:extLst>
+          </p:cNvPr>
+          <p:cNvSpPr txBox="1"/>
+          <p:nvPr/>
+        </p:nvSpPr>
+        <p:spPr>
+          <a:xfrm>
+            <a:off x="10767952" y="1656007"/>
+            <a:ext cx="510639" cy="276999"/>
+          </a:xfrm>
+          <a:prstGeom prst="rect">
+            <a:avLst/>
+          </a:prstGeom>
+          <a:noFill/>
+        </p:spPr>
+        <p:txBody>
+          <a:bodyPr wrap="square" rtlCol="0">
+            <a:spAutoFit/>
+          </a:bodyPr>
+          <a:lstStyle/>
+          <a:p>
+            <a:r>
+              <a:rPr lang="zh-CN" altLang="en-US" sz="1200" dirty="0">
+                <a:solidFill>
+                  <a:srgbClr val="0070C0"/>
+                </a:solidFill>
+                <a:latin typeface="Microsoft YaHei UI" panose="020B0503020204020204" pitchFamily="34" charset="-122"/>
+                <a:ea typeface="Microsoft YaHei UI" panose="020B0503020204020204" pitchFamily="34" charset="-122"/>
+              </a:rPr>
+              <a:t>隐私</a:t>
+            </a:r>
+          </a:p>
+        </p:txBody>
+      </p:sp>
+      <p:sp>
+        <p:nvSpPr>
+          <p:cNvPr id="22" name="文本框 21">
+            <a:hlinkClick r:id="rId9"/>
+            <a:extLst>
+              <a:ext uri="{FF2B5EF4-FFF2-40B4-BE49-F238E27FC236}">
+                <a16:creationId xmlns:a16="http://schemas.microsoft.com/office/drawing/2014/main" id="{798E4931-8C3E-38C0-84B0-652D1F98E020}"/>
+              </a:ext>
+            </a:extLst>
+          </p:cNvPr>
+          <p:cNvSpPr txBox="1"/>
+          <p:nvPr/>
+        </p:nvSpPr>
+        <p:spPr>
+          <a:xfrm>
+            <a:off x="11128911" y="1656007"/>
+            <a:ext cx="1149433" cy="276999"/>
+          </a:xfrm>
+          <a:prstGeom prst="rect">
+            <a:avLst/>
+          </a:prstGeom>
+          <a:noFill/>
+        </p:spPr>
+        <p:txBody>
+          <a:bodyPr wrap="square" rtlCol="0">
+            <a:spAutoFit/>
+          </a:bodyPr>
+          <a:lstStyle/>
+          <a:p>
+            <a:r>
+              <a:rPr lang="zh-CN" altLang="en-US" sz="1200" dirty="0">
+                <a:solidFill>
+                  <a:srgbClr val="0070C0"/>
+                </a:solidFill>
+                <a:latin typeface="Microsoft YaHei UI" panose="020B0503020204020204" pitchFamily="34" charset="-122"/>
+                <a:ea typeface="Microsoft YaHei UI" panose="020B0503020204020204" pitchFamily="34" charset="-122"/>
+              </a:rPr>
+              <a:t>常见问题解答</a:t>
+            </a:r>
+          </a:p>
+        </p:txBody>
+      </p:sp>
+      <p:sp>
+        <p:nvSpPr>
+          <p:cNvPr id="36" name="矩形: 圆角 35">
+            <a:extLst>
+              <a:ext uri="{FF2B5EF4-FFF2-40B4-BE49-F238E27FC236}">
+                <a16:creationId xmlns:a16="http://schemas.microsoft.com/office/drawing/2014/main" id="{06EEE99D-5D6D-4168-5B80-55A57B4E0FB0}"/>
+              </a:ext>
+            </a:extLst>
+          </p:cNvPr>
+          <p:cNvSpPr/>
+          <p:nvPr/>
+        </p:nvSpPr>
+        <p:spPr>
+          <a:xfrm>
+            <a:off x="8368888" y="5696958"/>
+            <a:ext cx="3556243" cy="348699"/>
+          </a:xfrm>
+          <a:prstGeom prst="roundRect">
+            <a:avLst/>
+          </a:prstGeom>
+          <a:noFill/>
+          <a:ln>
+            <a:noFill/>
+          </a:ln>
+        </p:spPr>
+        <p:style>
+          <a:lnRef idx="2">
+            <a:schemeClr val="accent1">
+              <a:shade val="15000"/>
+            </a:schemeClr>
+          </a:lnRef>
+          <a:fillRef idx="1">
+            <a:schemeClr val="accent1"/>
+          </a:fillRef>
+          <a:effectRef idx="0">
+            <a:schemeClr val="accent1"/>
+          </a:effectRef>
+          <a:fontRef idx="minor">
+            <a:schemeClr val="lt1"/>
+          </a:fontRef>
+        </p:style>
+        <p:txBody>
+          <a:bodyPr rtlCol="0" anchor="ctr"/>
+          <a:lstStyle/>
+          <a:p>
+            <a:pPr algn="ctr"/>
+            <a:endParaRPr lang="zh-CN" altLang="en-US" sz="1400">
+              <a:solidFill>
+                <a:schemeClr val="bg1"/>
+              </a:solidFill>
+            </a:endParaRPr>
+          </a:p>
+        </p:txBody>
+      </p:sp>
+      <p:sp>
+        <p:nvSpPr>
+          <p:cNvPr id="4" name="矩形 3">
+            <a:extLst>
+              <a:ext uri="{FF2B5EF4-FFF2-40B4-BE49-F238E27FC236}">
+                <a16:creationId xmlns:a16="http://schemas.microsoft.com/office/drawing/2014/main" id="{452EA8BF-D1FB-D025-F5B8-B146DBDC58B0}"/>
+              </a:ext>
+            </a:extLst>
+          </p:cNvPr>
+          <p:cNvSpPr/>
+          <p:nvPr/>
+        </p:nvSpPr>
+        <p:spPr>
+          <a:xfrm>
+            <a:off x="9463148" y="3499167"/>
+            <a:ext cx="1720933" cy="45719"/>
+          </a:xfrm>
+          <a:prstGeom prst="rect">
+            <a:avLst/>
+          </a:prstGeom>
+          <a:solidFill>
+            <a:srgbClr val="0070C0"/>
+          </a:solidFill>
+          <a:ln>
+            <a:noFill/>
+          </a:ln>
+        </p:spPr>
+        <p:style>
+          <a:lnRef idx="2">
+            <a:schemeClr val="accent1">
+              <a:shade val="15000"/>
+            </a:schemeClr>
+          </a:lnRef>
+          <a:fillRef idx="1">
+            <a:schemeClr val="accent1"/>
+          </a:fillRef>
+          <a:effectRef idx="0">
+            <a:schemeClr val="accent1"/>
+          </a:effectRef>
+          <a:fontRef idx="minor">
+            <a:schemeClr val="lt1"/>
+          </a:fontRef>
+        </p:style>
+        <p:txBody>
+          <a:bodyPr rtlCol="0" anchor="ctr"/>
+          <a:lstStyle/>
+          <a:p>
+            <a:pPr algn="ctr"/>
+            <a:endParaRPr lang="zh-CN" altLang="en-US"/>
+          </a:p>
+        </p:txBody>
+      </p:sp>
+      <p:sp>
+        <p:nvSpPr>
+          <p:cNvPr id="9" name="文本框 8">
+            <a:extLst>
+              <a:ext uri="{FF2B5EF4-FFF2-40B4-BE49-F238E27FC236}">
+                <a16:creationId xmlns:a16="http://schemas.microsoft.com/office/drawing/2014/main" id="{02CF1679-E20C-4CE6-343B-5B1F32F8B778}"/>
+              </a:ext>
+            </a:extLst>
+          </p:cNvPr>
+          <p:cNvSpPr txBox="1"/>
+          <p:nvPr/>
+        </p:nvSpPr>
+        <p:spPr>
+          <a:xfrm>
+            <a:off x="9752860" y="3050143"/>
+            <a:ext cx="1164771" cy="369332"/>
+          </a:xfrm>
+          <a:prstGeom prst="rect">
+            <a:avLst/>
+          </a:prstGeom>
+          <a:noFill/>
+        </p:spPr>
+        <p:txBody>
+          <a:bodyPr wrap="square" rtlCol="0">
+            <a:spAutoFit/>
+          </a:bodyPr>
+          <a:lstStyle/>
+          <a:p>
+            <a:r>
+              <a:rPr lang="zh-CN" altLang="en-US" dirty="0">
+                <a:latin typeface="Microsoft YaHei UI" panose="020B0503020204020204" pitchFamily="34" charset="-122"/>
+                <a:ea typeface="Microsoft YaHei UI" panose="020B0503020204020204" pitchFamily="34" charset="-122"/>
+              </a:rPr>
+              <a:t>正在加载</a:t>
+            </a:r>
+          </a:p>
+        </p:txBody>
+      </p:sp>
+    </p:spTree>
+    <p:extLst>
+      <p:ext uri="{BB962C8B-B14F-4D97-AF65-F5344CB8AC3E}">
+        <p14:creationId xmlns:p14="http://schemas.microsoft.com/office/powerpoint/2010/main" val="1231448179"/>
+      </p:ext>
+    </p:extLst>
+  </p:cSld>
+  <p:clrMapOvr>
+    <a:masterClrMapping/>
+  </p:clrMapOvr>
+  <mc:AlternateContent xmlns:mc="http://schemas.openxmlformats.org/markup-compatibility/2006">
+    <mc:Choice xmlns:p14="http://schemas.microsoft.com/office/powerpoint/2010/main" Requires="p14">
+      <p:transition spd="slow" p14:dur="2000" advClick="0" advTm="1000"/>
+    </mc:Choice>
+    <mc:Fallback>
+      <p:transition spd="slow" advClick="0" advTm="1000"/>
+    </mc:Fallback>
+  </mc:AlternateContent>
+</p:sld>
+</file>
+
+<file path=ppt/slides/slide47.xml><?xml version="1.0" encoding="utf-8"?>
+<p:sld xmlns:a="http://schemas.openxmlformats.org/drawingml/2006/main" xmlns:r="http://schemas.openxmlformats.org/officeDocument/2006/relationships" xmlns:p="http://schemas.openxmlformats.org/presentationml/2006/main">
+  <p:cSld>
+    <p:bg>
+      <p:bgPr>
+        <a:gradFill>
+          <a:gsLst>
+            <a:gs pos="0">
+              <a:schemeClr val="bg1"/>
+            </a:gs>
+            <a:gs pos="50000">
+              <a:schemeClr val="accent1">
+                <a:tint val="44500"/>
+                <a:satMod val="160000"/>
+              </a:schemeClr>
+            </a:gs>
+            <a:gs pos="100000">
+              <a:schemeClr val="accent1">
+                <a:tint val="23500"/>
+                <a:satMod val="160000"/>
+              </a:schemeClr>
+            </a:gs>
+          </a:gsLst>
+          <a:lin ang="2700000" scaled="1"/>
+        </a:gradFill>
+        <a:effectLst/>
+      </p:bgPr>
+    </p:bg>
+    <p:spTree>
+      <p:nvGrpSpPr>
+        <p:cNvPr id="1" name=""/>
+        <p:cNvGrpSpPr/>
+        <p:nvPr/>
+      </p:nvGrpSpPr>
+      <p:grpSpPr>
+        <a:xfrm>
+          <a:off x="0" y="0"/>
+          <a:ext cx="0" cy="0"/>
+          <a:chOff x="0" y="0"/>
+          <a:chExt cx="0" cy="0"/>
+        </a:xfrm>
+      </p:grpSpPr>
+      <p:sp>
+        <p:nvSpPr>
+          <p:cNvPr id="7" name="矩形 6">
+            <a:extLst>
+              <a:ext uri="{FF2B5EF4-FFF2-40B4-BE49-F238E27FC236}">
+                <a16:creationId xmlns:a16="http://schemas.microsoft.com/office/drawing/2014/main" id="{BFC91392-3C61-7CA4-1B7D-FA0B2AC6BEAA}"/>
+              </a:ext>
+            </a:extLst>
+          </p:cNvPr>
+          <p:cNvSpPr/>
+          <p:nvPr/>
+        </p:nvSpPr>
+        <p:spPr>
+          <a:xfrm>
+            <a:off x="8455231" y="0"/>
+            <a:ext cx="3736770" cy="6391276"/>
+          </a:xfrm>
+          <a:prstGeom prst="rect">
+            <a:avLst/>
+          </a:prstGeom>
+          <a:solidFill>
+            <a:schemeClr val="bg1"/>
+          </a:solidFill>
+          <a:ln>
+            <a:noFill/>
+          </a:ln>
+          <a:effectLst>
+            <a:outerShdw blurRad="63500" sx="102000" sy="102000" algn="ctr" rotWithShape="0">
+              <a:prstClr val="black">
+                <a:alpha val="40000"/>
+              </a:prstClr>
+            </a:outerShdw>
+          </a:effectLst>
+        </p:spPr>
+        <p:style>
+          <a:lnRef idx="2">
+            <a:schemeClr val="accent1">
+              <a:shade val="15000"/>
+            </a:schemeClr>
+          </a:lnRef>
+          <a:fillRef idx="1">
+            <a:schemeClr val="accent1"/>
+          </a:fillRef>
+          <a:effectRef idx="0">
+            <a:schemeClr val="accent1"/>
+          </a:effectRef>
+          <a:fontRef idx="minor">
+            <a:schemeClr val="lt1"/>
+          </a:fontRef>
+        </p:style>
+        <p:txBody>
+          <a:bodyPr rtlCol="0" anchor="ctr"/>
+          <a:lstStyle/>
+          <a:p>
+            <a:pPr algn="ctr"/>
+            <a:br>
+              <a:rPr lang="zh-CN" altLang="en-US" dirty="0"/>
+            </a:br>
+            <a:endParaRPr lang="zh-CN" altLang="en-US" dirty="0"/>
+          </a:p>
+        </p:txBody>
+      </p:sp>
+      <p:pic>
+        <p:nvPicPr>
+          <p:cNvPr id="2" name="Picture 2" descr="Logo Windows 11 – Logos PNG">
+            <a:extLst>
+              <a:ext uri="{FF2B5EF4-FFF2-40B4-BE49-F238E27FC236}">
+                <a16:creationId xmlns:a16="http://schemas.microsoft.com/office/drawing/2014/main" id="{38A59586-2595-9E66-FEBE-66D47C3EF4CF}"/>
+              </a:ext>
+            </a:extLst>
+          </p:cNvPr>
+          <p:cNvPicPr>
+            <a:picLocks noChangeAspect="1" noChangeArrowheads="1"/>
+          </p:cNvPicPr>
+          <p:nvPr/>
+        </p:nvPicPr>
+        <p:blipFill>
+          <a:blip r:embed="rId2">
+            <a:extLst>
+              <a:ext uri="{28A0092B-C50C-407E-A947-70E740481C1C}">
+                <a14:useLocalDpi xmlns:a14="http://schemas.microsoft.com/office/drawing/2010/main" val="0"/>
+              </a:ext>
+            </a:extLst>
+          </a:blip>
+          <a:srcRect/>
+          <a:stretch>
+            <a:fillRect/>
+          </a:stretch>
+        </p:blipFill>
+        <p:spPr bwMode="auto">
+          <a:xfrm flipV="1">
+            <a:off x="95250" y="6391276"/>
+            <a:ext cx="348698" cy="348698"/>
+          </a:xfrm>
+          <a:prstGeom prst="rect">
+            <a:avLst/>
+          </a:prstGeom>
+          <a:noFill/>
+          <a:extLst>
+            <a:ext uri="{909E8E84-426E-40DD-AFC4-6F175D3DCCD1}">
+              <a14:hiddenFill xmlns:a14="http://schemas.microsoft.com/office/drawing/2010/main">
+                <a:solidFill>
+                  <a:srgbClr val="FFFFFF"/>
+                </a:solidFill>
+              </a14:hiddenFill>
+            </a:ext>
+          </a:extLst>
+        </p:spPr>
+      </p:pic>
+      <p:sp>
+        <p:nvSpPr>
+          <p:cNvPr id="5" name="矩形: 圆角 4">
+            <a:extLst>
+              <a:ext uri="{FF2B5EF4-FFF2-40B4-BE49-F238E27FC236}">
+                <a16:creationId xmlns:a16="http://schemas.microsoft.com/office/drawing/2014/main" id="{F0E653BC-0EF8-517D-2CF0-006D12BC69A4}"/>
+              </a:ext>
+            </a:extLst>
+          </p:cNvPr>
+          <p:cNvSpPr/>
+          <p:nvPr/>
+        </p:nvSpPr>
+        <p:spPr>
+          <a:xfrm>
+            <a:off x="558140" y="6391276"/>
+            <a:ext cx="2743200" cy="348698"/>
+          </a:xfrm>
+          <a:prstGeom prst="roundRect">
+            <a:avLst/>
+          </a:prstGeom>
+          <a:solidFill>
+            <a:schemeClr val="bg1"/>
+          </a:solidFill>
+          <a:ln>
+            <a:noFill/>
+          </a:ln>
+        </p:spPr>
+        <p:style>
+          <a:lnRef idx="2">
+            <a:schemeClr val="accent1">
+              <a:shade val="15000"/>
+            </a:schemeClr>
+          </a:lnRef>
+          <a:fillRef idx="1">
+            <a:schemeClr val="accent1"/>
+          </a:fillRef>
+          <a:effectRef idx="0">
+            <a:schemeClr val="accent1"/>
+          </a:effectRef>
+          <a:fontRef idx="minor">
+            <a:schemeClr val="lt1"/>
+          </a:fontRef>
+        </p:style>
+        <p:txBody>
+          <a:bodyPr rtlCol="0" anchor="ctr"/>
+          <a:lstStyle/>
+          <a:p>
+            <a:pPr algn="ctr"/>
+            <a:endParaRPr lang="zh-CN" altLang="en-US"/>
+          </a:p>
+        </p:txBody>
+      </p:sp>
+      <p:sp>
+        <p:nvSpPr>
+          <p:cNvPr id="6" name="文本框 5">
+            <a:extLst>
+              <a:ext uri="{FF2B5EF4-FFF2-40B4-BE49-F238E27FC236}">
+                <a16:creationId xmlns:a16="http://schemas.microsoft.com/office/drawing/2014/main" id="{820536A4-56EA-0B85-9D1A-32FDE5FF57F7}"/>
+              </a:ext>
+            </a:extLst>
+          </p:cNvPr>
+          <p:cNvSpPr txBox="1"/>
+          <p:nvPr/>
+        </p:nvSpPr>
+        <p:spPr>
+          <a:xfrm>
+            <a:off x="777298" y="6411736"/>
+            <a:ext cx="1472541" cy="307777"/>
+          </a:xfrm>
+          <a:prstGeom prst="rect">
+            <a:avLst/>
+          </a:prstGeom>
+          <a:noFill/>
+        </p:spPr>
+        <p:txBody>
+          <a:bodyPr wrap="square" rtlCol="0">
+            <a:spAutoFit/>
+          </a:bodyPr>
+          <a:lstStyle/>
+          <a:p>
+            <a:r>
+              <a:rPr lang="zh-CN" altLang="en-US" sz="1400" dirty="0">
+                <a:solidFill>
+                  <a:srgbClr val="666666"/>
+                </a:solidFill>
+                <a:latin typeface="Microsoft YaHei UI" panose="020B0503020204020204" pitchFamily="34" charset="-122"/>
+                <a:ea typeface="Microsoft YaHei UI" panose="020B0503020204020204" pitchFamily="34" charset="-122"/>
+              </a:rPr>
+              <a:t>搜索文件、</a:t>
+            </a:r>
+            <a:r>
+              <a:rPr lang="en-US" altLang="zh-CN" sz="1400" dirty="0">
+                <a:solidFill>
+                  <a:srgbClr val="666666"/>
+                </a:solidFill>
+                <a:latin typeface="Microsoft YaHei UI" panose="020B0503020204020204" pitchFamily="34" charset="-122"/>
+                <a:ea typeface="Microsoft YaHei UI" panose="020B0503020204020204" pitchFamily="34" charset="-122"/>
+              </a:rPr>
+              <a:t>Web</a:t>
+            </a:r>
+            <a:endParaRPr lang="zh-CN" altLang="en-US" sz="1400" dirty="0">
+              <a:solidFill>
+                <a:srgbClr val="666666"/>
+              </a:solidFill>
+              <a:latin typeface="Microsoft YaHei UI" panose="020B0503020204020204" pitchFamily="34" charset="-122"/>
+              <a:ea typeface="Microsoft YaHei UI" panose="020B0503020204020204" pitchFamily="34" charset="-122"/>
+            </a:endParaRPr>
+          </a:p>
+        </p:txBody>
+      </p:sp>
+      <p:pic>
+        <p:nvPicPr>
+          <p:cNvPr id="8" name="图形 7" descr="放大镜 纯色填充">
+            <a:extLst>
+              <a:ext uri="{FF2B5EF4-FFF2-40B4-BE49-F238E27FC236}">
+                <a16:creationId xmlns:a16="http://schemas.microsoft.com/office/drawing/2014/main" id="{27CAEB28-542C-B705-AD2B-EF680C7413E2}"/>
+              </a:ext>
+            </a:extLst>
+          </p:cNvPr>
+          <p:cNvPicPr>
+            <a:picLocks noChangeAspect="1"/>
+          </p:cNvPicPr>
+          <p:nvPr/>
+        </p:nvPicPr>
+        <p:blipFill>
+          <a:blip r:embed="rId3">
+            <a:extLst>
+              <a:ext uri="{28A0092B-C50C-407E-A947-70E740481C1C}">
+                <a14:useLocalDpi xmlns:a14="http://schemas.microsoft.com/office/drawing/2010/main" val="0"/>
+              </a:ext>
+              <a:ext uri="{96DAC541-7B7A-43D3-8B79-37D633B846F1}">
+                <asvg:svgBlip xmlns:asvg="http://schemas.microsoft.com/office/drawing/2016/SVG/main" r:embed="rId4"/>
+              </a:ext>
+            </a:extLst>
+          </a:blip>
+          <a:stretch>
+            <a:fillRect/>
+          </a:stretch>
+        </p:blipFill>
+        <p:spPr>
+          <a:xfrm rot="5400000">
+            <a:off x="620330" y="6450919"/>
+            <a:ext cx="229412" cy="229412"/>
+          </a:xfrm>
+          <a:prstGeom prst="rect">
+            <a:avLst/>
+          </a:prstGeom>
+        </p:spPr>
+      </p:pic>
+      <p:pic>
+        <p:nvPicPr>
+          <p:cNvPr id="10" name="图片 9">
+            <a:hlinkClick r:id="rId5" action="ppaction://hlinksldjump"/>
+            <a:extLst>
+              <a:ext uri="{FF2B5EF4-FFF2-40B4-BE49-F238E27FC236}">
+                <a16:creationId xmlns:a16="http://schemas.microsoft.com/office/drawing/2014/main" id="{E0BBC87A-FC7D-8917-A2F0-5EBEA5F95A53}"/>
+              </a:ext>
+            </a:extLst>
+          </p:cNvPr>
+          <p:cNvPicPr>
+            <a:picLocks noChangeAspect="1"/>
+          </p:cNvPicPr>
+          <p:nvPr/>
+        </p:nvPicPr>
+        <p:blipFill>
+          <a:blip r:embed="rId6">
+            <a:extLst>
+              <a:ext uri="{28A0092B-C50C-407E-A947-70E740481C1C}">
+                <a14:useLocalDpi xmlns:a14="http://schemas.microsoft.com/office/drawing/2010/main" val="0"/>
+              </a:ext>
+            </a:extLst>
+          </a:blip>
+          <a:stretch>
+            <a:fillRect/>
+          </a:stretch>
+        </p:blipFill>
+        <p:spPr>
+          <a:xfrm>
+            <a:off x="3383677" y="6411736"/>
+            <a:ext cx="348698" cy="348698"/>
+          </a:xfrm>
+          <a:prstGeom prst="rect">
+            <a:avLst/>
+          </a:prstGeom>
+        </p:spPr>
+      </p:pic>
+      <p:sp>
+        <p:nvSpPr>
+          <p:cNvPr id="3" name="矩形: 圆角 2">
+            <a:extLst>
+              <a:ext uri="{FF2B5EF4-FFF2-40B4-BE49-F238E27FC236}">
+                <a16:creationId xmlns:a16="http://schemas.microsoft.com/office/drawing/2014/main" id="{E7C17C10-42A5-E470-ABBD-5C4642C13466}"/>
+              </a:ext>
+            </a:extLst>
+          </p:cNvPr>
+          <p:cNvSpPr/>
+          <p:nvPr/>
+        </p:nvSpPr>
+        <p:spPr>
+          <a:xfrm>
+            <a:off x="3383677" y="6780676"/>
+            <a:ext cx="348698" cy="45719"/>
+          </a:xfrm>
+          <a:prstGeom prst="roundRect">
+            <a:avLst/>
+          </a:prstGeom>
+          <a:solidFill>
+            <a:srgbClr val="0070C0"/>
+          </a:solidFill>
+          <a:ln>
+            <a:noFill/>
+          </a:ln>
+        </p:spPr>
+        <p:style>
+          <a:lnRef idx="2">
+            <a:schemeClr val="accent1">
+              <a:shade val="15000"/>
+            </a:schemeClr>
+          </a:lnRef>
+          <a:fillRef idx="1">
+            <a:schemeClr val="accent1"/>
+          </a:fillRef>
+          <a:effectRef idx="0">
+            <a:schemeClr val="accent1"/>
+          </a:effectRef>
+          <a:fontRef idx="minor">
+            <a:schemeClr val="lt1"/>
+          </a:fontRef>
+        </p:style>
+        <p:txBody>
+          <a:bodyPr rtlCol="0" anchor="ctr"/>
+          <a:lstStyle/>
+          <a:p>
+            <a:pPr algn="ctr"/>
+            <a:endParaRPr lang="zh-CN" altLang="en-US"/>
+          </a:p>
+        </p:txBody>
+      </p:sp>
+      <p:pic>
+        <p:nvPicPr>
+          <p:cNvPr id="11" name="图片 10">
+            <a:extLst>
+              <a:ext uri="{FF2B5EF4-FFF2-40B4-BE49-F238E27FC236}">
+                <a16:creationId xmlns:a16="http://schemas.microsoft.com/office/drawing/2014/main" id="{272EC56A-ED73-FFD3-FBF2-A4EC89EF40D2}"/>
+              </a:ext>
+            </a:extLst>
+          </p:cNvPr>
+          <p:cNvPicPr>
+            <a:picLocks noChangeAspect="1"/>
+          </p:cNvPicPr>
+          <p:nvPr/>
+        </p:nvPicPr>
+        <p:blipFill>
+          <a:blip r:embed="rId6">
+            <a:extLst>
+              <a:ext uri="{28A0092B-C50C-407E-A947-70E740481C1C}">
+                <a14:useLocalDpi xmlns:a14="http://schemas.microsoft.com/office/drawing/2010/main" val="0"/>
+              </a:ext>
+            </a:extLst>
+          </a:blip>
+          <a:stretch>
+            <a:fillRect/>
+          </a:stretch>
+        </p:blipFill>
+        <p:spPr>
+          <a:xfrm>
+            <a:off x="9047019" y="192537"/>
+            <a:ext cx="685800" cy="685800"/>
+          </a:xfrm>
+          <a:prstGeom prst="rect">
+            <a:avLst/>
+          </a:prstGeom>
+        </p:spPr>
+      </p:pic>
+      <p:sp>
+        <p:nvSpPr>
+          <p:cNvPr id="13" name="文本框 12">
+            <a:extLst>
+              <a:ext uri="{FF2B5EF4-FFF2-40B4-BE49-F238E27FC236}">
+                <a16:creationId xmlns:a16="http://schemas.microsoft.com/office/drawing/2014/main" id="{D83118F2-E9E8-1010-D925-EA986C1D2394}"/>
+              </a:ext>
+            </a:extLst>
+          </p:cNvPr>
+          <p:cNvSpPr txBox="1"/>
+          <p:nvPr/>
+        </p:nvSpPr>
+        <p:spPr>
+          <a:xfrm>
+            <a:off x="9712038" y="212271"/>
+            <a:ext cx="6097978" cy="646331"/>
+          </a:xfrm>
+          <a:prstGeom prst="rect">
+            <a:avLst/>
+          </a:prstGeom>
+          <a:noFill/>
+        </p:spPr>
+        <p:txBody>
+          <a:bodyPr wrap="square">
+            <a:spAutoFit/>
+          </a:bodyPr>
+          <a:lstStyle/>
+          <a:p>
+            <a:r>
+              <a:rPr lang="en-US" altLang="zh-CN" sz="3600" b="1" i="0" dirty="0">
+                <a:solidFill>
+                  <a:srgbClr val="111111"/>
+                </a:solidFill>
+                <a:effectLst/>
+                <a:latin typeface="Microsoft YaHei UI" panose="020B0503020204020204" pitchFamily="34" charset="-122"/>
+                <a:ea typeface="Microsoft YaHei UI" panose="020B0503020204020204" pitchFamily="34" charset="-122"/>
+              </a:rPr>
+              <a:t>Copilot</a:t>
+            </a:r>
+            <a:endParaRPr lang="zh-CN" altLang="en-US" sz="3600" dirty="0">
+              <a:latin typeface="Microsoft YaHei UI" panose="020B0503020204020204" pitchFamily="34" charset="-122"/>
+              <a:ea typeface="Microsoft YaHei UI" panose="020B0503020204020204" pitchFamily="34" charset="-122"/>
+            </a:endParaRPr>
+          </a:p>
+        </p:txBody>
+      </p:sp>
+      <p:sp>
+        <p:nvSpPr>
+          <p:cNvPr id="15" name="文本框 14">
+            <a:extLst>
+              <a:ext uri="{FF2B5EF4-FFF2-40B4-BE49-F238E27FC236}">
+                <a16:creationId xmlns:a16="http://schemas.microsoft.com/office/drawing/2014/main" id="{5F85A465-81D9-747A-6F20-B42E06B8BCD9}"/>
+              </a:ext>
+            </a:extLst>
+          </p:cNvPr>
+          <p:cNvSpPr txBox="1"/>
+          <p:nvPr/>
+        </p:nvSpPr>
+        <p:spPr>
+          <a:xfrm>
+            <a:off x="9306791" y="898071"/>
+            <a:ext cx="2033649" cy="369332"/>
+          </a:xfrm>
+          <a:prstGeom prst="rect">
+            <a:avLst/>
+          </a:prstGeom>
+          <a:noFill/>
+        </p:spPr>
+        <p:txBody>
+          <a:bodyPr wrap="square">
+            <a:spAutoFit/>
+          </a:bodyPr>
+          <a:lstStyle/>
+          <a:p>
+            <a:r>
+              <a:rPr lang="zh-CN" altLang="it-IT" b="0" i="0" dirty="0">
+                <a:solidFill>
+                  <a:srgbClr val="111111"/>
+                </a:solidFill>
+                <a:effectLst/>
+                <a:latin typeface="Microsoft YaHei UI" panose="020B0503020204020204" pitchFamily="34" charset="-122"/>
+                <a:ea typeface="Microsoft YaHei UI" panose="020B0503020204020204" pitchFamily="34" charset="-122"/>
+              </a:rPr>
+              <a:t>你的日常 </a:t>
+            </a:r>
+            <a:r>
+              <a:rPr lang="it-IT" altLang="zh-CN" b="0" i="0" dirty="0">
+                <a:solidFill>
+                  <a:srgbClr val="111111"/>
+                </a:solidFill>
+                <a:effectLst/>
+                <a:latin typeface="Microsoft YaHei UI" panose="020B0503020204020204" pitchFamily="34" charset="-122"/>
+                <a:ea typeface="Microsoft YaHei UI" panose="020B0503020204020204" pitchFamily="34" charset="-122"/>
+              </a:rPr>
+              <a:t>AI </a:t>
+            </a:r>
+            <a:r>
+              <a:rPr lang="zh-CN" altLang="it-IT" b="0" i="0" dirty="0">
+                <a:solidFill>
+                  <a:srgbClr val="111111"/>
+                </a:solidFill>
+                <a:effectLst/>
+                <a:latin typeface="Microsoft YaHei UI" panose="020B0503020204020204" pitchFamily="34" charset="-122"/>
+                <a:ea typeface="Microsoft YaHei UI" panose="020B0503020204020204" pitchFamily="34" charset="-122"/>
+              </a:rPr>
+              <a:t>助手</a:t>
+            </a:r>
+            <a:endParaRPr lang="zh-CN" altLang="en-US" dirty="0">
+              <a:latin typeface="Microsoft YaHei UI" panose="020B0503020204020204" pitchFamily="34" charset="-122"/>
+              <a:ea typeface="Microsoft YaHei UI" panose="020B0503020204020204" pitchFamily="34" charset="-122"/>
+            </a:endParaRPr>
+          </a:p>
+        </p:txBody>
+      </p:sp>
+      <p:sp>
+        <p:nvSpPr>
+          <p:cNvPr id="17" name="文本框 16">
+            <a:extLst>
+              <a:ext uri="{FF2B5EF4-FFF2-40B4-BE49-F238E27FC236}">
+                <a16:creationId xmlns:a16="http://schemas.microsoft.com/office/drawing/2014/main" id="{17FF7DB0-3346-6269-D4C3-67D271597348}"/>
+              </a:ext>
+            </a:extLst>
+          </p:cNvPr>
+          <p:cNvSpPr txBox="1"/>
+          <p:nvPr/>
+        </p:nvSpPr>
+        <p:spPr>
+          <a:xfrm>
+            <a:off x="8455231" y="1656007"/>
+            <a:ext cx="3060865" cy="276999"/>
+          </a:xfrm>
+          <a:prstGeom prst="rect">
+            <a:avLst/>
+          </a:prstGeom>
+          <a:noFill/>
+        </p:spPr>
+        <p:txBody>
+          <a:bodyPr wrap="square">
+            <a:spAutoFit/>
+          </a:bodyPr>
+          <a:lstStyle/>
+          <a:p>
+            <a:r>
+              <a:rPr lang="en-US" altLang="zh-CN" sz="1200" b="0" i="0" dirty="0">
+                <a:solidFill>
+                  <a:srgbClr val="111111"/>
+                </a:solidFill>
+                <a:effectLst/>
+                <a:latin typeface="Microsoft YaHei UI" panose="020B0503020204020204" pitchFamily="34" charset="-122"/>
+                <a:ea typeface="Microsoft YaHei UI" panose="020B0503020204020204" pitchFamily="34" charset="-122"/>
+              </a:rPr>
+              <a:t>Copilot </a:t>
+            </a:r>
+            <a:r>
+              <a:rPr lang="zh-CN" altLang="en-US" sz="1200" b="0" i="0" dirty="0">
+                <a:solidFill>
+                  <a:srgbClr val="111111"/>
+                </a:solidFill>
+                <a:effectLst/>
+                <a:latin typeface="Microsoft YaHei UI" panose="020B0503020204020204" pitchFamily="34" charset="-122"/>
+                <a:ea typeface="Microsoft YaHei UI" panose="020B0503020204020204" pitchFamily="34" charset="-122"/>
+              </a:rPr>
+              <a:t>使用 </a:t>
+            </a:r>
+            <a:r>
+              <a:rPr lang="en-US" altLang="zh-CN" sz="1200" b="0" i="0" dirty="0">
+                <a:solidFill>
+                  <a:srgbClr val="111111"/>
+                </a:solidFill>
+                <a:effectLst/>
+                <a:latin typeface="Microsoft YaHei UI" panose="020B0503020204020204" pitchFamily="34" charset="-122"/>
+                <a:ea typeface="Microsoft YaHei UI" panose="020B0503020204020204" pitchFamily="34" charset="-122"/>
+              </a:rPr>
+              <a:t>AI</a:t>
+            </a:r>
+            <a:r>
+              <a:rPr lang="zh-CN" altLang="en-US" sz="1200" b="0" i="0" dirty="0">
+                <a:solidFill>
+                  <a:srgbClr val="111111"/>
+                </a:solidFill>
+                <a:effectLst/>
+                <a:latin typeface="Microsoft YaHei UI" panose="020B0503020204020204" pitchFamily="34" charset="-122"/>
+                <a:ea typeface="Microsoft YaHei UI" panose="020B0503020204020204" pitchFamily="34" charset="-122"/>
+              </a:rPr>
+              <a:t>。检查错误。</a:t>
+            </a:r>
+            <a:endParaRPr lang="zh-CN" altLang="en-US" sz="1200" dirty="0">
+              <a:latin typeface="Microsoft YaHei UI" panose="020B0503020204020204" pitchFamily="34" charset="-122"/>
+              <a:ea typeface="Microsoft YaHei UI" panose="020B0503020204020204" pitchFamily="34" charset="-122"/>
+            </a:endParaRPr>
+          </a:p>
+        </p:txBody>
+      </p:sp>
+      <p:sp>
+        <p:nvSpPr>
+          <p:cNvPr id="18" name="文本框 17">
+            <a:hlinkClick r:id="rId7"/>
+            <a:extLst>
+              <a:ext uri="{FF2B5EF4-FFF2-40B4-BE49-F238E27FC236}">
+                <a16:creationId xmlns:a16="http://schemas.microsoft.com/office/drawing/2014/main" id="{3E550EA5-DBF9-D46A-A55A-576CB7EAF3E8}"/>
+              </a:ext>
+            </a:extLst>
+          </p:cNvPr>
+          <p:cNvSpPr txBox="1"/>
+          <p:nvPr/>
+        </p:nvSpPr>
+        <p:spPr>
+          <a:xfrm>
+            <a:off x="10406992" y="1656007"/>
+            <a:ext cx="510639" cy="276999"/>
+          </a:xfrm>
+          <a:prstGeom prst="rect">
+            <a:avLst/>
+          </a:prstGeom>
+          <a:noFill/>
+        </p:spPr>
+        <p:txBody>
+          <a:bodyPr wrap="square" rtlCol="0">
+            <a:spAutoFit/>
+          </a:bodyPr>
+          <a:lstStyle/>
+          <a:p>
+            <a:r>
+              <a:rPr lang="zh-CN" altLang="en-US" sz="1200" dirty="0">
+                <a:solidFill>
+                  <a:srgbClr val="0070C0"/>
+                </a:solidFill>
+                <a:latin typeface="Microsoft YaHei UI" panose="020B0503020204020204" pitchFamily="34" charset="-122"/>
+                <a:ea typeface="Microsoft YaHei UI" panose="020B0503020204020204" pitchFamily="34" charset="-122"/>
+              </a:rPr>
+              <a:t>条款</a:t>
+            </a:r>
+          </a:p>
+        </p:txBody>
+      </p:sp>
+      <p:sp>
+        <p:nvSpPr>
+          <p:cNvPr id="21" name="文本框 20">
+            <a:hlinkClick r:id="rId8"/>
+            <a:extLst>
+              <a:ext uri="{FF2B5EF4-FFF2-40B4-BE49-F238E27FC236}">
+                <a16:creationId xmlns:a16="http://schemas.microsoft.com/office/drawing/2014/main" id="{DB65BB74-7020-6D89-C475-37A1D829EC5A}"/>
+              </a:ext>
+            </a:extLst>
+          </p:cNvPr>
+          <p:cNvSpPr txBox="1"/>
+          <p:nvPr/>
+        </p:nvSpPr>
+        <p:spPr>
+          <a:xfrm>
+            <a:off x="10767952" y="1656007"/>
+            <a:ext cx="510639" cy="276999"/>
+          </a:xfrm>
+          <a:prstGeom prst="rect">
+            <a:avLst/>
+          </a:prstGeom>
+          <a:noFill/>
+        </p:spPr>
+        <p:txBody>
+          <a:bodyPr wrap="square" rtlCol="0">
+            <a:spAutoFit/>
+          </a:bodyPr>
+          <a:lstStyle/>
+          <a:p>
+            <a:r>
+              <a:rPr lang="zh-CN" altLang="en-US" sz="1200" dirty="0">
+                <a:solidFill>
+                  <a:srgbClr val="0070C0"/>
+                </a:solidFill>
+                <a:latin typeface="Microsoft YaHei UI" panose="020B0503020204020204" pitchFamily="34" charset="-122"/>
+                <a:ea typeface="Microsoft YaHei UI" panose="020B0503020204020204" pitchFamily="34" charset="-122"/>
+              </a:rPr>
+              <a:t>隐私</a:t>
+            </a:r>
+          </a:p>
+        </p:txBody>
+      </p:sp>
+      <p:sp>
+        <p:nvSpPr>
+          <p:cNvPr id="22" name="文本框 21">
+            <a:hlinkClick r:id="rId9"/>
+            <a:extLst>
+              <a:ext uri="{FF2B5EF4-FFF2-40B4-BE49-F238E27FC236}">
+                <a16:creationId xmlns:a16="http://schemas.microsoft.com/office/drawing/2014/main" id="{798E4931-8C3E-38C0-84B0-652D1F98E020}"/>
+              </a:ext>
+            </a:extLst>
+          </p:cNvPr>
+          <p:cNvSpPr txBox="1"/>
+          <p:nvPr/>
+        </p:nvSpPr>
+        <p:spPr>
+          <a:xfrm>
+            <a:off x="11128911" y="1656007"/>
+            <a:ext cx="1149433" cy="276999"/>
+          </a:xfrm>
+          <a:prstGeom prst="rect">
+            <a:avLst/>
+          </a:prstGeom>
+          <a:noFill/>
+        </p:spPr>
+        <p:txBody>
+          <a:bodyPr wrap="square" rtlCol="0">
+            <a:spAutoFit/>
+          </a:bodyPr>
+          <a:lstStyle/>
+          <a:p>
+            <a:r>
+              <a:rPr lang="zh-CN" altLang="en-US" sz="1200" dirty="0">
+                <a:solidFill>
+                  <a:srgbClr val="0070C0"/>
+                </a:solidFill>
+                <a:latin typeface="Microsoft YaHei UI" panose="020B0503020204020204" pitchFamily="34" charset="-122"/>
+                <a:ea typeface="Microsoft YaHei UI" panose="020B0503020204020204" pitchFamily="34" charset="-122"/>
+              </a:rPr>
+              <a:t>常见问题解答</a:t>
+            </a:r>
+          </a:p>
+        </p:txBody>
+      </p:sp>
+      <p:pic>
+        <p:nvPicPr>
+          <p:cNvPr id="26" name="图片 25">
+            <a:extLst>
+              <a:ext uri="{FF2B5EF4-FFF2-40B4-BE49-F238E27FC236}">
+                <a16:creationId xmlns:a16="http://schemas.microsoft.com/office/drawing/2014/main" id="{A6D7F230-D934-4162-4FCA-BFB8993D0835}"/>
+              </a:ext>
+            </a:extLst>
+          </p:cNvPr>
+          <p:cNvPicPr>
+            <a:picLocks noChangeAspect="1"/>
+          </p:cNvPicPr>
+          <p:nvPr/>
+        </p:nvPicPr>
+        <p:blipFill>
+          <a:blip r:embed="rId10"/>
+          <a:stretch>
+            <a:fillRect/>
+          </a:stretch>
+        </p:blipFill>
+        <p:spPr>
+          <a:xfrm>
+            <a:off x="8661710" y="3140904"/>
+            <a:ext cx="3323810" cy="576191"/>
+          </a:xfrm>
+          <a:prstGeom prst="rect">
+            <a:avLst/>
+          </a:prstGeom>
+        </p:spPr>
+      </p:pic>
+      <p:sp>
+        <p:nvSpPr>
+          <p:cNvPr id="27" name="文本框 26">
+            <a:extLst>
+              <a:ext uri="{FF2B5EF4-FFF2-40B4-BE49-F238E27FC236}">
+                <a16:creationId xmlns:a16="http://schemas.microsoft.com/office/drawing/2014/main" id="{2C27BFAF-133C-6AE0-5EF1-F873F4552245}"/>
+              </a:ext>
+            </a:extLst>
+          </p:cNvPr>
+          <p:cNvSpPr txBox="1"/>
+          <p:nvPr/>
+        </p:nvSpPr>
+        <p:spPr>
+          <a:xfrm>
+            <a:off x="9509662" y="2673534"/>
+            <a:ext cx="1619249" cy="369332"/>
+          </a:xfrm>
+          <a:prstGeom prst="rect">
+            <a:avLst/>
+          </a:prstGeom>
+          <a:noFill/>
+        </p:spPr>
+        <p:txBody>
+          <a:bodyPr wrap="square" rtlCol="0">
+            <a:spAutoFit/>
+          </a:bodyPr>
+          <a:lstStyle/>
+          <a:p>
+            <a:r>
+              <a:rPr lang="zh-CN" altLang="en-US" b="1" dirty="0">
+                <a:latin typeface="Microsoft YaHei UI" panose="020B0503020204020204" pitchFamily="34" charset="-122"/>
+                <a:ea typeface="Microsoft YaHei UI" panose="020B0503020204020204" pitchFamily="34" charset="-122"/>
+              </a:rPr>
+              <a:t>选择对话样式</a:t>
+            </a:r>
+          </a:p>
+        </p:txBody>
+      </p:sp>
+      <p:grpSp>
+        <p:nvGrpSpPr>
+          <p:cNvPr id="32" name="组合 31">
+            <a:extLst>
+              <a:ext uri="{FF2B5EF4-FFF2-40B4-BE49-F238E27FC236}">
+                <a16:creationId xmlns:a16="http://schemas.microsoft.com/office/drawing/2014/main" id="{8F6A7E3F-1218-0048-DFE3-2801983C4447}"/>
+              </a:ext>
+            </a:extLst>
+          </p:cNvPr>
+          <p:cNvGrpSpPr/>
+          <p:nvPr/>
+        </p:nvGrpSpPr>
+        <p:grpSpPr>
+          <a:xfrm>
+            <a:off x="8551620" y="5343525"/>
+            <a:ext cx="3521139" cy="876653"/>
+            <a:chOff x="1570403" y="5333502"/>
+            <a:chExt cx="3521139" cy="876653"/>
+          </a:xfrm>
+          <a:effectLst/>
+        </p:grpSpPr>
+        <p:sp>
+          <p:nvSpPr>
+            <p:cNvPr id="33" name="矩形: 圆角 32">
+              <a:extLst>
+                <a:ext uri="{FF2B5EF4-FFF2-40B4-BE49-F238E27FC236}">
+                  <a16:creationId xmlns:a16="http://schemas.microsoft.com/office/drawing/2014/main" id="{8E68D01C-991D-7BA9-482F-F316DF0EDC7F}"/>
+                </a:ext>
+              </a:extLst>
+            </p:cNvPr>
+            <p:cNvSpPr/>
+            <p:nvPr/>
+          </p:nvSpPr>
+          <p:spPr>
+            <a:xfrm>
+              <a:off x="1570403" y="5333502"/>
+              <a:ext cx="3506946" cy="876653"/>
+            </a:xfrm>
+            <a:prstGeom prst="roundRect">
+              <a:avLst/>
+            </a:prstGeom>
+            <a:solidFill>
+              <a:srgbClr val="FFFFFF"/>
+            </a:solidFill>
+            <a:ln>
+              <a:solidFill>
+                <a:srgbClr val="D1D1D1"/>
+              </a:solidFill>
+            </a:ln>
+          </p:spPr>
+          <p:style>
+            <a:lnRef idx="2">
+              <a:schemeClr val="accent1">
+                <a:shade val="15000"/>
+              </a:schemeClr>
+            </a:lnRef>
+            <a:fillRef idx="1">
+              <a:schemeClr val="accent1"/>
+            </a:fillRef>
+            <a:effectRef idx="0">
+              <a:schemeClr val="accent1"/>
+            </a:effectRef>
+            <a:fontRef idx="minor">
+              <a:schemeClr val="lt1"/>
+            </a:fontRef>
+          </p:style>
+          <p:txBody>
+            <a:bodyPr rtlCol="0" anchor="ctr"/>
+            <a:lstStyle/>
+            <a:p>
+              <a:pPr algn="ctr"/>
+              <a:endParaRPr lang="zh-CN" altLang="en-US" sz="1400" dirty="0">
+                <a:solidFill>
+                  <a:schemeClr val="bg1"/>
+                </a:solidFill>
+              </a:endParaRPr>
+            </a:p>
+          </p:txBody>
+        </p:sp>
+        <p:sp>
+          <p:nvSpPr>
+            <p:cNvPr id="34" name="文本框 33">
+              <a:extLst>
+                <a:ext uri="{FF2B5EF4-FFF2-40B4-BE49-F238E27FC236}">
+                  <a16:creationId xmlns:a16="http://schemas.microsoft.com/office/drawing/2014/main" id="{46E32F1E-49EB-A45C-FE8C-F480881B1DFB}"/>
+                </a:ext>
+              </a:extLst>
+            </p:cNvPr>
+            <p:cNvSpPr txBox="1"/>
+            <p:nvPr/>
+          </p:nvSpPr>
+          <p:spPr>
+            <a:xfrm>
+              <a:off x="1584596" y="5466873"/>
+              <a:ext cx="3506946" cy="338554"/>
+            </a:xfrm>
+            <a:prstGeom prst="rect">
+              <a:avLst/>
+            </a:prstGeom>
+            <a:noFill/>
+          </p:spPr>
+          <p:txBody>
+            <a:bodyPr wrap="square" rtlCol="0">
+              <a:spAutoFit/>
+            </a:bodyPr>
+            <a:lstStyle/>
+            <a:p>
+              <a:r>
+                <a:rPr lang="zh-CN" altLang="en-US" sz="1600" dirty="0">
+                  <a:solidFill>
+                    <a:srgbClr val="666666"/>
+                  </a:solidFill>
+                  <a:latin typeface="Microsoft YaHei UI" panose="020B0503020204020204" pitchFamily="34" charset="-122"/>
+                  <a:ea typeface="Microsoft YaHei UI" panose="020B0503020204020204" pitchFamily="34" charset="-122"/>
+                </a:rPr>
+                <a:t>有问题尽管问我</a:t>
+              </a:r>
+              <a:r>
+                <a:rPr lang="en-US" altLang="zh-CN" sz="1600" dirty="0">
+                  <a:solidFill>
+                    <a:srgbClr val="666666"/>
+                  </a:solidFill>
+                  <a:latin typeface="Microsoft YaHei UI" panose="020B0503020204020204" pitchFamily="34" charset="-122"/>
+                  <a:ea typeface="Microsoft YaHei UI" panose="020B0503020204020204" pitchFamily="34" charset="-122"/>
+                </a:rPr>
+                <a:t>…</a:t>
+              </a:r>
+              <a:endParaRPr lang="zh-CN" altLang="en-US" sz="1600" dirty="0">
+                <a:solidFill>
+                  <a:srgbClr val="666666"/>
+                </a:solidFill>
+                <a:latin typeface="Microsoft YaHei UI" panose="020B0503020204020204" pitchFamily="34" charset="-122"/>
+                <a:ea typeface="Microsoft YaHei UI" panose="020B0503020204020204" pitchFamily="34" charset="-122"/>
+              </a:endParaRPr>
+            </a:p>
+          </p:txBody>
+        </p:sp>
+        <p:pic>
+          <p:nvPicPr>
+            <p:cNvPr id="35" name="图片 34">
+              <a:extLst>
+                <a:ext uri="{FF2B5EF4-FFF2-40B4-BE49-F238E27FC236}">
+                  <a16:creationId xmlns:a16="http://schemas.microsoft.com/office/drawing/2014/main" id="{E499B725-3A2F-0A2B-F6FF-43844B7B89E2}"/>
+                </a:ext>
+              </a:extLst>
+            </p:cNvPr>
+            <p:cNvPicPr>
+              <a:picLocks noChangeAspect="1"/>
+            </p:cNvPicPr>
+            <p:nvPr/>
+          </p:nvPicPr>
+          <p:blipFill>
+            <a:blip r:embed="rId11"/>
+            <a:stretch>
+              <a:fillRect/>
+            </a:stretch>
+          </p:blipFill>
+          <p:spPr>
+            <a:xfrm>
+              <a:off x="3828723" y="5733619"/>
+              <a:ext cx="1248626" cy="374206"/>
+            </a:xfrm>
+            <a:prstGeom prst="rect">
+              <a:avLst/>
+            </a:prstGeom>
+          </p:spPr>
+        </p:pic>
+      </p:grpSp>
+      <p:sp>
+        <p:nvSpPr>
+          <p:cNvPr id="36" name="矩形: 圆角 35">
+            <a:extLst>
+              <a:ext uri="{FF2B5EF4-FFF2-40B4-BE49-F238E27FC236}">
+                <a16:creationId xmlns:a16="http://schemas.microsoft.com/office/drawing/2014/main" id="{06EEE99D-5D6D-4168-5B80-55A57B4E0FB0}"/>
+              </a:ext>
+            </a:extLst>
+          </p:cNvPr>
+          <p:cNvSpPr/>
+          <p:nvPr/>
+        </p:nvSpPr>
+        <p:spPr>
+          <a:xfrm>
+            <a:off x="8368888" y="5696958"/>
+            <a:ext cx="3556243" cy="348699"/>
+          </a:xfrm>
+          <a:prstGeom prst="roundRect">
+            <a:avLst/>
+          </a:prstGeom>
+          <a:noFill/>
+          <a:ln>
+            <a:noFill/>
+          </a:ln>
+        </p:spPr>
+        <p:style>
+          <a:lnRef idx="2">
+            <a:schemeClr val="accent1">
+              <a:shade val="15000"/>
+            </a:schemeClr>
+          </a:lnRef>
+          <a:fillRef idx="1">
+            <a:schemeClr val="accent1"/>
+          </a:fillRef>
+          <a:effectRef idx="0">
+            <a:schemeClr val="accent1"/>
+          </a:effectRef>
+          <a:fontRef idx="minor">
+            <a:schemeClr val="lt1"/>
+          </a:fontRef>
+        </p:style>
+        <p:txBody>
+          <a:bodyPr rtlCol="0" anchor="ctr"/>
+          <a:lstStyle/>
+          <a:p>
+            <a:pPr algn="ctr"/>
+            <a:endParaRPr lang="zh-CN" altLang="en-US" sz="1400">
+              <a:solidFill>
+                <a:schemeClr val="bg1"/>
+              </a:solidFill>
+            </a:endParaRPr>
+          </a:p>
+        </p:txBody>
+      </p:sp>
+      <p:pic>
+        <p:nvPicPr>
+          <p:cNvPr id="41" name="图片 40">
+            <a:extLst>
+              <a:ext uri="{FF2B5EF4-FFF2-40B4-BE49-F238E27FC236}">
+                <a16:creationId xmlns:a16="http://schemas.microsoft.com/office/drawing/2014/main" id="{D72047DA-E2B7-CB38-1C09-7EA43F659CE5}"/>
+              </a:ext>
+            </a:extLst>
+          </p:cNvPr>
+          <p:cNvPicPr>
+            <a:picLocks noChangeAspect="1"/>
+          </p:cNvPicPr>
+          <p:nvPr/>
+        </p:nvPicPr>
+        <p:blipFill>
+          <a:blip r:embed="rId12"/>
+          <a:stretch>
+            <a:fillRect/>
+          </a:stretch>
+        </p:blipFill>
+        <p:spPr>
+          <a:xfrm>
+            <a:off x="8913627" y="5863546"/>
+            <a:ext cx="338554" cy="338554"/>
+          </a:xfrm>
+          <a:prstGeom prst="rect">
+            <a:avLst/>
+          </a:prstGeom>
+        </p:spPr>
+      </p:pic>
+      <p:pic>
+        <p:nvPicPr>
+          <p:cNvPr id="43" name="图片 42">
+            <a:extLst>
+              <a:ext uri="{FF2B5EF4-FFF2-40B4-BE49-F238E27FC236}">
+                <a16:creationId xmlns:a16="http://schemas.microsoft.com/office/drawing/2014/main" id="{3016758C-6DDB-D896-5E9E-4022498DB1CC}"/>
+              </a:ext>
+            </a:extLst>
+          </p:cNvPr>
+          <p:cNvPicPr>
+            <a:picLocks noChangeAspect="1"/>
+          </p:cNvPicPr>
+          <p:nvPr/>
+        </p:nvPicPr>
+        <p:blipFill>
+          <a:blip r:embed="rId13"/>
+          <a:stretch>
+            <a:fillRect/>
+          </a:stretch>
+        </p:blipFill>
+        <p:spPr>
+          <a:xfrm>
+            <a:off x="8575073" y="5842380"/>
+            <a:ext cx="338554" cy="338554"/>
+          </a:xfrm>
+          <a:prstGeom prst="rect">
+            <a:avLst/>
+          </a:prstGeom>
+        </p:spPr>
+      </p:pic>
+      <p:pic>
+        <p:nvPicPr>
+          <p:cNvPr id="45" name="图片 44">
+            <a:extLst>
+              <a:ext uri="{FF2B5EF4-FFF2-40B4-BE49-F238E27FC236}">
+                <a16:creationId xmlns:a16="http://schemas.microsoft.com/office/drawing/2014/main" id="{441D472E-B920-DB86-CEDF-17E332E5ED50}"/>
+              </a:ext>
+            </a:extLst>
+          </p:cNvPr>
+          <p:cNvPicPr>
+            <a:picLocks noChangeAspect="1"/>
+          </p:cNvPicPr>
+          <p:nvPr/>
+        </p:nvPicPr>
+        <p:blipFill>
+          <a:blip r:embed="rId14"/>
+          <a:stretch>
+            <a:fillRect/>
+          </a:stretch>
+        </p:blipFill>
+        <p:spPr>
+          <a:xfrm>
+            <a:off x="11632397" y="5410320"/>
+            <a:ext cx="333322" cy="333322"/>
+          </a:xfrm>
+          <a:prstGeom prst="rect">
+            <a:avLst/>
+          </a:prstGeom>
+        </p:spPr>
+      </p:pic>
+    </p:spTree>
+    <p:extLst>
+      <p:ext uri="{BB962C8B-B14F-4D97-AF65-F5344CB8AC3E}">
+        <p14:creationId xmlns:p14="http://schemas.microsoft.com/office/powerpoint/2010/main" val="2640284375"/>
+      </p:ext>
+    </p:extLst>
+  </p:cSld>
+  <p:clrMapOvr>
+    <a:masterClrMapping/>
+  </p:clrMapOvr>
+  <mc:AlternateContent xmlns:mc="http://schemas.openxmlformats.org/markup-compatibility/2006">
+    <mc:Choice xmlns:p159="http://schemas.microsoft.com/office/powerpoint/2015/09/main" Requires="p159">
+      <p:transition xmlns:p14="http://schemas.microsoft.com/office/powerpoint/2010/main" spd="slow" p14:dur="2000" advClick="0">
+        <p159:morph option="byObject"/>
+      </p:transition>
+    </mc:Choice>
+    <mc:Fallback>
+      <p:transition spd="slow" advClick="0">
         <p:fade/>
       </p:transition>
     </mc:Fallback>
